--- a/R/R데이터수집_동적.pptx
+++ b/R/R데이터수집_동적.pptx
@@ -118,7 +118,7 @@
   </p:defaultTextStyle>
   <p:extLst>
     <p:ext uri="{EFAFB233-063F-42B5-8137-9DF3F51BA10A}">
-      <p15:sldGuideLst xmlns:p15="http://schemas.microsoft.com/office/powerpoint/2012/main">
+      <p15:sldGuideLst xmlns:p15="http://schemas.microsoft.com/office/powerpoint/2012/main" xmlns="">
         <p15:guide id="1" orient="horz" pos="2160">
           <p15:clr>
             <a:srgbClr val="A4A3A4"/>
@@ -301,37 +301,38 @@
           <a:p>
             <a:pPr lvl="0"/>
             <a:r>
-              <a:rPr lang="ko-KR" altLang="en-US"/>
+              <a:rPr lang="ko-KR" altLang="en-US" smtClean="0"/>
               <a:t>마스터 텍스트 스타일을 편집합니다</a:t>
             </a:r>
           </a:p>
           <a:p>
             <a:pPr lvl="1"/>
             <a:r>
-              <a:rPr lang="ko-KR" altLang="en-US"/>
+              <a:rPr lang="ko-KR" altLang="en-US" smtClean="0"/>
               <a:t>둘째 수준</a:t>
             </a:r>
           </a:p>
           <a:p>
             <a:pPr lvl="2"/>
             <a:r>
-              <a:rPr lang="ko-KR" altLang="en-US"/>
+              <a:rPr lang="ko-KR" altLang="en-US" smtClean="0"/>
               <a:t>셋째 수준</a:t>
             </a:r>
           </a:p>
           <a:p>
             <a:pPr lvl="3"/>
             <a:r>
-              <a:rPr lang="ko-KR" altLang="en-US"/>
+              <a:rPr lang="ko-KR" altLang="en-US" smtClean="0"/>
               <a:t>넷째 수준</a:t>
             </a:r>
           </a:p>
           <a:p>
             <a:pPr lvl="4"/>
             <a:r>
-              <a:rPr lang="ko-KR" altLang="en-US"/>
+              <a:rPr lang="ko-KR" altLang="en-US" smtClean="0"/>
               <a:t>다섯째 수준</a:t>
             </a:r>
+            <a:endParaRPr lang="ko-KR" altLang="en-US"/>
           </a:p>
         </p:txBody>
       </p:sp>
@@ -546,9 +547,10 @@
           </a:lstStyle>
           <a:p>
             <a:r>
-              <a:rPr lang="ko-KR" altLang="en-US"/>
+              <a:rPr lang="ko-KR" altLang="en-US" smtClean="0"/>
               <a:t>마스터 제목 스타일 편집</a:t>
             </a:r>
+            <a:endParaRPr lang="ko-KR" altLang="en-US"/>
           </a:p>
         </p:txBody>
       </p:sp>
@@ -610,9 +612,10 @@
           </a:lstStyle>
           <a:p>
             <a:r>
-              <a:rPr lang="ko-KR" altLang="en-US"/>
+              <a:rPr lang="ko-KR" altLang="en-US" smtClean="0"/>
               <a:t>마스터 부제목 스타일 편집</a:t>
             </a:r>
+            <a:endParaRPr lang="ko-KR" altLang="en-US"/>
           </a:p>
         </p:txBody>
       </p:sp>
@@ -727,9 +730,10 @@
           <a:lstStyle/>
           <a:p>
             <a:r>
-              <a:rPr lang="ko-KR" altLang="en-US"/>
+              <a:rPr lang="ko-KR" altLang="en-US" smtClean="0"/>
               <a:t>마스터 제목 스타일 편집</a:t>
             </a:r>
+            <a:endParaRPr lang="ko-KR" altLang="en-US"/>
           </a:p>
         </p:txBody>
       </p:sp>
@@ -750,37 +754,38 @@
           <a:p>
             <a:pPr lvl="0"/>
             <a:r>
-              <a:rPr lang="ko-KR" altLang="en-US"/>
+              <a:rPr lang="ko-KR" altLang="en-US" smtClean="0"/>
               <a:t>마스터 텍스트 스타일을 편집합니다</a:t>
             </a:r>
           </a:p>
           <a:p>
             <a:pPr lvl="1"/>
             <a:r>
-              <a:rPr lang="ko-KR" altLang="en-US"/>
+              <a:rPr lang="ko-KR" altLang="en-US" smtClean="0"/>
               <a:t>둘째 수준</a:t>
             </a:r>
           </a:p>
           <a:p>
             <a:pPr lvl="2"/>
             <a:r>
-              <a:rPr lang="ko-KR" altLang="en-US"/>
+              <a:rPr lang="ko-KR" altLang="en-US" smtClean="0"/>
               <a:t>셋째 수준</a:t>
             </a:r>
           </a:p>
           <a:p>
             <a:pPr lvl="3"/>
             <a:r>
-              <a:rPr lang="ko-KR" altLang="en-US"/>
+              <a:rPr lang="ko-KR" altLang="en-US" smtClean="0"/>
               <a:t>넷째 수준</a:t>
             </a:r>
           </a:p>
           <a:p>
             <a:pPr lvl="4"/>
             <a:r>
-              <a:rPr lang="ko-KR" altLang="en-US"/>
+              <a:rPr lang="ko-KR" altLang="en-US" smtClean="0"/>
               <a:t>다섯째 수준</a:t>
             </a:r>
+            <a:endParaRPr lang="ko-KR" altLang="en-US"/>
           </a:p>
         </p:txBody>
       </p:sp>
@@ -900,9 +905,10 @@
           <a:lstStyle/>
           <a:p>
             <a:r>
-              <a:rPr lang="ko-KR" altLang="en-US"/>
+              <a:rPr lang="ko-KR" altLang="en-US" smtClean="0"/>
               <a:t>마스터 제목 스타일 편집</a:t>
             </a:r>
+            <a:endParaRPr lang="ko-KR" altLang="en-US"/>
           </a:p>
         </p:txBody>
       </p:sp>
@@ -928,37 +934,38 @@
           <a:p>
             <a:pPr lvl="0"/>
             <a:r>
-              <a:rPr lang="ko-KR" altLang="en-US"/>
+              <a:rPr lang="ko-KR" altLang="en-US" smtClean="0"/>
               <a:t>마스터 텍스트 스타일을 편집합니다</a:t>
             </a:r>
           </a:p>
           <a:p>
             <a:pPr lvl="1"/>
             <a:r>
-              <a:rPr lang="ko-KR" altLang="en-US"/>
+              <a:rPr lang="ko-KR" altLang="en-US" smtClean="0"/>
               <a:t>둘째 수준</a:t>
             </a:r>
           </a:p>
           <a:p>
             <a:pPr lvl="2"/>
             <a:r>
-              <a:rPr lang="ko-KR" altLang="en-US"/>
+              <a:rPr lang="ko-KR" altLang="en-US" smtClean="0"/>
               <a:t>셋째 수준</a:t>
             </a:r>
           </a:p>
           <a:p>
             <a:pPr lvl="3"/>
             <a:r>
-              <a:rPr lang="ko-KR" altLang="en-US"/>
+              <a:rPr lang="ko-KR" altLang="en-US" smtClean="0"/>
               <a:t>넷째 수준</a:t>
             </a:r>
           </a:p>
           <a:p>
             <a:pPr lvl="4"/>
             <a:r>
-              <a:rPr lang="ko-KR" altLang="en-US"/>
+              <a:rPr lang="ko-KR" altLang="en-US" smtClean="0"/>
               <a:t>다섯째 수준</a:t>
             </a:r>
+            <a:endParaRPr lang="ko-KR" altLang="en-US"/>
           </a:p>
         </p:txBody>
       </p:sp>
@@ -1073,9 +1080,10 @@
           <a:lstStyle/>
           <a:p>
             <a:r>
-              <a:rPr lang="ko-KR" altLang="en-US"/>
+              <a:rPr lang="ko-KR" altLang="en-US" smtClean="0"/>
               <a:t>마스터 제목 스타일 편집</a:t>
             </a:r>
+            <a:endParaRPr lang="ko-KR" altLang="en-US"/>
           </a:p>
         </p:txBody>
       </p:sp>
@@ -1096,37 +1104,38 @@
           <a:p>
             <a:pPr lvl="0"/>
             <a:r>
-              <a:rPr lang="ko-KR" altLang="en-US"/>
+              <a:rPr lang="ko-KR" altLang="en-US" smtClean="0"/>
               <a:t>마스터 텍스트 스타일을 편집합니다</a:t>
             </a:r>
           </a:p>
           <a:p>
             <a:pPr lvl="1"/>
             <a:r>
-              <a:rPr lang="ko-KR" altLang="en-US"/>
+              <a:rPr lang="ko-KR" altLang="en-US" smtClean="0"/>
               <a:t>둘째 수준</a:t>
             </a:r>
           </a:p>
           <a:p>
             <a:pPr lvl="2"/>
             <a:r>
-              <a:rPr lang="ko-KR" altLang="en-US"/>
+              <a:rPr lang="ko-KR" altLang="en-US" smtClean="0"/>
               <a:t>셋째 수준</a:t>
             </a:r>
           </a:p>
           <a:p>
             <a:pPr lvl="3"/>
             <a:r>
-              <a:rPr lang="ko-KR" altLang="en-US"/>
+              <a:rPr lang="ko-KR" altLang="en-US" smtClean="0"/>
               <a:t>넷째 수준</a:t>
             </a:r>
           </a:p>
           <a:p>
             <a:pPr lvl="4"/>
             <a:r>
-              <a:rPr lang="ko-KR" altLang="en-US"/>
+              <a:rPr lang="ko-KR" altLang="en-US" smtClean="0"/>
               <a:t>다섯째 수준</a:t>
             </a:r>
+            <a:endParaRPr lang="ko-KR" altLang="en-US"/>
           </a:p>
         </p:txBody>
       </p:sp>
@@ -1250,9 +1259,10 @@
           </a:lstStyle>
           <a:p>
             <a:r>
-              <a:rPr lang="ko-KR" altLang="en-US"/>
+              <a:rPr lang="ko-KR" altLang="en-US" smtClean="0"/>
               <a:t>마스터 제목 스타일 편집</a:t>
             </a:r>
+            <a:endParaRPr lang="ko-KR" altLang="en-US"/>
           </a:p>
         </p:txBody>
       </p:sp>
@@ -1369,7 +1379,7 @@
           <a:p>
             <a:pPr lvl="0"/>
             <a:r>
-              <a:rPr lang="ko-KR" altLang="en-US"/>
+              <a:rPr lang="ko-KR" altLang="en-US" smtClean="0"/>
               <a:t>마스터 텍스트 스타일을 편집합니다</a:t>
             </a:r>
           </a:p>
@@ -1486,9 +1496,10 @@
           <a:lstStyle/>
           <a:p>
             <a:r>
-              <a:rPr lang="ko-KR" altLang="en-US"/>
+              <a:rPr lang="ko-KR" altLang="en-US" smtClean="0"/>
               <a:t>마스터 제목 스타일 편집</a:t>
             </a:r>
+            <a:endParaRPr lang="ko-KR" altLang="en-US"/>
           </a:p>
         </p:txBody>
       </p:sp>
@@ -1514,37 +1525,38 @@
           <a:p>
             <a:pPr lvl="0"/>
             <a:r>
-              <a:rPr lang="ko-KR" altLang="en-US"/>
+              <a:rPr lang="ko-KR" altLang="en-US" smtClean="0"/>
               <a:t>마스터 텍스트 스타일을 편집합니다</a:t>
             </a:r>
           </a:p>
           <a:p>
             <a:pPr lvl="1"/>
             <a:r>
-              <a:rPr lang="ko-KR" altLang="en-US"/>
+              <a:rPr lang="ko-KR" altLang="en-US" smtClean="0"/>
               <a:t>둘째 수준</a:t>
             </a:r>
           </a:p>
           <a:p>
             <a:pPr lvl="2"/>
             <a:r>
-              <a:rPr lang="ko-KR" altLang="en-US"/>
+              <a:rPr lang="ko-KR" altLang="en-US" smtClean="0"/>
               <a:t>셋째 수준</a:t>
             </a:r>
           </a:p>
           <a:p>
             <a:pPr lvl="3"/>
             <a:r>
-              <a:rPr lang="ko-KR" altLang="en-US"/>
+              <a:rPr lang="ko-KR" altLang="en-US" smtClean="0"/>
               <a:t>넷째 수준</a:t>
             </a:r>
           </a:p>
           <a:p>
             <a:pPr lvl="4"/>
             <a:r>
-              <a:rPr lang="ko-KR" altLang="en-US"/>
+              <a:rPr lang="ko-KR" altLang="en-US" smtClean="0"/>
               <a:t>다섯째 수준</a:t>
             </a:r>
+            <a:endParaRPr lang="ko-KR" altLang="en-US"/>
           </a:p>
         </p:txBody>
       </p:sp>
@@ -1570,37 +1582,38 @@
           <a:p>
             <a:pPr lvl="0"/>
             <a:r>
-              <a:rPr lang="ko-KR" altLang="en-US"/>
+              <a:rPr lang="ko-KR" altLang="en-US" smtClean="0"/>
               <a:t>마스터 텍스트 스타일을 편집합니다</a:t>
             </a:r>
           </a:p>
           <a:p>
             <a:pPr lvl="1"/>
             <a:r>
-              <a:rPr lang="ko-KR" altLang="en-US"/>
+              <a:rPr lang="ko-KR" altLang="en-US" smtClean="0"/>
               <a:t>둘째 수준</a:t>
             </a:r>
           </a:p>
           <a:p>
             <a:pPr lvl="2"/>
             <a:r>
-              <a:rPr lang="ko-KR" altLang="en-US"/>
+              <a:rPr lang="ko-KR" altLang="en-US" smtClean="0"/>
               <a:t>셋째 수준</a:t>
             </a:r>
           </a:p>
           <a:p>
             <a:pPr lvl="3"/>
             <a:r>
-              <a:rPr lang="ko-KR" altLang="en-US"/>
+              <a:rPr lang="ko-KR" altLang="en-US" smtClean="0"/>
               <a:t>넷째 수준</a:t>
             </a:r>
           </a:p>
           <a:p>
             <a:pPr lvl="4"/>
             <a:r>
-              <a:rPr lang="ko-KR" altLang="en-US"/>
+              <a:rPr lang="ko-KR" altLang="en-US" smtClean="0"/>
               <a:t>다섯째 수준</a:t>
             </a:r>
+            <a:endParaRPr lang="ko-KR" altLang="en-US"/>
           </a:p>
         </p:txBody>
       </p:sp>
@@ -1720,9 +1733,10 @@
           <a:lstStyle/>
           <a:p>
             <a:r>
-              <a:rPr lang="ko-KR" altLang="en-US"/>
+              <a:rPr lang="ko-KR" altLang="en-US" smtClean="0"/>
               <a:t>마스터 제목 스타일 편집</a:t>
             </a:r>
+            <a:endParaRPr lang="ko-KR" altLang="en-US"/>
           </a:p>
         </p:txBody>
       </p:sp>
@@ -1785,7 +1799,7 @@
           <a:p>
             <a:pPr lvl="0"/>
             <a:r>
-              <a:rPr lang="ko-KR" altLang="en-US"/>
+              <a:rPr lang="ko-KR" altLang="en-US" smtClean="0"/>
               <a:t>마스터 텍스트 스타일을 편집합니다</a:t>
             </a:r>
           </a:p>
@@ -1813,37 +1827,38 @@
           <a:p>
             <a:pPr lvl="0"/>
             <a:r>
-              <a:rPr lang="ko-KR" altLang="en-US"/>
+              <a:rPr lang="ko-KR" altLang="en-US" smtClean="0"/>
               <a:t>마스터 텍스트 스타일을 편집합니다</a:t>
             </a:r>
           </a:p>
           <a:p>
             <a:pPr lvl="1"/>
             <a:r>
-              <a:rPr lang="ko-KR" altLang="en-US"/>
+              <a:rPr lang="ko-KR" altLang="en-US" smtClean="0"/>
               <a:t>둘째 수준</a:t>
             </a:r>
           </a:p>
           <a:p>
             <a:pPr lvl="2"/>
             <a:r>
-              <a:rPr lang="ko-KR" altLang="en-US"/>
+              <a:rPr lang="ko-KR" altLang="en-US" smtClean="0"/>
               <a:t>셋째 수준</a:t>
             </a:r>
           </a:p>
           <a:p>
             <a:pPr lvl="3"/>
             <a:r>
-              <a:rPr lang="ko-KR" altLang="en-US"/>
+              <a:rPr lang="ko-KR" altLang="en-US" smtClean="0"/>
               <a:t>넷째 수준</a:t>
             </a:r>
           </a:p>
           <a:p>
             <a:pPr lvl="4"/>
             <a:r>
-              <a:rPr lang="ko-KR" altLang="en-US"/>
+              <a:rPr lang="ko-KR" altLang="en-US" smtClean="0"/>
               <a:t>다섯째 수준</a:t>
             </a:r>
+            <a:endParaRPr lang="ko-KR" altLang="en-US"/>
           </a:p>
         </p:txBody>
       </p:sp>
@@ -1906,7 +1921,7 @@
           <a:p>
             <a:pPr lvl="0"/>
             <a:r>
-              <a:rPr lang="ko-KR" altLang="en-US"/>
+              <a:rPr lang="ko-KR" altLang="en-US" smtClean="0"/>
               <a:t>마스터 텍스트 스타일을 편집합니다</a:t>
             </a:r>
           </a:p>
@@ -1934,37 +1949,38 @@
           <a:p>
             <a:pPr lvl="0"/>
             <a:r>
-              <a:rPr lang="ko-KR" altLang="en-US"/>
+              <a:rPr lang="ko-KR" altLang="en-US" smtClean="0"/>
               <a:t>마스터 텍스트 스타일을 편집합니다</a:t>
             </a:r>
           </a:p>
           <a:p>
             <a:pPr lvl="1"/>
             <a:r>
-              <a:rPr lang="ko-KR" altLang="en-US"/>
+              <a:rPr lang="ko-KR" altLang="en-US" smtClean="0"/>
               <a:t>둘째 수준</a:t>
             </a:r>
           </a:p>
           <a:p>
             <a:pPr lvl="2"/>
             <a:r>
-              <a:rPr lang="ko-KR" altLang="en-US"/>
+              <a:rPr lang="ko-KR" altLang="en-US" smtClean="0"/>
               <a:t>셋째 수준</a:t>
             </a:r>
           </a:p>
           <a:p>
             <a:pPr lvl="3"/>
             <a:r>
-              <a:rPr lang="ko-KR" altLang="en-US"/>
+              <a:rPr lang="ko-KR" altLang="en-US" smtClean="0"/>
               <a:t>넷째 수준</a:t>
             </a:r>
           </a:p>
           <a:p>
             <a:pPr lvl="4"/>
             <a:r>
-              <a:rPr lang="ko-KR" altLang="en-US"/>
+              <a:rPr lang="ko-KR" altLang="en-US" smtClean="0"/>
               <a:t>다섯째 수준</a:t>
             </a:r>
+            <a:endParaRPr lang="ko-KR" altLang="en-US"/>
           </a:p>
         </p:txBody>
       </p:sp>
@@ -2079,9 +2095,10 @@
           <a:lstStyle/>
           <a:p>
             <a:r>
-              <a:rPr lang="ko-KR" altLang="en-US"/>
+              <a:rPr lang="ko-KR" altLang="en-US" smtClean="0"/>
               <a:t>마스터 제목 스타일 편집</a:t>
             </a:r>
+            <a:endParaRPr lang="ko-KR" altLang="en-US"/>
           </a:p>
         </p:txBody>
       </p:sp>
@@ -2300,9 +2317,10 @@
           </a:lstStyle>
           <a:p>
             <a:r>
-              <a:rPr lang="ko-KR" altLang="en-US"/>
+              <a:rPr lang="ko-KR" altLang="en-US" smtClean="0"/>
               <a:t>마스터 제목 스타일 편집</a:t>
             </a:r>
+            <a:endParaRPr lang="ko-KR" altLang="en-US"/>
           </a:p>
         </p:txBody>
       </p:sp>
@@ -2356,37 +2374,38 @@
           <a:p>
             <a:pPr lvl="0"/>
             <a:r>
-              <a:rPr lang="ko-KR" altLang="en-US"/>
+              <a:rPr lang="ko-KR" altLang="en-US" smtClean="0"/>
               <a:t>마스터 텍스트 스타일을 편집합니다</a:t>
             </a:r>
           </a:p>
           <a:p>
             <a:pPr lvl="1"/>
             <a:r>
-              <a:rPr lang="ko-KR" altLang="en-US"/>
+              <a:rPr lang="ko-KR" altLang="en-US" smtClean="0"/>
               <a:t>둘째 수준</a:t>
             </a:r>
           </a:p>
           <a:p>
             <a:pPr lvl="2"/>
             <a:r>
-              <a:rPr lang="ko-KR" altLang="en-US"/>
+              <a:rPr lang="ko-KR" altLang="en-US" smtClean="0"/>
               <a:t>셋째 수준</a:t>
             </a:r>
           </a:p>
           <a:p>
             <a:pPr lvl="3"/>
             <a:r>
-              <a:rPr lang="ko-KR" altLang="en-US"/>
+              <a:rPr lang="ko-KR" altLang="en-US" smtClean="0"/>
               <a:t>넷째 수준</a:t>
             </a:r>
           </a:p>
           <a:p>
             <a:pPr lvl="4"/>
             <a:r>
-              <a:rPr lang="ko-KR" altLang="en-US"/>
+              <a:rPr lang="ko-KR" altLang="en-US" smtClean="0"/>
               <a:t>다섯째 수준</a:t>
             </a:r>
+            <a:endParaRPr lang="ko-KR" altLang="en-US"/>
           </a:p>
         </p:txBody>
       </p:sp>
@@ -2449,7 +2468,7 @@
           <a:p>
             <a:pPr lvl="0"/>
             <a:r>
-              <a:rPr lang="ko-KR" altLang="en-US"/>
+              <a:rPr lang="ko-KR" altLang="en-US" smtClean="0"/>
               <a:t>마스터 텍스트 스타일을 편집합니다</a:t>
             </a:r>
           </a:p>
@@ -2575,9 +2594,10 @@
           </a:lstStyle>
           <a:p>
             <a:r>
-              <a:rPr lang="ko-KR" altLang="en-US"/>
+              <a:rPr lang="ko-KR" altLang="en-US" smtClean="0"/>
               <a:t>마스터 제목 스타일 편집</a:t>
             </a:r>
+            <a:endParaRPr lang="ko-KR" altLang="en-US"/>
           </a:p>
         </p:txBody>
       </p:sp>
@@ -2701,7 +2721,7 @@
           <a:p>
             <a:pPr lvl="0"/>
             <a:r>
-              <a:rPr lang="ko-KR" altLang="en-US"/>
+              <a:rPr lang="ko-KR" altLang="en-US" smtClean="0"/>
               <a:t>마스터 텍스트 스타일을 편집합니다</a:t>
             </a:r>
           </a:p>
@@ -2833,9 +2853,10 @@
           <a:lstStyle/>
           <a:p>
             <a:r>
-              <a:rPr lang="ko-KR" altLang="en-US"/>
+              <a:rPr lang="ko-KR" altLang="en-US" smtClean="0"/>
               <a:t>마스터 제목 스타일 편집</a:t>
             </a:r>
+            <a:endParaRPr lang="ko-KR" altLang="en-US"/>
           </a:p>
         </p:txBody>
       </p:sp>
@@ -2866,37 +2887,38 @@
           <a:p>
             <a:pPr lvl="0"/>
             <a:r>
-              <a:rPr lang="ko-KR" altLang="en-US"/>
+              <a:rPr lang="ko-KR" altLang="en-US" smtClean="0"/>
               <a:t>마스터 텍스트 스타일을 편집합니다</a:t>
             </a:r>
           </a:p>
           <a:p>
             <a:pPr lvl="1"/>
             <a:r>
-              <a:rPr lang="ko-KR" altLang="en-US"/>
+              <a:rPr lang="ko-KR" altLang="en-US" smtClean="0"/>
               <a:t>둘째 수준</a:t>
             </a:r>
           </a:p>
           <a:p>
             <a:pPr lvl="2"/>
             <a:r>
-              <a:rPr lang="ko-KR" altLang="en-US"/>
+              <a:rPr lang="ko-KR" altLang="en-US" smtClean="0"/>
               <a:t>셋째 수준</a:t>
             </a:r>
           </a:p>
           <a:p>
             <a:pPr lvl="3"/>
             <a:r>
-              <a:rPr lang="ko-KR" altLang="en-US"/>
+              <a:rPr lang="ko-KR" altLang="en-US" smtClean="0"/>
               <a:t>넷째 수준</a:t>
             </a:r>
           </a:p>
           <a:p>
             <a:pPr lvl="4"/>
             <a:r>
-              <a:rPr lang="ko-KR" altLang="en-US"/>
+              <a:rPr lang="ko-KR" altLang="en-US" smtClean="0"/>
               <a:t>다섯째 수준</a:t>
             </a:r>
+            <a:endParaRPr lang="ko-KR" altLang="en-US"/>
           </a:p>
         </p:txBody>
       </p:sp>
@@ -3392,7 +3414,7 @@
           <a:lstStyle/>
           <a:p>
             <a:r>
-              <a:rPr lang="en-US" altLang="ko-KR" sz="1400" b="1" dirty="0">
+              <a:rPr lang="en-US" altLang="ko-KR" sz="1400" b="1" dirty="0" smtClean="0">
                 <a:solidFill>
                   <a:schemeClr val="tx1">
                     <a:lumMod val="50000"/>
@@ -3405,7 +3427,7 @@
               <a:t> </a:t>
             </a:r>
             <a:r>
-              <a:rPr lang="en-US" altLang="ko-KR" sz="2000" b="1" dirty="0">
+              <a:rPr lang="en-US" altLang="ko-KR" sz="2000" b="1" dirty="0" smtClean="0">
                 <a:solidFill>
                   <a:schemeClr val="bg1"/>
                 </a:solidFill>
@@ -3415,7 +3437,7 @@
               <a:t> </a:t>
             </a:r>
             <a:r>
-              <a:rPr lang="ko-KR" altLang="en-US" sz="2000" b="1" dirty="0">
+              <a:rPr lang="ko-KR" altLang="en-US" sz="2000" b="1" dirty="0" smtClean="0">
                 <a:solidFill>
                   <a:schemeClr val="bg1"/>
                 </a:solidFill>
@@ -3424,6 +3446,13 @@
               </a:rPr>
               <a:t>데이터 수집</a:t>
             </a:r>
+            <a:endParaRPr lang="ko-KR" altLang="en-US" sz="2000" b="1" dirty="0">
+              <a:solidFill>
+                <a:schemeClr val="bg1"/>
+              </a:solidFill>
+              <a:latin typeface="나눔고딕 ExtraBold" pitchFamily="50" charset="-127"/>
+              <a:ea typeface="나눔고딕 ExtraBold" pitchFamily="50" charset="-127"/>
+            </a:endParaRPr>
           </a:p>
         </p:txBody>
       </p:sp>
@@ -3521,11 +3550,11 @@
           <a:lstStyle/>
           <a:p>
             <a:r>
-              <a:rPr lang="en-US" altLang="ko-KR" b="1" dirty="0"/>
+              <a:rPr lang="en-US" altLang="ko-KR" b="1" dirty="0" smtClean="0"/>
               <a:t> </a:t>
             </a:r>
             <a:r>
-              <a:rPr lang="ko-KR" altLang="en-US" b="1" dirty="0"/>
+              <a:rPr lang="ko-KR" altLang="en-US" b="1" dirty="0" smtClean="0"/>
               <a:t>동적 </a:t>
             </a:r>
             <a:r>
@@ -3578,25 +3607,49 @@
               </a:lnSpc>
             </a:pPr>
             <a:r>
+              <a:rPr lang="ko-KR" altLang="en-US" sz="1200" dirty="0" smtClean="0">
+                <a:latin typeface="+mn-ea"/>
+              </a:rPr>
+              <a:t>다음의 경우에는 웹 페이지의 내용이 동적으로 생성되는 </a:t>
+            </a:r>
+            <a:r>
+              <a:rPr lang="ko-KR" altLang="en-US" sz="1200" dirty="0" smtClean="0">
+                <a:latin typeface="+mn-ea"/>
+              </a:rPr>
+              <a:t>경우</a:t>
+            </a:r>
+            <a:r>
               <a:rPr lang="ko-KR" altLang="en-US" sz="1200" dirty="0">
                 <a:latin typeface="+mn-ea"/>
               </a:rPr>
-              <a:t>다음의 경우에는 웹 페이지의 내용이 동적으로 생성되는 경우에는 지금까지의 방법으로 </a:t>
-            </a:r>
-            <a:r>
-              <a:rPr lang="ko-KR" altLang="en-US" sz="1200" dirty="0" err="1">
+              <a:t>로</a:t>
+            </a:r>
+            <a:r>
+              <a:rPr lang="ko-KR" altLang="en-US" sz="1200" dirty="0" smtClean="0">
+                <a:latin typeface="+mn-ea"/>
+              </a:rPr>
+              <a:t> </a:t>
+            </a:r>
+            <a:r>
+              <a:rPr lang="ko-KR" altLang="en-US" sz="1200" dirty="0" smtClean="0">
+                <a:latin typeface="+mn-ea"/>
+              </a:rPr>
+              <a:t>지금까지의 방법으로 </a:t>
+            </a:r>
+            <a:r>
+              <a:rPr lang="ko-KR" altLang="en-US" sz="1200" dirty="0" err="1" smtClean="0">
                 <a:latin typeface="+mn-ea"/>
               </a:rPr>
               <a:t>스크래핑</a:t>
             </a:r>
             <a:r>
-              <a:rPr lang="ko-KR" altLang="en-US" sz="1200" dirty="0">
+              <a:rPr lang="ko-KR" altLang="en-US" sz="1200" dirty="0" smtClean="0">
                 <a:latin typeface="+mn-ea"/>
               </a:rPr>
               <a:t> 할 수 없다</a:t>
             </a:r>
             <a:r>
-              <a:rPr lang="en-US" altLang="ko-KR" sz="1200" dirty="0">
+              <a:rPr lang="en-US" altLang="ko-KR" sz="1200" dirty="0" smtClean="0">
                 <a:latin typeface="+mn-ea"/>
               </a:rPr>
               <a:t>.</a:t>
@@ -3611,19 +3664,19 @@
               <a:buChar char="-"/>
             </a:pPr>
             <a:r>
-              <a:rPr lang="ko-KR" altLang="en-US" sz="1200" dirty="0">
+              <a:rPr lang="ko-KR" altLang="en-US" sz="1200" dirty="0" smtClean="0">
                 <a:latin typeface="+mn-ea"/>
               </a:rPr>
               <a:t>사용자의 선택과 같은 이벤트에 의해서 자바스크립트의 수행 결과로 </a:t>
             </a:r>
             <a:r>
-              <a:rPr lang="ko-KR" altLang="en-US" sz="1200" dirty="0" err="1">
+              <a:rPr lang="ko-KR" altLang="en-US" sz="1200" dirty="0" err="1" smtClean="0">
                 <a:latin typeface="+mn-ea"/>
               </a:rPr>
               <a:t>컨텐츠를</a:t>
             </a:r>
             <a:r>
-              <a:rPr lang="ko-KR" altLang="en-US" sz="1200" dirty="0">
+              <a:rPr lang="ko-KR" altLang="en-US" sz="1200" dirty="0" smtClean="0">
                 <a:latin typeface="+mn-ea"/>
               </a:rPr>
               <a:t> 생성한다</a:t>
@@ -3634,6 +3687,9 @@
               </a:rPr>
               <a:t>. </a:t>
             </a:r>
+            <a:endParaRPr lang="en-US" altLang="ko-KR" sz="1200" dirty="0" smtClean="0">
+              <a:latin typeface="+mn-ea"/>
+            </a:endParaRPr>
           </a:p>
           <a:p>
             <a:pPr marL="171450" indent="-171450">
@@ -3644,61 +3700,189 @@
               <a:buChar char="-"/>
             </a:pPr>
             <a:r>
+              <a:rPr lang="ko-KR" altLang="en-US" sz="1200" dirty="0" smtClean="0">
+                <a:latin typeface="+mn-ea"/>
+              </a:rPr>
+              <a:t>페이지의 </a:t>
+            </a:r>
+            <a:r>
+              <a:rPr lang="ko-KR" altLang="en-US" sz="1200" dirty="0" err="1" smtClean="0">
+                <a:latin typeface="+mn-ea"/>
+              </a:rPr>
+              <a:t>랜더링을</a:t>
+            </a:r>
+            <a:r>
+              <a:rPr lang="ko-KR" altLang="en-US" sz="1200" dirty="0" smtClean="0">
+                <a:latin typeface="+mn-ea"/>
+              </a:rPr>
+              <a:t> 끝낸 후에 </a:t>
+            </a:r>
+            <a:r>
+              <a:rPr lang="en-US" altLang="ko-KR" sz="1200" dirty="0" smtClean="0">
+                <a:latin typeface="+mn-ea"/>
+              </a:rPr>
+              <a:t>Ajax </a:t>
+            </a:r>
+            <a:r>
+              <a:rPr lang="ko-KR" altLang="en-US" sz="1200" dirty="0" smtClean="0">
+                <a:latin typeface="+mn-ea"/>
+              </a:rPr>
+              <a:t>기술을 이용하여 서버로 부터 </a:t>
+            </a:r>
+            <a:r>
+              <a:rPr lang="ko-KR" altLang="en-US" sz="1200" dirty="0" err="1" smtClean="0">
+                <a:latin typeface="+mn-ea"/>
+              </a:rPr>
+              <a:t>컨텐트의</a:t>
+            </a:r>
+            <a:r>
+              <a:rPr lang="ko-KR" altLang="en-US" sz="1200" dirty="0" smtClean="0">
+                <a:latin typeface="+mn-ea"/>
+              </a:rPr>
+              <a:t> 일부를 </a:t>
+            </a:r>
+            <a:r>
+              <a:rPr lang="ko-KR" altLang="en-US" sz="1200" dirty="0" err="1" smtClean="0">
+                <a:latin typeface="+mn-ea"/>
+              </a:rPr>
+              <a:t>전송받아</a:t>
+            </a:r>
+            <a:r>
+              <a:rPr lang="ko-KR" altLang="en-US" sz="1200" dirty="0" smtClean="0">
+                <a:latin typeface="+mn-ea"/>
+              </a:rPr>
+              <a:t> 동적으로 구성한다</a:t>
+            </a:r>
+            <a:r>
+              <a:rPr lang="en-US" altLang="ko-KR" sz="1200" dirty="0" smtClean="0">
+                <a:latin typeface="+mn-ea"/>
+              </a:rPr>
+              <a:t>.</a:t>
+            </a:r>
+            <a:endParaRPr lang="en-US" altLang="ko-KR" sz="1200" dirty="0">
+              <a:latin typeface="+mn-ea"/>
+            </a:endParaRPr>
+          </a:p>
+          <a:p>
+            <a:pPr>
+              <a:lnSpc>
+                <a:spcPct val="150000"/>
+              </a:lnSpc>
+            </a:pPr>
+            <a:endParaRPr lang="en-US" altLang="ko-KR" sz="1200" dirty="0" smtClean="0">
+              <a:latin typeface="+mn-ea"/>
+            </a:endParaRPr>
+          </a:p>
+          <a:p>
+            <a:pPr>
+              <a:lnSpc>
+                <a:spcPct val="150000"/>
+              </a:lnSpc>
+            </a:pPr>
+            <a:r>
+              <a:rPr lang="ko-KR" altLang="en-US" sz="1200" dirty="0" smtClean="0">
+                <a:latin typeface="+mn-ea"/>
+              </a:rPr>
+              <a:t>이러한 경우에는 </a:t>
+            </a:r>
+            <a:r>
+              <a:rPr lang="en-US" altLang="ko-KR" sz="1200" dirty="0" smtClean="0">
+                <a:latin typeface="+mn-ea"/>
+              </a:rPr>
+              <a:t>Selenium </a:t>
+            </a:r>
+            <a:r>
               <a:rPr lang="ko-KR" altLang="en-US" sz="1200" dirty="0">
                 <a:latin typeface="+mn-ea"/>
               </a:rPr>
-              <a:t>페이지의 </a:t>
+              <a:t>을 사용하면 </a:t>
+            </a:r>
+            <a:r>
+              <a:rPr lang="ko-KR" altLang="en-US" sz="1200" dirty="0" smtClean="0">
+                <a:latin typeface="+mn-ea"/>
+              </a:rPr>
+              <a:t>제어되는 브라우저에 페이지를 </a:t>
             </a:r>
             <a:r>
               <a:rPr lang="ko-KR" altLang="en-US" sz="1200" dirty="0" err="1">
                 <a:latin typeface="+mn-ea"/>
               </a:rPr>
-              <a:t>랜더링을</a:t>
+              <a:t>랜더링</a:t>
             </a:r>
             <a:r>
               <a:rPr lang="ko-KR" altLang="en-US" sz="1200" dirty="0">
                 <a:latin typeface="+mn-ea"/>
               </a:rPr>
-              <a:t> 끝낸 후에 </a:t>
-            </a:r>
-            <a:r>
-              <a:rPr lang="en-US" altLang="ko-KR" sz="1200" dirty="0">
-                <a:latin typeface="+mn-ea"/>
-              </a:rPr>
-              <a:t>Ajax </a:t>
+              <a:t> 해놓고 </a:t>
+            </a:r>
+            <a:r>
+              <a:rPr lang="ko-KR" altLang="en-US" sz="1200" dirty="0" err="1">
+                <a:latin typeface="+mn-ea"/>
+              </a:rPr>
+              <a:t>랜더링된</a:t>
             </a:r>
             <a:r>
               <a:rPr lang="ko-KR" altLang="en-US" sz="1200" dirty="0">
                 <a:latin typeface="+mn-ea"/>
               </a:rPr>
-              <a:t>기술을 이용하여 서버로 부터 </a:t>
+              <a:t> 결과에서 </a:t>
             </a:r>
             <a:r>
               <a:rPr lang="ko-KR" altLang="en-US" sz="1200" dirty="0" err="1">
                 <a:latin typeface="+mn-ea"/>
               </a:rPr>
-              <a:t>컨텐트의</a:t>
+              <a:t>컨텐츠를</a:t>
             </a:r>
             <a:r>
               <a:rPr lang="ko-KR" altLang="en-US" sz="1200" dirty="0">
                 <a:latin typeface="+mn-ea"/>
               </a:rPr>
-              <a:t> 일부를 </a:t>
+              <a:t> 읽어올 수 있다</a:t>
+            </a:r>
+            <a:r>
+              <a:rPr lang="en-US" altLang="ko-KR" sz="1200" dirty="0" smtClean="0">
+                <a:latin typeface="+mn-ea"/>
+              </a:rPr>
+              <a:t>. </a:t>
+            </a:r>
+            <a:r>
+              <a:rPr lang="ko-KR" altLang="en-US" sz="1200" dirty="0" smtClean="0">
+                <a:latin typeface="+mn-ea"/>
+              </a:rPr>
+              <a:t>뿐만 </a:t>
+            </a:r>
+            <a:r>
+              <a:rPr lang="ko-KR" altLang="en-US" sz="1200" dirty="0">
+                <a:latin typeface="+mn-ea"/>
+              </a:rPr>
+              <a:t>아니라 </a:t>
             </a:r>
             <a:r>
               <a:rPr lang="ko-KR" altLang="en-US" sz="1200" dirty="0" err="1">
                 <a:latin typeface="+mn-ea"/>
               </a:rPr>
-              <a:t>전송받아</a:t>
+              <a:t>컨텐츠내에서</a:t>
             </a:r>
             <a:r>
               <a:rPr lang="ko-KR" altLang="en-US" sz="1200" dirty="0">
                 <a:latin typeface="+mn-ea"/>
               </a:rPr>
-              <a:t> 동적으로 구성한다</a:t>
-            </a:r>
-            <a:r>
-              <a:rPr lang="en-US" altLang="ko-KR" sz="1200" dirty="0">
+              <a:t> 클릭이벤트를 발생할 수도 있으며 로그인과 같은 </a:t>
+            </a:r>
+            <a:r>
+              <a:rPr lang="ko-KR" altLang="en-US" sz="1200" dirty="0" smtClean="0">
+                <a:latin typeface="+mn-ea"/>
+              </a:rPr>
+              <a:t>데이터를 </a:t>
+            </a:r>
+            <a:r>
+              <a:rPr lang="ko-KR" altLang="en-US" sz="1200" dirty="0">
+                <a:latin typeface="+mn-ea"/>
+              </a:rPr>
+              <a:t>입력하는 것도 가능하다</a:t>
+            </a:r>
+            <a:r>
+              <a:rPr lang="en-US" altLang="ko-KR" sz="1200" dirty="0" smtClean="0">
                 <a:latin typeface="+mn-ea"/>
               </a:rPr>
               <a:t>.</a:t>
@@ -3721,107 +3905,6 @@
               </a:lnSpc>
             </a:pPr>
             <a:r>
-              <a:rPr lang="ko-KR" altLang="en-US" sz="1200" dirty="0">
-                <a:latin typeface="+mn-ea"/>
-              </a:rPr>
-              <a:t>이러한 경우에는 </a:t>
-            </a:r>
-            <a:r>
-              <a:rPr lang="en-US" altLang="ko-KR" sz="1200" dirty="0">
-                <a:latin typeface="+mn-ea"/>
-              </a:rPr>
-              <a:t>Selenium </a:t>
-            </a:r>
-            <a:r>
-              <a:rPr lang="ko-KR" altLang="en-US" sz="1200" dirty="0">
-                <a:latin typeface="+mn-ea"/>
-              </a:rPr>
-              <a:t>을 사용하면 제어되는 브라우저에 페이지를 </a:t>
-            </a:r>
-            <a:r>
-              <a:rPr lang="ko-KR" altLang="en-US" sz="1200" dirty="0" err="1">
-                <a:latin typeface="+mn-ea"/>
-              </a:rPr>
-              <a:t>랜더링</a:t>
-            </a:r>
-            <a:r>
-              <a:rPr lang="ko-KR" altLang="en-US" sz="1200" dirty="0">
-                <a:latin typeface="+mn-ea"/>
-              </a:rPr>
-              <a:t> 해놓고 </a:t>
-            </a:r>
-            <a:r>
-              <a:rPr lang="ko-KR" altLang="en-US" sz="1200" dirty="0" err="1">
-                <a:latin typeface="+mn-ea"/>
-              </a:rPr>
-              <a:t>랜더링된</a:t>
-            </a:r>
-            <a:r>
-              <a:rPr lang="ko-KR" altLang="en-US" sz="1200" dirty="0">
-                <a:latin typeface="+mn-ea"/>
-              </a:rPr>
-              <a:t> 결과에서 </a:t>
-            </a:r>
-            <a:r>
-              <a:rPr lang="ko-KR" altLang="en-US" sz="1200" dirty="0" err="1">
-                <a:latin typeface="+mn-ea"/>
-              </a:rPr>
-              <a:t>컨텐츠를</a:t>
-            </a:r>
-            <a:r>
-              <a:rPr lang="ko-KR" altLang="en-US" sz="1200" dirty="0">
-                <a:latin typeface="+mn-ea"/>
-              </a:rPr>
-              <a:t> 읽어올 수 있다</a:t>
-            </a:r>
-            <a:r>
-              <a:rPr lang="en-US" altLang="ko-KR" sz="1200" dirty="0">
-                <a:latin typeface="+mn-ea"/>
-              </a:rPr>
-              <a:t>. </a:t>
-            </a:r>
-            <a:r>
-              <a:rPr lang="ko-KR" altLang="en-US" sz="1200" dirty="0">
-                <a:latin typeface="+mn-ea"/>
-              </a:rPr>
-              <a:t>뿐만 아니라 </a:t>
-            </a:r>
-            <a:r>
-              <a:rPr lang="ko-KR" altLang="en-US" sz="1200" dirty="0" err="1">
-                <a:latin typeface="+mn-ea"/>
-              </a:rPr>
-              <a:t>컨텐츠내에서</a:t>
-            </a:r>
-            <a:r>
-              <a:rPr lang="ko-KR" altLang="en-US" sz="1200" dirty="0">
-                <a:latin typeface="+mn-ea"/>
-              </a:rPr>
-              <a:t> 클릭이벤트를 발생할 수도 있으며 로그인과 같은 데이터를 입력하는 것도 가능하다</a:t>
-            </a:r>
-            <a:r>
-              <a:rPr lang="en-US" altLang="ko-KR" sz="1200" dirty="0">
-                <a:latin typeface="+mn-ea"/>
-              </a:rPr>
-              <a:t>.</a:t>
-            </a:r>
-          </a:p>
-          <a:p>
-            <a:pPr>
-              <a:lnSpc>
-                <a:spcPct val="150000"/>
-              </a:lnSpc>
-            </a:pPr>
-            <a:endParaRPr lang="en-US" altLang="ko-KR" sz="1200" dirty="0">
-              <a:latin typeface="+mn-ea"/>
-            </a:endParaRPr>
-          </a:p>
-          <a:p>
-            <a:pPr>
-              <a:lnSpc>
-                <a:spcPct val="150000"/>
-              </a:lnSpc>
-            </a:pPr>
-            <a:r>
               <a:rPr lang="en-US" altLang="ko-KR" sz="1200" dirty="0">
                 <a:latin typeface="+mn-ea"/>
               </a:rPr>
@@ -3848,13 +3931,22 @@
               <a:buAutoNum type="arabicParenBoth"/>
             </a:pPr>
             <a:r>
+              <a:rPr lang="en-US" altLang="ko-KR" sz="1200" b="1" dirty="0" smtClean="0">
+                <a:solidFill>
+                  <a:srgbClr val="FF0000"/>
+                </a:solidFill>
+                <a:latin typeface="+mn-ea"/>
+              </a:rPr>
+              <a:t>chromedriver.exe</a:t>
+            </a:r>
+            <a:r>
               <a:rPr lang="en-US" altLang="ko-KR" sz="1200" b="1" dirty="0">
                 <a:solidFill>
                   <a:srgbClr val="FF0000"/>
                 </a:solidFill>
                 <a:latin typeface="+mn-ea"/>
               </a:rPr>
-              <a:t>chromedriver.exe,</a:t>
+              <a:t>,</a:t>
             </a:r>
             <a:r>
               <a:rPr lang="en-US" altLang="ko-KR" sz="1200" dirty="0">
@@ -3863,7 +3955,7 @@
               <a:t> </a:t>
             </a:r>
             <a:r>
-              <a:rPr lang="en-US" altLang="ko-KR" sz="1200" b="1" dirty="0">
+              <a:rPr lang="en-US" altLang="ko-KR" sz="1200" b="1" dirty="0" smtClean="0">
                 <a:solidFill>
                   <a:srgbClr val="FF0000"/>
                 </a:solidFill>
@@ -3871,35 +3963,38 @@
               <a:t>selenium-server-standalone-4.0.0-alpha-1.jar </a:t>
             </a:r>
             <a:r>
-              <a:rPr lang="en-US" altLang="ko-KR" sz="1200" dirty="0">
+              <a:rPr lang="en-US" altLang="ko-KR" sz="1200" dirty="0" smtClean="0">
                 <a:latin typeface="+mn-ea"/>
               </a:rPr>
               <a:t> </a:t>
             </a:r>
             <a:r>
-              <a:rPr lang="ko-KR" altLang="en-US" sz="1200" dirty="0">
+              <a:rPr lang="ko-KR" altLang="en-US" sz="1200" dirty="0" smtClean="0">
                 <a:latin typeface="+mn-ea"/>
               </a:rPr>
               <a:t>를 </a:t>
             </a:r>
             <a:r>
-              <a:rPr lang="ko-KR" altLang="en-US" sz="1200" dirty="0" err="1">
+              <a:rPr lang="ko-KR" altLang="en-US" sz="1200" dirty="0" err="1" smtClean="0">
                 <a:latin typeface="+mn-ea"/>
               </a:rPr>
               <a:t>네이버</a:t>
             </a:r>
             <a:r>
-              <a:rPr lang="ko-KR" altLang="en-US" sz="1200" dirty="0">
+              <a:rPr lang="ko-KR" altLang="en-US" sz="1200" dirty="0" smtClean="0">
                 <a:latin typeface="+mn-ea"/>
               </a:rPr>
               <a:t> </a:t>
             </a:r>
             <a:r>
-              <a:rPr lang="en-US" altLang="ko-KR" sz="1200" dirty="0">
-                <a:latin typeface="+mn-ea"/>
-              </a:rPr>
-              <a:t>MBOX</a:t>
-            </a:r>
+              <a:rPr lang="en-US" altLang="ko-KR" sz="1200" dirty="0" smtClean="0">
+                <a:latin typeface="+mn-ea"/>
+              </a:rPr>
+              <a:t>MYBOX</a:t>
+            </a:r>
+            <a:endParaRPr lang="en-US" altLang="ko-KR" sz="1200" dirty="0" smtClean="0">
+              <a:latin typeface="+mn-ea"/>
+            </a:endParaRPr>
           </a:p>
           <a:p>
             <a:pPr>
@@ -3911,28 +4006,34 @@
               <a:rPr lang="en-US" altLang="ko-KR" sz="1200" dirty="0">
                 <a:latin typeface="+mn-ea"/>
               </a:rPr>
-              <a:t>    </a:t>
-            </a:r>
-            <a:r>
-              <a:rPr lang="ko-KR" altLang="en-US" sz="1200" dirty="0">
+              <a:t> </a:t>
+            </a:r>
+            <a:r>
+              <a:rPr lang="en-US" altLang="ko-KR" sz="1200" dirty="0" smtClean="0">
+                <a:latin typeface="+mn-ea"/>
+              </a:rPr>
+              <a:t>   </a:t>
+            </a:r>
+            <a:r>
+              <a:rPr lang="ko-KR" altLang="en-US" sz="1200" dirty="0" smtClean="0">
                 <a:latin typeface="+mn-ea"/>
               </a:rPr>
               <a:t>에서 다운로드 하여 </a:t>
             </a:r>
             <a:r>
-              <a:rPr lang="en-US" altLang="ko-KR" sz="1200" dirty="0">
+              <a:rPr lang="en-US" altLang="ko-KR" sz="1200" dirty="0" smtClean="0">
                 <a:latin typeface="+mn-ea"/>
               </a:rPr>
               <a:t>c:\xxx\Rexam\selenium </a:t>
             </a:r>
             <a:r>
-              <a:rPr lang="ko-KR" altLang="en-US" sz="1200" dirty="0">
+              <a:rPr lang="ko-KR" altLang="en-US" sz="1200" dirty="0" smtClean="0">
                 <a:latin typeface="+mn-ea"/>
               </a:rPr>
               <a:t>폴더에 저장한다</a:t>
             </a:r>
             <a:r>
-              <a:rPr lang="en-US" altLang="ko-KR" sz="1200" dirty="0">
+              <a:rPr lang="en-US" altLang="ko-KR" sz="1200" dirty="0" smtClean="0">
                 <a:latin typeface="+mn-ea"/>
               </a:rPr>
               <a:t>.</a:t>
@@ -3945,11 +4046,14 @@
               </a:lnSpc>
             </a:pPr>
             <a:r>
-              <a:rPr lang="en-US" altLang="ko-KR" sz="1200" dirty="0">
+              <a:rPr lang="en-US" altLang="ko-KR" sz="1200" dirty="0" smtClean="0">
                 <a:latin typeface="+mn-ea"/>
               </a:rPr>
               <a:t>    </a:t>
             </a:r>
+            <a:endParaRPr lang="en-US" altLang="ko-KR" sz="1200" dirty="0">
+              <a:latin typeface="+mn-ea"/>
+            </a:endParaRPr>
           </a:p>
           <a:p>
             <a:pPr>
@@ -3958,42 +4062,48 @@
               </a:lnSpc>
             </a:pPr>
             <a:r>
+              <a:rPr lang="en-US" altLang="ko-KR" sz="1200" dirty="0" smtClean="0">
+                <a:latin typeface="+mn-ea"/>
+              </a:rPr>
+              <a:t>(2) </a:t>
+            </a:r>
+            <a:r>
+              <a:rPr lang="en-US" altLang="ko-KR" sz="1200" dirty="0" err="1" smtClean="0">
+                <a:latin typeface="+mn-ea"/>
+              </a:rPr>
+              <a:t>cmd</a:t>
+            </a:r>
+            <a:r>
+              <a:rPr lang="en-US" altLang="ko-KR" sz="1200" dirty="0" smtClean="0">
+                <a:latin typeface="+mn-ea"/>
+              </a:rPr>
+              <a:t> </a:t>
+            </a:r>
+            <a:r>
+              <a:rPr lang="ko-KR" altLang="en-US" sz="1200" dirty="0" smtClean="0">
+                <a:latin typeface="+mn-ea"/>
+              </a:rPr>
+              <a:t>창을 기동시키고 </a:t>
+            </a:r>
+            <a:r>
+              <a:rPr lang="en-US" altLang="ko-KR" sz="1200" dirty="0" smtClean="0">
+                <a:latin typeface="+mn-ea"/>
+              </a:rPr>
+              <a:t>c</a:t>
+            </a:r>
+            <a:r>
               <a:rPr lang="en-US" altLang="ko-KR" sz="1200" dirty="0">
                 <a:latin typeface="+mn-ea"/>
               </a:rPr>
-              <a:t>(2) </a:t>
-            </a:r>
-            <a:r>
-              <a:rPr lang="en-US" altLang="ko-KR" sz="1200" dirty="0" err="1">
-                <a:latin typeface="+mn-ea"/>
-              </a:rPr>
-              <a:t>cmd</a:t>
-            </a:r>
-            <a:r>
-              <a:rPr lang="en-US" altLang="ko-KR" sz="1200" dirty="0">
-                <a:latin typeface="+mn-ea"/>
-              </a:rPr>
-              <a:t> </a:t>
-            </a:r>
-            <a:r>
-              <a:rPr lang="ko-KR" altLang="en-US" sz="1200" dirty="0">
-                <a:latin typeface="+mn-ea"/>
-              </a:rPr>
-              <a:t>창을 기동시키고 </a:t>
-            </a:r>
-            <a:r>
-              <a:rPr lang="en-US" altLang="ko-KR" sz="1200" dirty="0">
-                <a:latin typeface="+mn-ea"/>
-              </a:rPr>
-              <a:t>c:\xxx\Rexam\selenium </a:t>
-            </a:r>
-            <a:r>
-              <a:rPr lang="ko-KR" altLang="en-US" sz="1200" dirty="0">
+              <a:t>:\xxx\Rexam\selenium </a:t>
+            </a:r>
+            <a:r>
+              <a:rPr lang="ko-KR" altLang="en-US" sz="1200" dirty="0" smtClean="0">
                 <a:latin typeface="+mn-ea"/>
               </a:rPr>
               <a:t>로 옮겨가서 다음 명령을 수행시켜서  </a:t>
             </a:r>
-            <a:endParaRPr lang="en-US" altLang="ko-KR" sz="1200" dirty="0">
+            <a:endParaRPr lang="en-US" altLang="ko-KR" sz="1200" dirty="0" smtClean="0">
               <a:latin typeface="+mn-ea"/>
             </a:endParaRPr>
           </a:p>
@@ -4007,20 +4117,41 @@
               <a:rPr lang="en-US" altLang="ko-KR" sz="1200" dirty="0">
                 <a:latin typeface="+mn-ea"/>
               </a:rPr>
-              <a:t>    Selenium </a:t>
+              <a:t> </a:t>
+            </a:r>
+            <a:r>
+              <a:rPr lang="en-US" altLang="ko-KR" sz="1200" dirty="0" smtClean="0">
+                <a:latin typeface="+mn-ea"/>
+              </a:rPr>
+              <a:t>   Selenium </a:t>
+            </a:r>
+            <a:r>
+              <a:rPr lang="ko-KR" altLang="en-US" sz="1200" dirty="0" smtClean="0">
+                <a:latin typeface="+mn-ea"/>
+              </a:rPr>
+              <a:t>서버를 </a:t>
             </a:r>
             <a:r>
               <a:rPr lang="ko-KR" altLang="en-US" sz="1200" dirty="0">
                 <a:latin typeface="+mn-ea"/>
               </a:rPr>
-              <a:t>서버를 기동시킨다</a:t>
+              <a:t>기동시킨다</a:t>
             </a:r>
             <a:r>
               <a:rPr lang="en-US" altLang="ko-KR" sz="1200" dirty="0">
                 <a:latin typeface="+mn-ea"/>
               </a:rPr>
-              <a:t>.   </a:t>
-            </a:r>
+              <a:t>. </a:t>
+            </a:r>
+            <a:r>
+              <a:rPr lang="en-US" altLang="ko-KR" sz="1200" dirty="0" smtClean="0">
+                <a:latin typeface="+mn-ea"/>
+              </a:rPr>
+              <a:t>  </a:t>
+            </a:r>
+            <a:endParaRPr lang="en-US" altLang="ko-KR" sz="1200" dirty="0">
+              <a:latin typeface="+mn-ea"/>
+            </a:endParaRPr>
           </a:p>
         </p:txBody>
       </p:sp>
@@ -4052,7 +4183,7 @@
           <a:lstStyle/>
           <a:p>
             <a:r>
-              <a:rPr lang="en-US" altLang="ko-KR" sz="1200" b="1" dirty="0">
+              <a:rPr lang="en-US" altLang="ko-KR" sz="1200" b="1" dirty="0" smtClean="0">
                 <a:solidFill>
                   <a:srgbClr val="FF0000"/>
                 </a:solidFill>
@@ -4060,7 +4191,7 @@
               <a:t>java -</a:t>
             </a:r>
             <a:r>
-              <a:rPr lang="en-US" altLang="ko-KR" sz="1200" b="1" dirty="0" err="1">
+              <a:rPr lang="en-US" altLang="ko-KR" sz="1200" b="1" dirty="0" err="1" smtClean="0">
                 <a:solidFill>
                   <a:srgbClr val="FF0000"/>
                 </a:solidFill>
@@ -4068,7 +4199,7 @@
               <a:t>Dwebdriver.chrome.driver</a:t>
             </a:r>
             <a:r>
-              <a:rPr lang="en-US" altLang="ko-KR" sz="1200" b="1" dirty="0">
+              <a:rPr lang="en-US" altLang="ko-KR" sz="1200" b="1" dirty="0" smtClean="0">
                 <a:solidFill>
                   <a:srgbClr val="FF0000"/>
                 </a:solidFill>
@@ -4134,7 +4265,7 @@
           <a:p>
             <a:pPr algn="ctr"/>
             <a:r>
-              <a:rPr lang="ko-KR" altLang="en-US" sz="1200" b="1" dirty="0" err="1">
+              <a:rPr lang="ko-KR" altLang="en-US" sz="1200" b="1" dirty="0" err="1" smtClean="0">
                 <a:solidFill>
                   <a:srgbClr val="FF0000"/>
                 </a:solidFill>
@@ -4145,7 +4276,7 @@
               <a:t>네이버</a:t>
             </a:r>
             <a:r>
-              <a:rPr lang="ko-KR" altLang="en-US" sz="1200" b="1" dirty="0">
+              <a:rPr lang="ko-KR" altLang="en-US" sz="1200" b="1" dirty="0" smtClean="0">
                 <a:solidFill>
                   <a:srgbClr val="FF0000"/>
                 </a:solidFill>
@@ -4156,7 +4287,7 @@
               <a:t> </a:t>
             </a:r>
             <a:r>
-              <a:rPr lang="ko-KR" altLang="en-US" sz="1200" b="1" dirty="0" err="1">
+              <a:rPr lang="ko-KR" altLang="en-US" sz="1200" b="1" dirty="0" err="1" smtClean="0">
                 <a:solidFill>
                   <a:srgbClr val="FF0000"/>
                 </a:solidFill>
@@ -4167,7 +4298,7 @@
               <a:t>클라우드에서</a:t>
             </a:r>
             <a:r>
-              <a:rPr lang="ko-KR" altLang="en-US" sz="1200" b="1" dirty="0">
+              <a:rPr lang="ko-KR" altLang="en-US" sz="1200" b="1" dirty="0" smtClean="0">
                 <a:solidFill>
                   <a:srgbClr val="FF0000"/>
                 </a:solidFill>
@@ -4178,7 +4309,7 @@
               <a:t> </a:t>
             </a:r>
             <a:r>
-              <a:rPr lang="en-US" altLang="ko-KR" sz="1200" b="1" dirty="0">
+              <a:rPr lang="en-US" altLang="ko-KR" sz="1200" b="1" dirty="0" smtClean="0">
                 <a:solidFill>
                   <a:srgbClr val="FF0000"/>
                 </a:solidFill>
@@ -4189,7 +4320,7 @@
               <a:t>chromedriver.exe</a:t>
             </a:r>
             <a:r>
-              <a:rPr lang="ko-KR" altLang="en-US" sz="1200" b="1" dirty="0">
+              <a:rPr lang="ko-KR" altLang="en-US" sz="1200" b="1" dirty="0" smtClean="0">
                 <a:solidFill>
                   <a:srgbClr val="FF0000"/>
                 </a:solidFill>
@@ -4200,7 +4331,7 @@
               <a:t>와 </a:t>
             </a:r>
             <a:r>
-              <a:rPr lang="en-US" altLang="ko-KR" sz="1200" b="1" dirty="0">
+              <a:rPr lang="en-US" altLang="ko-KR" sz="1200" b="1" dirty="0" smtClean="0">
                 <a:solidFill>
                   <a:srgbClr val="FF0000"/>
                 </a:solidFill>
@@ -4211,7 +4342,7 @@
               <a:t>xxxx.jar </a:t>
             </a:r>
             <a:r>
-              <a:rPr lang="ko-KR" altLang="en-US" sz="1200" b="1" dirty="0">
+              <a:rPr lang="ko-KR" altLang="en-US" sz="1200" b="1" dirty="0" smtClean="0">
                 <a:solidFill>
                   <a:srgbClr val="FF0000"/>
                 </a:solidFill>
@@ -4222,7 +4353,7 @@
               <a:t>파일을 </a:t>
             </a:r>
             <a:r>
-              <a:rPr lang="ko-KR" altLang="en-US" sz="1200" b="1" dirty="0" err="1">
+              <a:rPr lang="ko-KR" altLang="en-US" sz="1200" b="1" dirty="0" err="1" smtClean="0">
                 <a:solidFill>
                   <a:srgbClr val="FF0000"/>
                 </a:solidFill>
@@ -4233,7 +4364,7 @@
               <a:t>다운로드하여</a:t>
             </a:r>
             <a:r>
-              <a:rPr lang="ko-KR" altLang="en-US" sz="1200" b="1" dirty="0">
+              <a:rPr lang="ko-KR" altLang="en-US" sz="1200" b="1" dirty="0" smtClean="0">
                 <a:solidFill>
                   <a:srgbClr val="FF0000"/>
                 </a:solidFill>
@@ -4244,7 +4375,7 @@
               <a:t> </a:t>
             </a:r>
             <a:r>
-              <a:rPr lang="en-US" altLang="ko-KR" sz="1200" b="1" dirty="0">
+              <a:rPr lang="en-US" altLang="ko-KR" sz="1200" b="1" dirty="0" smtClean="0">
                 <a:solidFill>
                   <a:srgbClr val="FF0000"/>
                 </a:solidFill>
@@ -4255,7 +4386,7 @@
               <a:t>C:/xxx/Rexam/selenium </a:t>
             </a:r>
             <a:r>
-              <a:rPr lang="ko-KR" altLang="en-US" sz="1200" b="1" dirty="0">
+              <a:rPr lang="ko-KR" altLang="en-US" sz="1200" b="1" dirty="0" smtClean="0">
                 <a:solidFill>
                   <a:srgbClr val="FF0000"/>
                 </a:solidFill>
@@ -4266,7 +4397,7 @@
               <a:t>폴더에 저장한다</a:t>
             </a:r>
             <a:r>
-              <a:rPr lang="en-US" altLang="ko-KR" sz="1200" b="1" dirty="0">
+              <a:rPr lang="en-US" altLang="ko-KR" sz="1200" b="1" dirty="0" smtClean="0">
                 <a:solidFill>
                   <a:srgbClr val="FF0000"/>
                 </a:solidFill>
@@ -4280,7 +4411,7 @@
           <a:p>
             <a:pPr algn="ctr"/>
             <a:r>
-              <a:rPr lang="en-US" altLang="ko-KR" sz="1200" b="1" dirty="0" err="1">
+              <a:rPr lang="en-US" altLang="ko-KR" sz="1200" b="1" dirty="0" err="1" smtClean="0">
                 <a:solidFill>
                   <a:srgbClr val="FF0000"/>
                 </a:solidFill>
@@ -4291,7 +4422,7 @@
               <a:t>cmd</a:t>
             </a:r>
             <a:r>
-              <a:rPr lang="ko-KR" altLang="en-US" sz="1200" b="1" dirty="0">
+              <a:rPr lang="ko-KR" altLang="en-US" sz="1200" b="1" dirty="0" smtClean="0">
                 <a:solidFill>
                   <a:srgbClr val="FF0000"/>
                 </a:solidFill>
@@ -4302,7 +4433,7 @@
               <a:t> 창을</a:t>
             </a:r>
             <a:r>
-              <a:rPr lang="en-US" altLang="ko-KR" sz="1200" b="1" dirty="0">
+              <a:rPr lang="en-US" altLang="ko-KR" sz="1200" b="1" dirty="0" smtClean="0">
                 <a:solidFill>
                   <a:srgbClr val="FF0000"/>
                 </a:solidFill>
@@ -4313,7 +4444,7 @@
               <a:t> </a:t>
             </a:r>
             <a:r>
-              <a:rPr lang="ko-KR" altLang="en-US" sz="1200" b="1" dirty="0">
+              <a:rPr lang="ko-KR" altLang="en-US" sz="1200" b="1" dirty="0" smtClean="0">
                 <a:solidFill>
                   <a:srgbClr val="FF0000"/>
                 </a:solidFill>
@@ -4323,7 +4454,7 @@
               </a:rPr>
               <a:t>기동하고 </a:t>
             </a:r>
-            <a:endParaRPr lang="en-US" altLang="ko-KR" sz="1200" b="1" dirty="0">
+            <a:endParaRPr lang="en-US" altLang="ko-KR" sz="1200" b="1" dirty="0" smtClean="0">
               <a:solidFill>
                 <a:srgbClr val="FF0000"/>
               </a:solidFill>
@@ -4335,7 +4466,7 @@
           <a:p>
             <a:pPr algn="ctr"/>
             <a:r>
-              <a:rPr lang="en-US" altLang="ko-KR" sz="1200" b="1" dirty="0">
+              <a:rPr lang="en-US" altLang="ko-KR" sz="1200" b="1" dirty="0" smtClean="0">
                 <a:solidFill>
                   <a:srgbClr val="FF0000"/>
                 </a:solidFill>
@@ -4346,7 +4477,7 @@
               <a:t>C:/xxx/Rexam/selenium </a:t>
             </a:r>
             <a:r>
-              <a:rPr lang="ko-KR" altLang="en-US" sz="1200" b="1" dirty="0">
+              <a:rPr lang="ko-KR" altLang="en-US" sz="1200" b="1" dirty="0" smtClean="0">
                 <a:solidFill>
                   <a:srgbClr val="FF0000"/>
                 </a:solidFill>
@@ -4356,7 +4487,7 @@
               </a:rPr>
               <a:t>폴더로 옮겨 가서</a:t>
             </a:r>
-            <a:endParaRPr lang="en-US" altLang="ko-KR" sz="1200" b="1" dirty="0">
+            <a:endParaRPr lang="en-US" altLang="ko-KR" sz="1200" b="1" dirty="0" smtClean="0">
               <a:solidFill>
                 <a:srgbClr val="FF0000"/>
               </a:solidFill>
@@ -4368,7 +4499,7 @@
           <a:p>
             <a:pPr algn="ctr"/>
             <a:r>
-              <a:rPr lang="ko-KR" altLang="en-US" sz="1200" b="1" dirty="0">
+              <a:rPr lang="ko-KR" altLang="en-US" sz="1200" b="1" dirty="0" smtClean="0">
                 <a:solidFill>
                   <a:srgbClr val="FF0000"/>
                 </a:solidFill>
@@ -4379,7 +4510,7 @@
               <a:t>다음 명령을 실행한다</a:t>
             </a:r>
             <a:r>
-              <a:rPr lang="en-US" altLang="ko-KR" sz="1200" b="1" dirty="0">
+              <a:rPr lang="en-US" altLang="ko-KR" sz="1200" b="1" dirty="0" smtClean="0">
                 <a:solidFill>
                   <a:srgbClr val="FF0000"/>
                 </a:solidFill>
@@ -4390,7 +4521,7 @@
               <a:t>. </a:t>
             </a:r>
             <a:r>
-              <a:rPr lang="ko-KR" altLang="en-US" sz="1200" b="1" dirty="0">
+              <a:rPr lang="ko-KR" altLang="en-US" sz="1200" b="1" dirty="0" smtClean="0">
                 <a:solidFill>
                   <a:srgbClr val="FF0000"/>
                 </a:solidFill>
@@ -4401,7 +4532,7 @@
               <a:t>만일 </a:t>
             </a:r>
             <a:r>
-              <a:rPr lang="en-US" altLang="ko-KR" sz="1200" b="1" dirty="0">
+              <a:rPr lang="en-US" altLang="ko-KR" sz="1200" b="1" dirty="0" smtClean="0">
                 <a:solidFill>
                   <a:srgbClr val="0000FF"/>
                 </a:solidFill>
@@ -4412,7 +4543,7 @@
               <a:t>java </a:t>
             </a:r>
             <a:r>
-              <a:rPr lang="ko-KR" altLang="en-US" sz="1200" b="1" dirty="0">
+              <a:rPr lang="ko-KR" altLang="en-US" sz="1200" b="1" dirty="0" smtClean="0">
                 <a:solidFill>
                   <a:srgbClr val="0000FF"/>
                 </a:solidFill>
@@ -4434,7 +4565,7 @@
           <a:p>
             <a:pPr algn="ctr"/>
             <a:r>
-              <a:rPr lang="ko-KR" altLang="en-US" sz="1200" b="1" dirty="0">
+              <a:rPr lang="ko-KR" altLang="en-US" sz="1200" b="1" dirty="0" smtClean="0">
                 <a:solidFill>
                   <a:srgbClr val="FF0000"/>
                 </a:solidFill>
@@ -4445,7 +4576,7 @@
               <a:t>환경 변수 설정에 문제가 있는 것이니 강사에게 꼭 알려서 해결해야 한다</a:t>
             </a:r>
             <a:r>
-              <a:rPr lang="en-US" altLang="ko-KR" sz="1200" b="1" dirty="0">
+              <a:rPr lang="en-US" altLang="ko-KR" sz="1200" b="1" dirty="0" smtClean="0">
                 <a:solidFill>
                   <a:srgbClr val="FF0000"/>
                 </a:solidFill>
@@ -4476,6 +4607,13 @@
   <p:clrMapOvr>
     <a:masterClrMapping/>
   </p:clrMapOvr>
+  <p:timing>
+    <p:tnLst>
+      <p:par>
+        <p:cTn id="1" dur="indefinite" restart="never" nodeType="tmRoot"/>
+      </p:par>
+    </p:tnLst>
+  </p:timing>
 </p:sld>
 </file>
 
@@ -4547,7 +4685,7 @@
           <a:lstStyle/>
           <a:p>
             <a:r>
-              <a:rPr lang="en-US" altLang="ko-KR" sz="1400" b="1" dirty="0">
+              <a:rPr lang="en-US" altLang="ko-KR" sz="1400" b="1" dirty="0" smtClean="0">
                 <a:solidFill>
                   <a:schemeClr val="tx1">
                     <a:lumMod val="50000"/>
@@ -4560,7 +4698,7 @@
               <a:t> </a:t>
             </a:r>
             <a:r>
-              <a:rPr lang="en-US" altLang="ko-KR" sz="2000" b="1" dirty="0">
+              <a:rPr lang="en-US" altLang="ko-KR" sz="2000" b="1" dirty="0" smtClean="0">
                 <a:solidFill>
                   <a:schemeClr val="bg1"/>
                 </a:solidFill>
@@ -4570,7 +4708,7 @@
               <a:t> </a:t>
             </a:r>
             <a:r>
-              <a:rPr lang="ko-KR" altLang="en-US" sz="2000" b="1" dirty="0">
+              <a:rPr lang="ko-KR" altLang="en-US" sz="2000" b="1" dirty="0" smtClean="0">
                 <a:solidFill>
                   <a:schemeClr val="bg1"/>
                 </a:solidFill>
@@ -4579,6 +4717,13 @@
               </a:rPr>
               <a:t>데이터 수집</a:t>
             </a:r>
+            <a:endParaRPr lang="ko-KR" altLang="en-US" sz="2000" b="1" dirty="0">
+              <a:solidFill>
+                <a:schemeClr val="bg1"/>
+              </a:solidFill>
+              <a:latin typeface="나눔고딕 ExtraBold" pitchFamily="50" charset="-127"/>
+              <a:ea typeface="나눔고딕 ExtraBold" pitchFamily="50" charset="-127"/>
+            </a:endParaRPr>
           </a:p>
         </p:txBody>
       </p:sp>
@@ -4676,11 +4821,11 @@
           <a:lstStyle/>
           <a:p>
             <a:r>
-              <a:rPr lang="en-US" altLang="ko-KR" b="1" dirty="0"/>
+              <a:rPr lang="en-US" altLang="ko-KR" b="1" dirty="0" smtClean="0"/>
               <a:t> </a:t>
             </a:r>
             <a:r>
-              <a:rPr lang="ko-KR" altLang="en-US" b="1" dirty="0"/>
+              <a:rPr lang="ko-KR" altLang="en-US" b="1" dirty="0" smtClean="0"/>
               <a:t>동적 </a:t>
             </a:r>
             <a:r>
@@ -4733,17 +4878,20 @@
               </a:lnSpc>
             </a:pPr>
             <a:r>
-              <a:rPr lang="en-US" altLang="ko-KR" sz="1200" dirty="0">
+              <a:rPr lang="en-US" altLang="ko-KR" sz="1200" dirty="0" smtClean="0">
                 <a:latin typeface="+mn-ea"/>
               </a:rPr>
               <a:t>#</a:t>
             </a:r>
             <a:r>
-              <a:rPr lang="ko-KR" altLang="en-US" sz="1200" dirty="0">
+              <a:rPr lang="ko-KR" altLang="en-US" sz="1200" dirty="0" smtClean="0">
                 <a:latin typeface="+mn-ea"/>
               </a:rPr>
               <a:t>이벤트 처리</a:t>
             </a:r>
+            <a:endParaRPr lang="ko-KR" altLang="en-US" sz="1200" dirty="0">
+              <a:latin typeface="+mn-ea"/>
+            </a:endParaRPr>
           </a:p>
           <a:p>
             <a:pPr>
@@ -5085,17 +5233,20 @@
               </a:lnSpc>
             </a:pPr>
             <a:r>
-              <a:rPr lang="en-US" altLang="ko-KR" sz="1200" b="1" dirty="0" err="1">
+              <a:rPr lang="en-US" altLang="ko-KR" sz="1200" b="1" dirty="0" err="1" smtClean="0">
                 <a:latin typeface="+mn-ea"/>
               </a:rPr>
               <a:t>remDr$executeScript</a:t>
             </a:r>
             <a:r>
-              <a:rPr lang="en-US" altLang="ko-KR" sz="1200" b="1" dirty="0">
+              <a:rPr lang="en-US" altLang="ko-KR" sz="1200" b="1" dirty="0" smtClean="0">
                 <a:latin typeface="+mn-ea"/>
               </a:rPr>
               <a:t>("arguments[0].click();",list(one));</a:t>
             </a:r>
+            <a:endParaRPr lang="en-US" altLang="ko-KR" sz="1200" b="1" dirty="0">
+              <a:latin typeface="+mn-ea"/>
+            </a:endParaRPr>
           </a:p>
         </p:txBody>
       </p:sp>
@@ -5109,6 +5260,13 @@
   <p:clrMapOvr>
     <a:masterClrMapping/>
   </p:clrMapOvr>
+  <p:timing>
+    <p:tnLst>
+      <p:par>
+        <p:cTn id="1" dur="indefinite" restart="never" nodeType="tmRoot"/>
+      </p:par>
+    </p:tnLst>
+  </p:timing>
 </p:sld>
 </file>
 
@@ -5180,7 +5338,7 @@
           <a:lstStyle/>
           <a:p>
             <a:r>
-              <a:rPr lang="en-US" altLang="ko-KR" sz="1400" b="1" dirty="0">
+              <a:rPr lang="en-US" altLang="ko-KR" sz="1400" b="1" dirty="0" smtClean="0">
                 <a:solidFill>
                   <a:schemeClr val="tx1">
                     <a:lumMod val="50000"/>
@@ -5193,7 +5351,7 @@
               <a:t> </a:t>
             </a:r>
             <a:r>
-              <a:rPr lang="en-US" altLang="ko-KR" sz="2000" b="1" dirty="0">
+              <a:rPr lang="en-US" altLang="ko-KR" sz="2000" b="1" dirty="0" smtClean="0">
                 <a:solidFill>
                   <a:schemeClr val="bg1"/>
                 </a:solidFill>
@@ -5203,7 +5361,7 @@
               <a:t> </a:t>
             </a:r>
             <a:r>
-              <a:rPr lang="ko-KR" altLang="en-US" sz="2000" b="1" dirty="0">
+              <a:rPr lang="ko-KR" altLang="en-US" sz="2000" b="1" dirty="0" smtClean="0">
                 <a:solidFill>
                   <a:schemeClr val="bg1"/>
                 </a:solidFill>
@@ -5212,6 +5370,13 @@
               </a:rPr>
               <a:t>데이터 수집</a:t>
             </a:r>
+            <a:endParaRPr lang="ko-KR" altLang="en-US" sz="2000" b="1" dirty="0">
+              <a:solidFill>
+                <a:schemeClr val="bg1"/>
+              </a:solidFill>
+              <a:latin typeface="나눔고딕 ExtraBold" pitchFamily="50" charset="-127"/>
+              <a:ea typeface="나눔고딕 ExtraBold" pitchFamily="50" charset="-127"/>
+            </a:endParaRPr>
           </a:p>
         </p:txBody>
       </p:sp>
@@ -5309,11 +5474,11 @@
           <a:lstStyle/>
           <a:p>
             <a:r>
-              <a:rPr lang="en-US" altLang="ko-KR" b="1" dirty="0"/>
+              <a:rPr lang="en-US" altLang="ko-KR" b="1" dirty="0" smtClean="0"/>
               <a:t> </a:t>
             </a:r>
             <a:r>
-              <a:rPr lang="ko-KR" altLang="en-US" b="1" dirty="0"/>
+              <a:rPr lang="ko-KR" altLang="en-US" b="1" dirty="0" smtClean="0"/>
               <a:t>동적 </a:t>
             </a:r>
             <a:r>
@@ -5473,6 +5638,13 @@
   <p:clrMapOvr>
     <a:masterClrMapping/>
   </p:clrMapOvr>
+  <p:timing>
+    <p:tnLst>
+      <p:par>
+        <p:cTn id="1" dur="indefinite" restart="never" nodeType="tmRoot"/>
+      </p:par>
+    </p:tnLst>
+  </p:timing>
 </p:sld>
 </file>
 
@@ -5544,7 +5716,7 @@
           <a:lstStyle/>
           <a:p>
             <a:r>
-              <a:rPr lang="en-US" altLang="ko-KR" sz="1400" b="1" dirty="0">
+              <a:rPr lang="en-US" altLang="ko-KR" sz="1400" b="1" dirty="0" smtClean="0">
                 <a:solidFill>
                   <a:schemeClr val="tx1">
                     <a:lumMod val="50000"/>
@@ -5557,7 +5729,7 @@
               <a:t> </a:t>
             </a:r>
             <a:r>
-              <a:rPr lang="en-US" altLang="ko-KR" sz="2000" b="1" dirty="0">
+              <a:rPr lang="en-US" altLang="ko-KR" sz="2000" b="1" dirty="0" smtClean="0">
                 <a:solidFill>
                   <a:schemeClr val="bg1"/>
                 </a:solidFill>
@@ -5567,7 +5739,7 @@
               <a:t> </a:t>
             </a:r>
             <a:r>
-              <a:rPr lang="ko-KR" altLang="en-US" sz="2000" b="1" dirty="0">
+              <a:rPr lang="ko-KR" altLang="en-US" sz="2000" b="1" dirty="0" smtClean="0">
                 <a:solidFill>
                   <a:schemeClr val="bg1"/>
                 </a:solidFill>
@@ -5576,6 +5748,13 @@
               </a:rPr>
               <a:t>데이터 수집</a:t>
             </a:r>
+            <a:endParaRPr lang="ko-KR" altLang="en-US" sz="2000" b="1" dirty="0">
+              <a:solidFill>
+                <a:schemeClr val="bg1"/>
+              </a:solidFill>
+              <a:latin typeface="나눔고딕 ExtraBold" pitchFamily="50" charset="-127"/>
+              <a:ea typeface="나눔고딕 ExtraBold" pitchFamily="50" charset="-127"/>
+            </a:endParaRPr>
           </a:p>
         </p:txBody>
       </p:sp>
@@ -5673,11 +5852,11 @@
           <a:lstStyle/>
           <a:p>
             <a:r>
-              <a:rPr lang="en-US" altLang="ko-KR" b="1" dirty="0"/>
+              <a:rPr lang="en-US" altLang="ko-KR" b="1" dirty="0" smtClean="0"/>
               <a:t> </a:t>
             </a:r>
             <a:r>
-              <a:rPr lang="ko-KR" altLang="en-US" b="1" dirty="0"/>
+              <a:rPr lang="ko-KR" altLang="en-US" b="1" dirty="0" smtClean="0"/>
               <a:t>동적 </a:t>
             </a:r>
             <a:r>
@@ -5851,6 +6030,12 @@
               </a:rPr>
               <a:t>" , </a:t>
             </a:r>
+            <a:endParaRPr lang="en-US" altLang="ko-KR" sz="1200" b="1" dirty="0" smtClean="0">
+              <a:solidFill>
+                <a:srgbClr val="FF0000"/>
+              </a:solidFill>
+              <a:latin typeface="+mn-ea"/>
+            </a:endParaRPr>
           </a:p>
           <a:p>
             <a:pPr>
@@ -5865,7 +6050,25 @@
                 </a:solidFill>
                 <a:latin typeface="+mn-ea"/>
               </a:rPr>
-              <a:t>             port = 4445, </a:t>
+              <a:t> </a:t>
+            </a:r>
+            <a:r>
+              <a:rPr lang="en-US" altLang="ko-KR" sz="1200" b="1" dirty="0" smtClean="0">
+                <a:solidFill>
+                  <a:srgbClr val="FF0000"/>
+                </a:solidFill>
+                <a:latin typeface="+mn-ea"/>
+              </a:rPr>
+              <a:t>            port </a:t>
+            </a:r>
+            <a:r>
+              <a:rPr lang="en-US" altLang="ko-KR" sz="1200" b="1" dirty="0">
+                <a:solidFill>
+                  <a:srgbClr val="FF0000"/>
+                </a:solidFill>
+                <a:latin typeface="+mn-ea"/>
+              </a:rPr>
+              <a:t>= 4445, </a:t>
             </a:r>
             <a:r>
               <a:rPr lang="en-US" altLang="ko-KR" sz="1200" b="1" dirty="0" err="1">
@@ -5921,8 +6124,17 @@
               <a:rPr lang="en-US" altLang="ko-KR" sz="1200" dirty="0">
                 <a:latin typeface="+mn-ea"/>
               </a:rPr>
-              <a:t>("http://www.google.com/")</a:t>
-            </a:r>
+              <a:t>("http://</a:t>
+            </a:r>
+            <a:r>
+              <a:rPr lang="en-US" altLang="ko-KR" sz="1200" dirty="0" smtClean="0">
+                <a:latin typeface="+mn-ea"/>
+              </a:rPr>
+              <a:t>www.google.com/")</a:t>
+            </a:r>
+            <a:endParaRPr lang="en-US" altLang="ko-KR" sz="1200" dirty="0">
+              <a:latin typeface="+mn-ea"/>
+            </a:endParaRPr>
           </a:p>
           <a:p>
             <a:pPr>
@@ -6213,6 +6425,13 @@
   <p:clrMapOvr>
     <a:masterClrMapping/>
   </p:clrMapOvr>
+  <p:timing>
+    <p:tnLst>
+      <p:par>
+        <p:cTn id="1" dur="indefinite" restart="never" nodeType="tmRoot"/>
+      </p:par>
+    </p:tnLst>
+  </p:timing>
 </p:sld>
 </file>
 
@@ -6284,7 +6503,7 @@
           <a:lstStyle/>
           <a:p>
             <a:r>
-              <a:rPr lang="en-US" altLang="ko-KR" sz="1400" b="1" dirty="0">
+              <a:rPr lang="en-US" altLang="ko-KR" sz="1400" b="1" dirty="0" smtClean="0">
                 <a:solidFill>
                   <a:schemeClr val="tx1">
                     <a:lumMod val="50000"/>
@@ -6297,7 +6516,7 @@
               <a:t> </a:t>
             </a:r>
             <a:r>
-              <a:rPr lang="en-US" altLang="ko-KR" sz="2000" b="1" dirty="0">
+              <a:rPr lang="en-US" altLang="ko-KR" sz="2000" b="1" dirty="0" smtClean="0">
                 <a:solidFill>
                   <a:schemeClr val="bg1"/>
                 </a:solidFill>
@@ -6307,7 +6526,7 @@
               <a:t> </a:t>
             </a:r>
             <a:r>
-              <a:rPr lang="ko-KR" altLang="en-US" sz="2000" b="1" dirty="0">
+              <a:rPr lang="ko-KR" altLang="en-US" sz="2000" b="1" dirty="0" smtClean="0">
                 <a:solidFill>
                   <a:schemeClr val="bg1"/>
                 </a:solidFill>
@@ -6316,6 +6535,13 @@
               </a:rPr>
               <a:t>데이터 수집</a:t>
             </a:r>
+            <a:endParaRPr lang="ko-KR" altLang="en-US" sz="2000" b="1" dirty="0">
+              <a:solidFill>
+                <a:schemeClr val="bg1"/>
+              </a:solidFill>
+              <a:latin typeface="나눔고딕 ExtraBold" pitchFamily="50" charset="-127"/>
+              <a:ea typeface="나눔고딕 ExtraBold" pitchFamily="50" charset="-127"/>
+            </a:endParaRPr>
           </a:p>
         </p:txBody>
       </p:sp>
@@ -6413,11 +6639,11 @@
           <a:lstStyle/>
           <a:p>
             <a:r>
-              <a:rPr lang="en-US" altLang="ko-KR" b="1" dirty="0"/>
+              <a:rPr lang="en-US" altLang="ko-KR" b="1" dirty="0" smtClean="0"/>
               <a:t> </a:t>
             </a:r>
             <a:r>
-              <a:rPr lang="ko-KR" altLang="en-US" b="1" dirty="0"/>
+              <a:rPr lang="ko-KR" altLang="en-US" b="1" dirty="0" smtClean="0"/>
               <a:t>동적 </a:t>
             </a:r>
             <a:r>
@@ -6448,7 +6674,7 @@
         <p:spPr>
           <a:xfrm>
             <a:off x="799455" y="1852981"/>
-            <a:ext cx="8176827" cy="610616"/>
+            <a:ext cx="8176827" cy="646331"/>
           </a:xfrm>
           <a:prstGeom prst="rect">
             <a:avLst/>
@@ -6470,40 +6696,52 @@
               </a:lnSpc>
             </a:pPr>
             <a:r>
+              <a:rPr lang="en-US" altLang="ko-KR" sz="1200" dirty="0" err="1" smtClean="0">
+                <a:latin typeface="+mn-ea"/>
+              </a:rPr>
+              <a:t>webElem</a:t>
+            </a:r>
+            <a:r>
+              <a:rPr lang="en-US" altLang="ko-KR" sz="1200" dirty="0" smtClean="0">
+                <a:latin typeface="+mn-ea"/>
+              </a:rPr>
+              <a:t> </a:t>
+            </a:r>
+            <a:r>
+              <a:rPr lang="en-US" altLang="ko-KR" sz="1200" dirty="0">
+                <a:latin typeface="+mn-ea"/>
+              </a:rPr>
+              <a:t>&lt;- </a:t>
+            </a:r>
+            <a:r>
               <a:rPr lang="en-US" altLang="ko-KR" sz="1200" dirty="0" err="1">
                 <a:latin typeface="+mn-ea"/>
               </a:rPr>
-              <a:t>webElem</a:t>
+              <a:t>remDr$findElement</a:t>
             </a:r>
             <a:r>
               <a:rPr lang="en-US" altLang="ko-KR" sz="1200" dirty="0">
                 <a:latin typeface="+mn-ea"/>
               </a:rPr>
-              <a:t> &lt;- </a:t>
-            </a:r>
-            <a:r>
-              <a:rPr lang="en-US" altLang="ko-KR" sz="1200" dirty="0" err="1">
-                <a:latin typeface="+mn-ea"/>
-              </a:rPr>
-              <a:t>remDr$findElement</a:t>
+              <a:t>(using = "</a:t>
+            </a:r>
+            <a:r>
+              <a:rPr lang="en-US" altLang="ko-KR" sz="1200" dirty="0" err="1" smtClean="0">
+                <a:latin typeface="+mn-ea"/>
+              </a:rPr>
+              <a:t>css</a:t>
+            </a:r>
+            <a:r>
+              <a:rPr lang="en-US" altLang="ko-KR" sz="1200" dirty="0" smtClean="0">
+                <a:latin typeface="+mn-ea"/>
+              </a:rPr>
+              <a:t> selector", </a:t>
             </a:r>
             <a:r>
               <a:rPr lang="en-US" altLang="ko-KR" sz="1200" dirty="0">
                 <a:latin typeface="+mn-ea"/>
               </a:rPr>
-              <a:t>(using = "</a:t>
-            </a:r>
-            <a:r>
-              <a:rPr lang="en-US" altLang="ko-KR" sz="1200" dirty="0" err="1">
-                <a:latin typeface="+mn-ea"/>
-              </a:rPr>
-              <a:t>css</a:t>
-            </a:r>
-            <a:r>
-              <a:rPr lang="en-US" altLang="ko-KR" sz="1200" dirty="0">
-                <a:latin typeface="+mn-ea"/>
-              </a:rPr>
-              <a:t> selector ", "[name = 'q']")</a:t>
+              <a:t>"[name = 'q']")</a:t>
             </a:r>
           </a:p>
           <a:p>
@@ -6522,8 +6760,17 @@
               <a:rPr lang="en-US" altLang="ko-KR" sz="1200" dirty="0">
                 <a:latin typeface="+mn-ea"/>
               </a:rPr>
-              <a:t>(list("JAVA", key = "enter"))</a:t>
-            </a:r>
+              <a:t>(list("JAVA", key = "enter</a:t>
+            </a:r>
+            <a:r>
+              <a:rPr lang="en-US" altLang="ko-KR" sz="1200" dirty="0" smtClean="0">
+                <a:latin typeface="+mn-ea"/>
+              </a:rPr>
+              <a:t>"))</a:t>
+            </a:r>
+            <a:endParaRPr lang="en-US" altLang="ko-KR" sz="1200" dirty="0">
+              <a:latin typeface="+mn-ea"/>
+            </a:endParaRPr>
           </a:p>
         </p:txBody>
       </p:sp>
@@ -6601,6 +6848,13 @@
   <p:clrMapOvr>
     <a:masterClrMapping/>
   </p:clrMapOvr>
+  <p:timing>
+    <p:tnLst>
+      <p:par>
+        <p:cTn id="1" dur="indefinite" restart="never" nodeType="tmRoot"/>
+      </p:par>
+    </p:tnLst>
+  </p:timing>
 </p:sld>
 </file>
 
@@ -6672,7 +6926,7 @@
           <a:lstStyle/>
           <a:p>
             <a:r>
-              <a:rPr lang="en-US" altLang="ko-KR" sz="1400" b="1" dirty="0">
+              <a:rPr lang="en-US" altLang="ko-KR" sz="1400" b="1" dirty="0" smtClean="0">
                 <a:solidFill>
                   <a:schemeClr val="tx1">
                     <a:lumMod val="50000"/>
@@ -6685,7 +6939,7 @@
               <a:t> </a:t>
             </a:r>
             <a:r>
-              <a:rPr lang="en-US" altLang="ko-KR" sz="2000" b="1" dirty="0">
+              <a:rPr lang="en-US" altLang="ko-KR" sz="2000" b="1" dirty="0" smtClean="0">
                 <a:solidFill>
                   <a:schemeClr val="bg1"/>
                 </a:solidFill>
@@ -6695,7 +6949,7 @@
               <a:t> </a:t>
             </a:r>
             <a:r>
-              <a:rPr lang="ko-KR" altLang="en-US" sz="2000" b="1" dirty="0">
+              <a:rPr lang="ko-KR" altLang="en-US" sz="2000" b="1" dirty="0" smtClean="0">
                 <a:solidFill>
                   <a:schemeClr val="bg1"/>
                 </a:solidFill>
@@ -6704,6 +6958,13 @@
               </a:rPr>
               <a:t>데이터 수집</a:t>
             </a:r>
+            <a:endParaRPr lang="ko-KR" altLang="en-US" sz="2000" b="1" dirty="0">
+              <a:solidFill>
+                <a:schemeClr val="bg1"/>
+              </a:solidFill>
+              <a:latin typeface="나눔고딕 ExtraBold" pitchFamily="50" charset="-127"/>
+              <a:ea typeface="나눔고딕 ExtraBold" pitchFamily="50" charset="-127"/>
+            </a:endParaRPr>
           </a:p>
         </p:txBody>
       </p:sp>
@@ -6801,11 +7062,11 @@
           <a:lstStyle/>
           <a:p>
             <a:r>
-              <a:rPr lang="en-US" altLang="ko-KR" b="1" dirty="0"/>
+              <a:rPr lang="en-US" altLang="ko-KR" b="1" dirty="0" smtClean="0"/>
               <a:t> </a:t>
             </a:r>
             <a:r>
-              <a:rPr lang="ko-KR" altLang="en-US" b="1" dirty="0"/>
+              <a:rPr lang="ko-KR" altLang="en-US" b="1" dirty="0" smtClean="0"/>
               <a:t>동적 </a:t>
             </a:r>
             <a:r>
@@ -6836,14 +7097,14 @@
           <p:nvPr>
             <p:extLst>
               <p:ext uri="{D42A27DB-BD31-4B8C-83A1-F6EECF244321}">
-                <p14:modId xmlns:p14="http://schemas.microsoft.com/office/powerpoint/2010/main" val="3143105116"/>
+                <p14:modId xmlns:p14="http://schemas.microsoft.com/office/powerpoint/2010/main" val="1517547466"/>
               </p:ext>
             </p:extLst>
           </p:nvPr>
         </p:nvGraphicFramePr>
         <p:xfrm>
           <a:off x="665684" y="2030818"/>
-          <a:ext cx="8529310" cy="3454627"/>
+          <a:ext cx="8529310" cy="3472742"/>
         </p:xfrm>
         <a:graphic>
           <a:graphicData uri="http://schemas.openxmlformats.org/drawingml/2006/table">
@@ -6852,17 +7113,17 @@
                 <a:tableStyleId>{5940675A-B579-460E-94D1-54222C63F5DA}</a:tableStyleId>
               </a:tblPr>
               <a:tblGrid>
-                <a:gridCol w="5355554">
+                <a:gridCol w="4502664">
                   <a:extLst>
                     <a:ext uri="{9D8B030D-6E8A-4147-A177-3AD203B41FA5}">
-                      <a16:colId xmlns:a16="http://schemas.microsoft.com/office/drawing/2014/main" val="20000"/>
+                      <a16:colId xmlns="" xmlns:a16="http://schemas.microsoft.com/office/drawing/2014/main" val="20000"/>
                     </a:ext>
                   </a:extLst>
                 </a:gridCol>
-                <a:gridCol w="3173756">
+                <a:gridCol w="4026646">
                   <a:extLst>
                     <a:ext uri="{9D8B030D-6E8A-4147-A177-3AD203B41FA5}">
-                      <a16:colId xmlns:a16="http://schemas.microsoft.com/office/drawing/2014/main" val="20001"/>
+                      <a16:colId xmlns="" xmlns:a16="http://schemas.microsoft.com/office/drawing/2014/main" val="20001"/>
                     </a:ext>
                   </a:extLst>
                 </a:gridCol>
@@ -6895,7 +7156,47 @@
                           <a:latin typeface="+mj-ea"/>
                           <a:ea typeface="+mj-ea"/>
                         </a:rPr>
-                        <a:t> &lt;-   </a:t>
+                        <a:t> &lt;- </a:t>
+                      </a:r>
+                      <a:r>
+                        <a:rPr lang="en-US" sz="1200" b="1" kern="100" dirty="0" smtClean="0">
+                          <a:effectLst/>
+                          <a:latin typeface="+mj-ea"/>
+                          <a:ea typeface="+mj-ea"/>
+                        </a:rPr>
+                        <a:t>  </a:t>
+                      </a:r>
+                      <a:r>
+                        <a:rPr lang="en-US" sz="1200" b="1" kern="100" dirty="0" err="1" smtClean="0">
+                          <a:effectLst/>
+                          <a:latin typeface="+mj-ea"/>
+                          <a:ea typeface="+mj-ea"/>
+                        </a:rPr>
+                        <a:t>remoteDriver</a:t>
+                      </a:r>
+                      <a:r>
+                        <a:rPr lang="en-US" sz="1200" b="1" kern="100" dirty="0" smtClean="0">
+                          <a:effectLst/>
+                          <a:latin typeface="+mj-ea"/>
+                          <a:ea typeface="+mj-ea"/>
+                        </a:rPr>
+                        <a:t>(</a:t>
+                      </a:r>
+                      <a:r>
+                        <a:rPr lang="en-US" sz="1200" b="1" kern="100" dirty="0" err="1" smtClean="0">
+                          <a:effectLst/>
+                          <a:latin typeface="+mj-ea"/>
+                          <a:ea typeface="+mj-ea"/>
+                        </a:rPr>
+                        <a:t>remoteServerAddr</a:t>
+                      </a:r>
+                      <a:r>
+                        <a:rPr lang="en-US" sz="1200" b="1" kern="100" dirty="0">
+                          <a:effectLst/>
+                          <a:latin typeface="+mj-ea"/>
+                          <a:ea typeface="+mj-ea"/>
+                        </a:rPr>
+                        <a:t>="</a:t>
                       </a:r>
                       <a:r>
                         <a:rPr lang="en-US" sz="1200" b="1" kern="100" dirty="0" err="1">
@@ -6903,42 +7204,10 @@
                           <a:latin typeface="+mj-ea"/>
                           <a:ea typeface="+mj-ea"/>
                         </a:rPr>
-                        <a:t>remoteDriver</a:t>
-                      </a:r>
-                      <a:r>
-                        <a:rPr lang="en-US" sz="1200" b="1" kern="100" dirty="0">
-                          <a:effectLst/>
-                          <a:latin typeface="+mj-ea"/>
-                          <a:ea typeface="+mj-ea"/>
-                        </a:rPr>
-                        <a:t>(</a:t>
-                      </a:r>
-                      <a:r>
-                        <a:rPr lang="en-US" sz="1200" b="1" kern="100" dirty="0" err="1">
-                          <a:effectLst/>
-                          <a:latin typeface="+mj-ea"/>
-                          <a:ea typeface="+mj-ea"/>
-                        </a:rPr>
-                        <a:t>remoteServerAddr</a:t>
-                      </a:r>
-                      <a:r>
-                        <a:rPr lang="en-US" sz="1200" b="1" kern="100" dirty="0">
-                          <a:effectLst/>
-                          <a:latin typeface="+mj-ea"/>
-                          <a:ea typeface="+mj-ea"/>
-                        </a:rPr>
-                        <a:t>="</a:t>
-                      </a:r>
-                      <a:r>
-                        <a:rPr lang="en-US" sz="1200" b="1" kern="100" dirty="0" err="1">
-                          <a:effectLst/>
-                          <a:latin typeface="+mj-ea"/>
-                          <a:ea typeface="+mj-ea"/>
-                        </a:rPr>
                         <a:t>localhost</a:t>
                       </a:r>
                       <a:r>
-                        <a:rPr lang="en-US" sz="1200" b="1" kern="100" dirty="0">
+                        <a:rPr lang="en-US" sz="1200" b="1" kern="100" dirty="0" smtClean="0">
                           <a:effectLst/>
                           <a:latin typeface="+mj-ea"/>
                           <a:ea typeface="+mj-ea"/>
@@ -6956,12 +7225,20 @@
                         </a:spcAft>
                       </a:pPr>
                       <a:r>
+                        <a:rPr lang="en-US" sz="1200" b="1" kern="100" dirty="0" smtClean="0">
+                          <a:effectLst/>
+                          <a:latin typeface="+mj-ea"/>
+                          <a:ea typeface="+mj-ea"/>
+                        </a:rPr>
+                        <a:t>                  port=4445,browserName</a:t>
+                      </a:r>
+                      <a:r>
                         <a:rPr lang="en-US" sz="1200" b="1" kern="100" dirty="0">
                           <a:effectLst/>
                           <a:latin typeface="+mj-ea"/>
                           <a:ea typeface="+mj-ea"/>
                         </a:rPr>
-                        <a:t>                  port=4445,browserName="chrome")</a:t>
+                        <a:t>="chrome")</a:t>
                       </a:r>
                       <a:endParaRPr lang="ko-KR" sz="1200" b="1" kern="100" dirty="0">
                         <a:effectLst/>
@@ -6994,7 +7271,7 @@
                         </a:spcAft>
                       </a:pPr>
                       <a:r>
-                        <a:rPr lang="en-US" sz="1200" kern="100" dirty="0">
+                        <a:rPr lang="en-US" sz="1200" kern="100" dirty="0" smtClean="0">
                           <a:effectLst/>
                           <a:latin typeface="+mj-ea"/>
                           <a:ea typeface="+mj-ea"/>
@@ -7002,7 +7279,7 @@
                         <a:t>R </a:t>
                       </a:r>
                       <a:r>
-                        <a:rPr lang="ko-KR" altLang="en-US" sz="1200" kern="100" dirty="0">
+                        <a:rPr lang="ko-KR" altLang="en-US" sz="1200" kern="100" dirty="0" smtClean="0">
                           <a:effectLst/>
                           <a:latin typeface="+mj-ea"/>
                           <a:ea typeface="+mj-ea"/>
@@ -7010,7 +7287,7 @@
                         <a:t>코드로 </a:t>
                       </a:r>
                       <a:r>
-                        <a:rPr lang="en-US" sz="1200" kern="100" dirty="0">
+                        <a:rPr lang="en-US" sz="1200" kern="100" dirty="0" smtClean="0">
                           <a:effectLst/>
                           <a:latin typeface="+mj-ea"/>
                           <a:ea typeface="+mj-ea"/>
@@ -7078,7 +7355,7 @@
                 </a:tc>
                 <a:extLst>
                   <a:ext uri="{0D108BD9-81ED-4DB2-BD59-A6C34878D82A}">
-                    <a16:rowId xmlns:a16="http://schemas.microsoft.com/office/drawing/2014/main" val="10000"/>
+                    <a16:rowId xmlns="" xmlns:a16="http://schemas.microsoft.com/office/drawing/2014/main" val="10000"/>
                   </a:ext>
                 </a:extLst>
               </a:tr>
@@ -7143,7 +7420,7 @@
                         </a:spcAft>
                       </a:pPr>
                       <a:r>
-                        <a:rPr lang="ko-KR" sz="1200" kern="100" dirty="0">
+                        <a:rPr lang="ko-KR" sz="1200" kern="100" dirty="0" smtClean="0">
                           <a:effectLst/>
                           <a:latin typeface="+mj-ea"/>
                           <a:ea typeface="+mj-ea"/>
@@ -7151,7 +7428,7 @@
                         <a:t>브라우저 오픈</a:t>
                       </a:r>
                       <a:r>
-                        <a:rPr lang="en-US" altLang="ko-KR" sz="1200" kern="100" dirty="0">
+                        <a:rPr lang="en-US" altLang="ko-KR" sz="1200" kern="100" dirty="0" smtClean="0">
                           <a:effectLst/>
                           <a:latin typeface="+mj-ea"/>
                           <a:ea typeface="+mj-ea"/>
@@ -7159,7 +7436,7 @@
                         <a:t>(</a:t>
                       </a:r>
                       <a:r>
-                        <a:rPr lang="ko-KR" altLang="en-US" sz="1200" kern="100" dirty="0">
+                        <a:rPr lang="ko-KR" altLang="en-US" sz="1200" kern="100" dirty="0" smtClean="0">
                           <a:effectLst/>
                           <a:latin typeface="+mj-ea"/>
                           <a:ea typeface="+mj-ea"/>
@@ -7167,7 +7444,7 @@
                         <a:t>크롬</a:t>
                       </a:r>
                       <a:r>
-                        <a:rPr lang="en-US" altLang="ko-KR" sz="1200" kern="100" dirty="0">
+                        <a:rPr lang="en-US" altLang="ko-KR" sz="1200" kern="100" dirty="0" smtClean="0">
                           <a:effectLst/>
                           <a:latin typeface="+mj-ea"/>
                           <a:ea typeface="+mj-ea"/>
@@ -7193,7 +7470,7 @@
                 </a:tc>
                 <a:extLst>
                   <a:ext uri="{0D108BD9-81ED-4DB2-BD59-A6C34878D82A}">
-                    <a16:rowId xmlns:a16="http://schemas.microsoft.com/office/drawing/2014/main" val="10001"/>
+                    <a16:rowId xmlns="" xmlns:a16="http://schemas.microsoft.com/office/drawing/2014/main" val="10001"/>
                   </a:ext>
                 </a:extLst>
               </a:tr>
@@ -7274,7 +7551,7 @@
                         </a:spcAft>
                       </a:pPr>
                       <a:r>
-                        <a:rPr lang="en-US" altLang="ko-KR" sz="1200" kern="100" dirty="0" err="1">
+                        <a:rPr lang="en-US" altLang="ko-KR" sz="1200" kern="100" dirty="0" err="1" smtClean="0">
                           <a:effectLst/>
                           <a:latin typeface="+mj-ea"/>
                           <a:ea typeface="+mj-ea"/>
@@ -7282,7 +7559,7 @@
                         <a:t>url</a:t>
                       </a:r>
                       <a:r>
-                        <a:rPr lang="en-US" altLang="ko-KR" sz="1200" kern="100" dirty="0">
+                        <a:rPr lang="en-US" altLang="ko-KR" sz="1200" kern="100" dirty="0" smtClean="0">
                           <a:effectLst/>
                           <a:latin typeface="+mj-ea"/>
                           <a:ea typeface="+mj-ea"/>
@@ -7290,7 +7567,7 @@
                         <a:t> </a:t>
                       </a:r>
                       <a:r>
-                        <a:rPr lang="ko-KR" altLang="en-US" sz="1200" kern="100" dirty="0">
+                        <a:rPr lang="ko-KR" altLang="en-US" sz="1200" kern="100" dirty="0" smtClean="0">
                           <a:effectLst/>
                           <a:latin typeface="+mj-ea"/>
                           <a:ea typeface="+mj-ea"/>
@@ -7298,7 +7575,7 @@
                         <a:t>에</a:t>
                       </a:r>
                       <a:r>
-                        <a:rPr lang="ko-KR" altLang="en-US" sz="1200" kern="100" baseline="0" dirty="0">
+                        <a:rPr lang="ko-KR" altLang="en-US" sz="1200" kern="100" baseline="0" dirty="0" smtClean="0">
                           <a:effectLst/>
                           <a:latin typeface="+mj-ea"/>
                           <a:ea typeface="+mj-ea"/>
@@ -7306,7 +7583,7 @@
                         <a:t> 해당하는 </a:t>
                       </a:r>
                       <a:r>
-                        <a:rPr lang="ko-KR" altLang="en-US" sz="1200" kern="100" baseline="0" dirty="0" err="1">
+                        <a:rPr lang="ko-KR" altLang="en-US" sz="1200" kern="100" baseline="0" dirty="0" err="1" smtClean="0">
                           <a:effectLst/>
                           <a:latin typeface="+mj-ea"/>
                           <a:ea typeface="+mj-ea"/>
@@ -7314,7 +7591,7 @@
                         <a:t>웹</a:t>
                       </a:r>
                       <a:r>
-                        <a:rPr lang="ko-KR" sz="1200" kern="100" dirty="0" err="1">
+                        <a:rPr lang="ko-KR" sz="1200" kern="100" dirty="0" err="1" smtClean="0">
                           <a:effectLst/>
                           <a:latin typeface="+mj-ea"/>
                           <a:ea typeface="+mj-ea"/>
@@ -7322,7 +7599,7 @@
                         <a:t>페이지</a:t>
                       </a:r>
                       <a:r>
-                        <a:rPr lang="ko-KR" sz="1200" kern="100" dirty="0">
+                        <a:rPr lang="ko-KR" sz="1200" kern="100" dirty="0" smtClean="0">
                           <a:effectLst/>
                           <a:latin typeface="+mj-ea"/>
                           <a:ea typeface="+mj-ea"/>
@@ -7356,7 +7633,7 @@
                 </a:tc>
                 <a:extLst>
                   <a:ext uri="{0D108BD9-81ED-4DB2-BD59-A6C34878D82A}">
-                    <a16:rowId xmlns:a16="http://schemas.microsoft.com/office/drawing/2014/main" val="10002"/>
+                    <a16:rowId xmlns="" xmlns:a16="http://schemas.microsoft.com/office/drawing/2014/main" val="10002"/>
                   </a:ext>
                 </a:extLst>
               </a:tr>
@@ -7375,7 +7652,7 @@
                         </a:spcAft>
                       </a:pPr>
                       <a:r>
-                        <a:rPr lang="en-US" sz="1200" b="1" kern="100" dirty="0">
+                        <a:rPr lang="en-US" sz="1200" b="1" kern="100" dirty="0" smtClean="0">
                           <a:effectLst/>
                           <a:latin typeface="+mj-ea"/>
                           <a:ea typeface="+mj-ea"/>
@@ -7383,7 +7660,7 @@
                         <a:t>one &lt;- </a:t>
                       </a:r>
                       <a:r>
-                        <a:rPr lang="en-US" sz="1200" b="1" kern="100" dirty="0" err="1">
+                        <a:rPr lang="en-US" sz="1200" b="1" kern="100" dirty="0" err="1" smtClean="0">
                           <a:effectLst/>
                           <a:latin typeface="+mj-ea"/>
                           <a:ea typeface="+mj-ea"/>
@@ -7391,7 +7668,7 @@
                         <a:t>remDr$findElement</a:t>
                       </a:r>
                       <a:r>
-                        <a:rPr lang="en-US" sz="1200" b="1" kern="100" dirty="0">
+                        <a:rPr lang="en-US" sz="1200" b="1" kern="100" dirty="0" smtClean="0">
                           <a:effectLst/>
                           <a:latin typeface="+mj-ea"/>
                           <a:ea typeface="+mj-ea"/>
@@ -7399,7 +7676,7 @@
                         <a:t>(using='</a:t>
                       </a:r>
                       <a:r>
-                        <a:rPr lang="en-US" sz="1200" b="1" kern="100" dirty="0" err="1">
+                        <a:rPr lang="en-US" sz="1200" b="1" kern="100" dirty="0" err="1" smtClean="0">
                           <a:effectLst/>
                           <a:latin typeface="+mj-ea"/>
                           <a:ea typeface="+mj-ea"/>
@@ -7407,7 +7684,7 @@
                         <a:t>css</a:t>
                       </a:r>
                       <a:r>
-                        <a:rPr lang="en-US" sz="1200" b="1" kern="100" dirty="0">
+                        <a:rPr lang="en-US" sz="1200" b="1" kern="100" dirty="0" smtClean="0">
                           <a:effectLst/>
                           <a:latin typeface="+mj-ea"/>
                           <a:ea typeface="+mj-ea"/>
@@ -7415,7 +7692,7 @@
                         <a:t> </a:t>
                       </a:r>
                       <a:r>
-                        <a:rPr lang="ko-KR" altLang="en-US" sz="1200" b="1" kern="100" baseline="0" dirty="0">
+                        <a:rPr lang="ko-KR" altLang="en-US" sz="1200" b="1" kern="100" baseline="0" dirty="0" smtClean="0">
                           <a:effectLst/>
                           <a:latin typeface="+mj-ea"/>
                           <a:ea typeface="+mj-ea"/>
@@ -7423,7 +7700,7 @@
                         <a:t> </a:t>
                       </a:r>
                       <a:r>
-                        <a:rPr lang="en-US" altLang="ko-KR" sz="1200" b="1" kern="100" baseline="0" dirty="0">
+                        <a:rPr lang="en-US" altLang="ko-KR" sz="1200" b="1" kern="100" baseline="0" dirty="0" smtClean="0">
                           <a:effectLst/>
                           <a:latin typeface="+mj-ea"/>
                           <a:ea typeface="+mj-ea"/>
@@ -7431,7 +7708,7 @@
                         <a:t>selector</a:t>
                       </a:r>
                       <a:r>
-                        <a:rPr lang="en-US" sz="1200" b="1" kern="100" dirty="0">
+                        <a:rPr lang="en-US" sz="1200" b="1" kern="100" dirty="0" smtClean="0">
                           <a:effectLst/>
                           <a:latin typeface="+mj-ea"/>
                           <a:ea typeface="+mj-ea"/>
@@ -7439,7 +7716,7 @@
                         <a:t>',‘</a:t>
                       </a:r>
                       <a:r>
-                        <a:rPr lang="en-US" sz="1200" b="1" kern="100" dirty="0" err="1">
+                        <a:rPr lang="en-US" sz="1200" b="1" kern="100" dirty="0" err="1" smtClean="0">
                           <a:effectLst/>
                           <a:latin typeface="+mj-ea"/>
                           <a:ea typeface="+mj-ea"/>
@@ -7447,7 +7724,7 @@
                         <a:t>css</a:t>
                       </a:r>
                       <a:r>
-                        <a:rPr lang="ko-KR" altLang="en-US" sz="1200" b="1" kern="100" dirty="0" err="1">
+                        <a:rPr lang="ko-KR" altLang="en-US" sz="1200" b="1" kern="100" dirty="0" err="1" smtClean="0">
                           <a:effectLst/>
                           <a:latin typeface="+mj-ea"/>
                           <a:ea typeface="+mj-ea"/>
@@ -7455,14 +7732,14 @@
                         <a:t>선택자</a:t>
                       </a:r>
                       <a:r>
-                        <a:rPr lang="en-US" sz="1200" b="1" kern="100" dirty="0">
+                        <a:rPr lang="en-US" sz="1200" b="1" kern="100" dirty="0" smtClean="0">
                           <a:effectLst/>
                           <a:latin typeface="+mj-ea"/>
                           <a:ea typeface="+mj-ea"/>
                         </a:rPr>
                         <a:t>')  </a:t>
                       </a:r>
-                      <a:endParaRPr lang="en-US" altLang="ko-KR" sz="1200" b="1" kern="100" dirty="0">
+                      <a:endParaRPr lang="en-US" altLang="ko-KR" sz="1200" b="1" kern="100" dirty="0" smtClean="0">
                         <a:effectLst/>
                         <a:latin typeface="+mj-ea"/>
                         <a:ea typeface="+mj-ea"/>
@@ -7492,7 +7769,7 @@
                         </a:spcAft>
                       </a:pPr>
                       <a:r>
-                        <a:rPr lang="ko-KR" sz="1200" kern="100" dirty="0">
+                        <a:rPr lang="ko-KR" sz="1200" kern="100" dirty="0" smtClean="0">
                           <a:effectLst/>
                           <a:latin typeface="+mj-ea"/>
                           <a:ea typeface="+mj-ea"/>
@@ -7500,7 +7777,7 @@
                         <a:t>태그 </a:t>
                       </a:r>
                       <a:r>
-                        <a:rPr lang="ko-KR" altLang="en-US" sz="1200" kern="100" dirty="0">
+                        <a:rPr lang="ko-KR" altLang="en-US" sz="1200" kern="100" dirty="0" smtClean="0">
                           <a:effectLst/>
                           <a:latin typeface="+mj-ea"/>
                           <a:ea typeface="+mj-ea"/>
@@ -7508,7 +7785,7 @@
                         <a:t>한</a:t>
                       </a:r>
                       <a:r>
-                        <a:rPr lang="en-US" altLang="ko-KR" sz="1200" kern="100" dirty="0">
+                        <a:rPr lang="en-US" altLang="ko-KR" sz="1200" kern="100" dirty="0" smtClean="0">
                           <a:effectLst/>
                           <a:latin typeface="+mj-ea"/>
                           <a:ea typeface="+mj-ea"/>
@@ -7516,7 +7793,7 @@
                         <a:t> </a:t>
                       </a:r>
                       <a:r>
-                        <a:rPr lang="ko-KR" altLang="en-US" sz="1200" kern="100" dirty="0">
+                        <a:rPr lang="ko-KR" altLang="en-US" sz="1200" kern="100" dirty="0" smtClean="0">
                           <a:effectLst/>
                           <a:latin typeface="+mj-ea"/>
                           <a:ea typeface="+mj-ea"/>
@@ -7524,7 +7801,7 @@
                         <a:t>개 찾기</a:t>
                       </a:r>
                       <a:r>
-                        <a:rPr lang="en-US" altLang="ko-KR" sz="1200" kern="100" dirty="0">
+                        <a:rPr lang="en-US" altLang="ko-KR" sz="1200" kern="100" dirty="0" smtClean="0">
                           <a:effectLst/>
                           <a:latin typeface="+mj-ea"/>
                           <a:ea typeface="+mj-ea"/>
@@ -7532,7 +7809,7 @@
                         <a:t>(</a:t>
                       </a:r>
                       <a:r>
-                        <a:rPr lang="en-US" altLang="ko-KR" sz="1200" kern="100" dirty="0" err="1">
+                        <a:rPr lang="en-US" altLang="ko-KR" sz="1200" kern="100" dirty="0" err="1" smtClean="0">
                           <a:effectLst/>
                           <a:latin typeface="+mj-ea"/>
                           <a:ea typeface="+mj-ea"/>
@@ -7540,7 +7817,7 @@
                         <a:t>webElement</a:t>
                       </a:r>
                       <a:r>
-                        <a:rPr lang="en-US" altLang="ko-KR" sz="1200" kern="100" baseline="0" dirty="0">
+                        <a:rPr lang="en-US" altLang="ko-KR" sz="1200" kern="100" baseline="0" dirty="0" smtClean="0">
                           <a:effectLst/>
                           <a:latin typeface="+mj-ea"/>
                           <a:ea typeface="+mj-ea"/>
@@ -7548,7 +7825,7 @@
                         <a:t> </a:t>
                       </a:r>
                       <a:r>
-                        <a:rPr lang="ko-KR" altLang="en-US" sz="1200" kern="100" baseline="0" dirty="0">
+                        <a:rPr lang="ko-KR" altLang="en-US" sz="1200" kern="100" baseline="0" dirty="0" smtClean="0">
                           <a:effectLst/>
                           <a:latin typeface="+mj-ea"/>
                           <a:ea typeface="+mj-ea"/>
@@ -7556,14 +7833,14 @@
                         <a:t>객체</a:t>
                       </a:r>
                       <a:r>
-                        <a:rPr lang="en-US" altLang="ko-KR" sz="1200" kern="100" baseline="0" dirty="0">
+                        <a:rPr lang="en-US" altLang="ko-KR" sz="1200" kern="100" baseline="0" dirty="0" smtClean="0">
                           <a:effectLst/>
                           <a:latin typeface="+mj-ea"/>
                           <a:ea typeface="+mj-ea"/>
                         </a:rPr>
                         <a:t>)</a:t>
                       </a:r>
-                      <a:endParaRPr lang="en-US" altLang="ko-KR" sz="1200" kern="100" dirty="0">
+                      <a:endParaRPr lang="en-US" altLang="ko-KR" sz="1200" kern="100" dirty="0" smtClean="0">
                         <a:effectLst/>
                         <a:latin typeface="+mj-ea"/>
                         <a:ea typeface="+mj-ea"/>
@@ -7579,7 +7856,7 @@
                         </a:spcAft>
                       </a:pPr>
                       <a:r>
-                        <a:rPr lang="ko-KR" altLang="en-US" sz="1200" kern="100" dirty="0">
+                        <a:rPr lang="ko-KR" altLang="en-US" sz="1200" kern="100" dirty="0" smtClean="0">
                           <a:effectLst/>
                           <a:latin typeface="+mj-ea"/>
                           <a:ea typeface="+mj-ea"/>
@@ -7588,7 +7865,7 @@
                         <a:t>태그가 없으면 </a:t>
                       </a:r>
                       <a:r>
-                        <a:rPr lang="en-US" altLang="ko-KR" sz="1200" kern="100" dirty="0" err="1">
+                        <a:rPr lang="en-US" altLang="ko-KR" sz="1200" kern="100" dirty="0" err="1" smtClean="0">
                           <a:effectLst/>
                           <a:latin typeface="+mj-ea"/>
                           <a:ea typeface="+mj-ea"/>
@@ -7597,7 +7874,7 @@
                         <a:t>NoSuchElement</a:t>
                       </a:r>
                       <a:r>
-                        <a:rPr lang="en-US" altLang="ko-KR" sz="1200" kern="100" dirty="0">
+                        <a:rPr lang="en-US" altLang="ko-KR" sz="1200" kern="100" dirty="0" smtClean="0">
                           <a:effectLst/>
                           <a:latin typeface="+mj-ea"/>
                           <a:ea typeface="+mj-ea"/>
@@ -7606,7 +7883,7 @@
                         <a:t> </a:t>
                       </a:r>
                       <a:r>
-                        <a:rPr lang="ko-KR" altLang="en-US" sz="1200" kern="100" dirty="0">
+                        <a:rPr lang="ko-KR" altLang="en-US" sz="1200" kern="100" dirty="0" smtClean="0">
                           <a:effectLst/>
                           <a:latin typeface="+mj-ea"/>
                           <a:ea typeface="+mj-ea"/>
@@ -7615,7 +7892,7 @@
                         <a:t>오류</a:t>
                       </a:r>
                       <a:r>
-                        <a:rPr lang="en-US" altLang="ko-KR" sz="1200" kern="100" dirty="0">
+                        <a:rPr lang="en-US" altLang="ko-KR" sz="1200" kern="100" dirty="0" smtClean="0">
                           <a:effectLst/>
                           <a:latin typeface="+mj-ea"/>
                           <a:ea typeface="+mj-ea"/>
@@ -7624,7 +7901,7 @@
                         <a:t> </a:t>
                       </a:r>
                       <a:r>
-                        <a:rPr lang="ko-KR" altLang="en-US" sz="1200" kern="100" dirty="0">
+                        <a:rPr lang="ko-KR" altLang="en-US" sz="1200" kern="100" dirty="0" smtClean="0">
                           <a:effectLst/>
                           <a:latin typeface="+mj-ea"/>
                           <a:ea typeface="+mj-ea"/>
@@ -7651,7 +7928,7 @@
                 </a:tc>
                 <a:extLst>
                   <a:ext uri="{0D108BD9-81ED-4DB2-BD59-A6C34878D82A}">
-                    <a16:rowId xmlns:a16="http://schemas.microsoft.com/office/drawing/2014/main" val="10003"/>
+                    <a16:rowId xmlns="" xmlns:a16="http://schemas.microsoft.com/office/drawing/2014/main" val="10003"/>
                   </a:ext>
                 </a:extLst>
               </a:tr>
@@ -7670,7 +7947,7 @@
                         </a:spcAft>
                       </a:pPr>
                       <a:r>
-                        <a:rPr lang="en-US" altLang="ko-KR" sz="1200" b="1" kern="100" dirty="0" err="1">
+                        <a:rPr lang="en-US" altLang="ko-KR" sz="1200" b="1" kern="100" dirty="0" err="1" smtClean="0">
                           <a:solidFill>
                             <a:schemeClr val="tx1"/>
                           </a:solidFill>
@@ -7682,7 +7959,7 @@
                         <a:t>one$getElementTagName</a:t>
                       </a:r>
                       <a:r>
-                        <a:rPr lang="en-US" altLang="ko-KR" sz="1200" b="1" kern="100" dirty="0">
+                        <a:rPr lang="en-US" altLang="ko-KR" sz="1200" b="1" kern="100" dirty="0" smtClean="0">
                           <a:solidFill>
                             <a:schemeClr val="tx1"/>
                           </a:solidFill>
@@ -7716,10 +7993,18 @@
                           <a:latin typeface="+mj-ea"/>
                           <a:ea typeface="+mj-ea"/>
                         </a:rPr>
-                        <a:t>찾아진 태그의 </a:t>
-                      </a:r>
-                      <a:r>
-                        <a:rPr lang="ko-KR" altLang="en-US" sz="1200" kern="100" dirty="0">
+                        <a:t>찾아진 </a:t>
+                      </a:r>
+                      <a:r>
+                        <a:rPr lang="ko-KR" sz="1200" kern="100" dirty="0" smtClean="0">
+                          <a:effectLst/>
+                          <a:latin typeface="+mj-ea"/>
+                          <a:ea typeface="+mj-ea"/>
+                        </a:rPr>
+                        <a:t>태그의 </a:t>
+                      </a:r>
+                      <a:r>
+                        <a:rPr lang="ko-KR" altLang="en-US" sz="1200" kern="100" dirty="0" smtClean="0">
                           <a:effectLst/>
                           <a:latin typeface="+mj-ea"/>
                           <a:ea typeface="+mj-ea"/>
@@ -7727,12 +8012,60 @@
                         <a:t>태그 명</a:t>
                       </a:r>
                       <a:r>
-                        <a:rPr lang="ko-KR" sz="1200" kern="100" dirty="0">
-                          <a:effectLst/>
-                          <a:latin typeface="+mj-ea"/>
-                          <a:ea typeface="+mj-ea"/>
-                        </a:rPr>
-                        <a:t> 추출</a:t>
+                        <a:rPr lang="ko-KR" sz="1200" kern="100" dirty="0" smtClean="0">
+                          <a:effectLst/>
+                          <a:latin typeface="+mj-ea"/>
+                          <a:ea typeface="+mj-ea"/>
+                        </a:rPr>
+                        <a:t> </a:t>
+                      </a:r>
+                      <a:r>
+                        <a:rPr lang="ko-KR" sz="1200" kern="100" dirty="0" smtClean="0">
+                          <a:effectLst/>
+                          <a:latin typeface="+mj-ea"/>
+                          <a:ea typeface="+mj-ea"/>
+                        </a:rPr>
+                        <a:t>추출</a:t>
+                      </a:r>
+                      <a:r>
+                        <a:rPr lang="en-US" altLang="ko-KR" sz="1200" kern="100" dirty="0" smtClean="0">
+                          <a:effectLst/>
+                          <a:latin typeface="+mj-ea"/>
+                          <a:ea typeface="+mj-ea"/>
+                        </a:rPr>
+                        <a:t>(</a:t>
+                      </a:r>
+                      <a:r>
+                        <a:rPr lang="en-US" altLang="ko-KR" sz="1200" kern="100" dirty="0" err="1" smtClean="0">
+                          <a:effectLst/>
+                          <a:latin typeface="+mj-ea"/>
+                          <a:ea typeface="+mj-ea"/>
+                        </a:rPr>
+                        <a:t>webElement</a:t>
+                      </a:r>
+                      <a:r>
+                        <a:rPr lang="en-US" altLang="ko-KR" sz="1200" kern="100" dirty="0" smtClean="0">
+                          <a:effectLst/>
+                          <a:latin typeface="+mj-ea"/>
+                          <a:ea typeface="+mj-ea"/>
+                        </a:rPr>
+                        <a:t> </a:t>
+                      </a:r>
+                      <a:r>
+                        <a:rPr lang="ko-KR" altLang="en-US" sz="1200" kern="100" dirty="0" smtClean="0">
+                          <a:effectLst/>
+                          <a:latin typeface="+mj-ea"/>
+                          <a:ea typeface="+mj-ea"/>
+                        </a:rPr>
+                        <a:t>객체가 제공</a:t>
+                      </a:r>
+                      <a:r>
+                        <a:rPr lang="en-US" altLang="ko-KR" sz="1200" kern="100" dirty="0" smtClean="0">
+                          <a:effectLst/>
+                          <a:latin typeface="+mj-ea"/>
+                          <a:ea typeface="+mj-ea"/>
+                        </a:rPr>
+                        <a:t>)</a:t>
                       </a:r>
                       <a:endParaRPr lang="ko-KR" sz="1200" kern="100" dirty="0">
                         <a:effectLst/>
@@ -7746,7 +8079,7 @@
                 </a:tc>
                 <a:extLst>
                   <a:ext uri="{0D108BD9-81ED-4DB2-BD59-A6C34878D82A}">
-                    <a16:rowId xmlns:a16="http://schemas.microsoft.com/office/drawing/2014/main" val="10004"/>
+                    <a16:rowId xmlns="" xmlns:a16="http://schemas.microsoft.com/office/drawing/2014/main" val="10004"/>
                   </a:ext>
                 </a:extLst>
               </a:tr>
@@ -7765,7 +8098,7 @@
                         </a:spcAft>
                       </a:pPr>
                       <a:r>
-                        <a:rPr lang="en-US" altLang="ko-KR" sz="1200" b="1" kern="100" dirty="0" err="1">
+                        <a:rPr lang="en-US" altLang="ko-KR" sz="1200" b="1" kern="100" dirty="0" err="1" smtClean="0">
                           <a:solidFill>
                             <a:schemeClr val="tx1"/>
                           </a:solidFill>
@@ -7777,7 +8110,7 @@
                         <a:t>one$getElementText</a:t>
                       </a:r>
                       <a:r>
-                        <a:rPr lang="en-US" altLang="ko-KR" sz="1200" b="1" kern="100" dirty="0">
+                        <a:rPr lang="en-US" altLang="ko-KR" sz="1200" b="1" kern="100" dirty="0" smtClean="0">
                           <a:solidFill>
                             <a:schemeClr val="tx1"/>
                           </a:solidFill>
@@ -7831,7 +8164,7 @@
                         <a:defRPr/>
                       </a:pPr>
                       <a:r>
-                        <a:rPr lang="ko-KR" altLang="ko-KR" sz="1200" kern="100" dirty="0">
+                        <a:rPr lang="ko-KR" altLang="ko-KR" sz="1200" kern="100" dirty="0" smtClean="0">
                           <a:solidFill>
                             <a:schemeClr val="tx1"/>
                           </a:solidFill>
@@ -7843,7 +8176,7 @@
                         <a:t>찾아진 태그의 </a:t>
                       </a:r>
                       <a:r>
-                        <a:rPr lang="ko-KR" altLang="en-US" sz="1200" kern="100" dirty="0">
+                        <a:rPr lang="ko-KR" altLang="en-US" sz="1200" kern="100" dirty="0" smtClean="0">
                           <a:solidFill>
                             <a:schemeClr val="tx1"/>
                           </a:solidFill>
@@ -7855,7 +8188,7 @@
                         <a:t>태그 내용</a:t>
                       </a:r>
                       <a:r>
-                        <a:rPr lang="ko-KR" altLang="ko-KR" sz="1200" kern="100" dirty="0">
+                        <a:rPr lang="ko-KR" altLang="ko-KR" sz="1200" kern="100" dirty="0" smtClean="0">
                           <a:solidFill>
                             <a:schemeClr val="tx1"/>
                           </a:solidFill>
@@ -7864,7 +8197,79 @@
                           <a:ea typeface="+mn-ea"/>
                           <a:cs typeface="+mn-cs"/>
                         </a:rPr>
-                        <a:t> 추출</a:t>
+                        <a:t> </a:t>
+                      </a:r>
+                      <a:r>
+                        <a:rPr lang="ko-KR" altLang="ko-KR" sz="1200" kern="100" dirty="0" smtClean="0">
+                          <a:solidFill>
+                            <a:schemeClr val="tx1"/>
+                          </a:solidFill>
+                          <a:effectLst/>
+                          <a:latin typeface="+mj-ea"/>
+                          <a:ea typeface="+mn-ea"/>
+                          <a:cs typeface="+mn-cs"/>
+                        </a:rPr>
+                        <a:t>추출</a:t>
+                      </a:r>
+                      <a:r>
+                        <a:rPr lang="en-US" altLang="ko-KR" sz="1200" kern="100" dirty="0" smtClean="0">
+                          <a:solidFill>
+                            <a:schemeClr val="tx1"/>
+                          </a:solidFill>
+                          <a:effectLst/>
+                          <a:latin typeface="+mj-ea"/>
+                          <a:ea typeface="+mn-ea"/>
+                          <a:cs typeface="+mn-cs"/>
+                        </a:rPr>
+                        <a:t>(</a:t>
+                      </a:r>
+                      <a:r>
+                        <a:rPr lang="en-US" altLang="ko-KR" sz="1200" kern="100" dirty="0" err="1" smtClean="0">
+                          <a:solidFill>
+                            <a:schemeClr val="tx1"/>
+                          </a:solidFill>
+                          <a:effectLst/>
+                          <a:latin typeface="+mj-ea"/>
+                          <a:ea typeface="+mn-ea"/>
+                          <a:cs typeface="+mn-cs"/>
+                        </a:rPr>
+                        <a:t>webElement</a:t>
+                      </a:r>
+                      <a:r>
+                        <a:rPr lang="en-US" altLang="ko-KR" sz="1200" kern="100" dirty="0" smtClean="0">
+                          <a:solidFill>
+                            <a:schemeClr val="tx1"/>
+                          </a:solidFill>
+                          <a:effectLst/>
+                          <a:latin typeface="+mj-ea"/>
+                          <a:ea typeface="+mn-ea"/>
+                          <a:cs typeface="+mn-cs"/>
+                        </a:rPr>
+                        <a:t> </a:t>
+                      </a:r>
+                      <a:r>
+                        <a:rPr lang="ko-KR" altLang="en-US" sz="1200" kern="100" dirty="0" smtClean="0">
+                          <a:solidFill>
+                            <a:schemeClr val="tx1"/>
+                          </a:solidFill>
+                          <a:effectLst/>
+                          <a:latin typeface="+mj-ea"/>
+                          <a:ea typeface="+mn-ea"/>
+                          <a:cs typeface="+mn-cs"/>
+                        </a:rPr>
+                        <a:t>객체가 제공</a:t>
+                      </a:r>
+                      <a:r>
+                        <a:rPr lang="en-US" altLang="ko-KR" sz="1200" kern="100" dirty="0" smtClean="0">
+                          <a:solidFill>
+                            <a:schemeClr val="tx1"/>
+                          </a:solidFill>
+                          <a:effectLst/>
+                          <a:latin typeface="+mj-ea"/>
+                          <a:ea typeface="+mn-ea"/>
+                          <a:cs typeface="+mn-cs"/>
+                        </a:rPr>
+                        <a:t>)</a:t>
                       </a:r>
                       <a:endParaRPr lang="ko-KR" sz="1200" kern="100" dirty="0">
                         <a:effectLst/>
@@ -7885,7 +8290,7 @@
                 </a:tc>
                 <a:extLst>
                   <a:ext uri="{0D108BD9-81ED-4DB2-BD59-A6C34878D82A}">
-                    <a16:rowId xmlns:a16="http://schemas.microsoft.com/office/drawing/2014/main" val="10005"/>
+                    <a16:rowId xmlns="" xmlns:a16="http://schemas.microsoft.com/office/drawing/2014/main" val="10005"/>
                   </a:ext>
                 </a:extLst>
               </a:tr>
@@ -7904,7 +8309,7 @@
                         </a:spcAft>
                       </a:pPr>
                       <a:r>
-                        <a:rPr lang="en-US" sz="1200" b="1" kern="100" dirty="0" err="1">
+                        <a:rPr lang="en-US" sz="1200" b="1" kern="100" dirty="0" err="1" smtClean="0">
                           <a:solidFill>
                             <a:schemeClr val="tx1"/>
                           </a:solidFill>
@@ -7915,7 +8320,7 @@
                         <a:t>one$getElementAttribute</a:t>
                       </a:r>
                       <a:r>
-                        <a:rPr lang="en-US" sz="1200" b="1" kern="100" dirty="0">
+                        <a:rPr lang="en-US" sz="1200" b="1" kern="100" dirty="0" smtClean="0">
                           <a:solidFill>
                             <a:schemeClr val="tx1"/>
                           </a:solidFill>
@@ -7926,7 +8331,7 @@
                         <a:t>(</a:t>
                       </a:r>
                       <a:r>
-                        <a:rPr lang="en-US" altLang="ko-KR" sz="1200" b="1" kern="100" dirty="0">
+                        <a:rPr lang="en-US" altLang="ko-KR" sz="1200" b="1" kern="100" dirty="0" smtClean="0">
                           <a:solidFill>
                             <a:schemeClr val="tx1"/>
                           </a:solidFill>
@@ -7938,7 +8343,7 @@
                         <a:t>”</a:t>
                       </a:r>
                       <a:r>
-                        <a:rPr lang="ko-KR" altLang="en-US" sz="1200" b="1" kern="100" dirty="0" err="1">
+                        <a:rPr lang="ko-KR" altLang="en-US" sz="1200" b="1" kern="100" dirty="0" err="1" smtClean="0">
                           <a:solidFill>
                             <a:schemeClr val="tx1"/>
                           </a:solidFill>
@@ -7949,7 +8354,7 @@
                         <a:t>속성명</a:t>
                       </a:r>
                       <a:r>
-                        <a:rPr lang="en-US" altLang="ko-KR" sz="1200" b="1" kern="100" dirty="0">
+                        <a:rPr lang="en-US" altLang="ko-KR" sz="1200" b="1" kern="100" dirty="0" smtClean="0">
                           <a:solidFill>
                             <a:schemeClr val="tx1"/>
                           </a:solidFill>
@@ -7960,7 +8365,7 @@
                         <a:t>”</a:t>
                       </a:r>
                       <a:r>
-                        <a:rPr lang="en-US" sz="1200" b="1" kern="100" dirty="0">
+                        <a:rPr lang="en-US" sz="1200" b="1" kern="100" dirty="0" smtClean="0">
                           <a:solidFill>
                             <a:schemeClr val="tx1"/>
                           </a:solidFill>
@@ -8002,15 +8407,115 @@
                           <a:latin typeface="+mj-ea"/>
                           <a:ea typeface="+mj-ea"/>
                         </a:rPr>
-                        <a:t>찾아진 태그</a:t>
-                      </a:r>
-                      <a:r>
-                        <a:rPr lang="ko-KR" altLang="en-US" sz="1200" kern="100" dirty="0">
-                          <a:effectLst/>
-                          <a:latin typeface="+mj-ea"/>
-                          <a:ea typeface="+mj-ea"/>
-                        </a:rPr>
-                        <a:t>의 속성 명에 대한 값 추출</a:t>
+                        <a:t>찾아진 </a:t>
+                      </a:r>
+                      <a:r>
+                        <a:rPr lang="ko-KR" sz="1200" kern="100" dirty="0" smtClean="0">
+                          <a:effectLst/>
+                          <a:latin typeface="+mj-ea"/>
+                          <a:ea typeface="+mj-ea"/>
+                        </a:rPr>
+                        <a:t>태그</a:t>
+                      </a:r>
+                      <a:r>
+                        <a:rPr lang="ko-KR" altLang="en-US" sz="1200" kern="100" dirty="0" smtClean="0">
+                          <a:effectLst/>
+                          <a:latin typeface="+mj-ea"/>
+                          <a:ea typeface="+mj-ea"/>
+                        </a:rPr>
+                        <a:t>의 속성 명에 대한 값 </a:t>
+                      </a:r>
+                      <a:r>
+                        <a:rPr lang="ko-KR" altLang="en-US" sz="1200" kern="100" dirty="0" smtClean="0">
+                          <a:effectLst/>
+                          <a:latin typeface="+mj-ea"/>
+                          <a:ea typeface="+mj-ea"/>
+                        </a:rPr>
+                        <a:t>추출</a:t>
+                      </a:r>
+                      <a:endParaRPr lang="en-US" altLang="ko-KR" sz="1200" kern="100" dirty="0" smtClean="0">
+                        <a:effectLst/>
+                        <a:latin typeface="+mj-ea"/>
+                        <a:ea typeface="+mj-ea"/>
+                      </a:endParaRPr>
+                    </a:p>
+                    <a:p>
+                      <a:pPr marL="0" marR="0" indent="0" algn="l" defTabSz="914400" rtl="0" eaLnBrk="1" fontAlgn="auto" latinLnBrk="0" hangingPunct="1">
+                        <a:lnSpc>
+                          <a:spcPct val="115000"/>
+                        </a:lnSpc>
+                        <a:spcBef>
+                          <a:spcPts val="0"/>
+                        </a:spcBef>
+                        <a:spcAft>
+                          <a:spcPts val="0"/>
+                        </a:spcAft>
+                        <a:buClrTx/>
+                        <a:buSzTx/>
+                        <a:buFontTx/>
+                        <a:buNone/>
+                        <a:tabLst/>
+                        <a:defRPr/>
+                      </a:pPr>
+                      <a:r>
+                        <a:rPr lang="en-US" altLang="ko-KR" sz="1200" kern="100" dirty="0" smtClean="0">
+                          <a:solidFill>
+                            <a:schemeClr val="tx1"/>
+                          </a:solidFill>
+                          <a:effectLst/>
+                          <a:latin typeface="+mj-ea"/>
+                          <a:ea typeface="+mn-ea"/>
+                          <a:cs typeface="+mn-cs"/>
+                        </a:rPr>
+                        <a:t>(</a:t>
+                      </a:r>
+                      <a:r>
+                        <a:rPr lang="en-US" altLang="ko-KR" sz="1200" kern="100" dirty="0" err="1" smtClean="0">
+                          <a:solidFill>
+                            <a:schemeClr val="tx1"/>
+                          </a:solidFill>
+                          <a:effectLst/>
+                          <a:latin typeface="+mj-ea"/>
+                          <a:ea typeface="+mn-ea"/>
+                          <a:cs typeface="+mn-cs"/>
+                        </a:rPr>
+                        <a:t>webElement</a:t>
+                      </a:r>
+                      <a:r>
+                        <a:rPr lang="en-US" altLang="ko-KR" sz="1200" kern="100" dirty="0" smtClean="0">
+                          <a:solidFill>
+                            <a:schemeClr val="tx1"/>
+                          </a:solidFill>
+                          <a:effectLst/>
+                          <a:latin typeface="+mj-ea"/>
+                          <a:ea typeface="+mn-ea"/>
+                          <a:cs typeface="+mn-cs"/>
+                        </a:rPr>
+                        <a:t> </a:t>
+                      </a:r>
+                      <a:r>
+                        <a:rPr lang="ko-KR" altLang="en-US" sz="1200" kern="100" dirty="0" smtClean="0">
+                          <a:solidFill>
+                            <a:schemeClr val="tx1"/>
+                          </a:solidFill>
+                          <a:effectLst/>
+                          <a:latin typeface="+mj-ea"/>
+                          <a:ea typeface="+mn-ea"/>
+                          <a:cs typeface="+mn-cs"/>
+                        </a:rPr>
+                        <a:t>객체가 제공</a:t>
+                      </a:r>
+                      <a:r>
+                        <a:rPr lang="en-US" altLang="ko-KR" sz="1200" kern="100" dirty="0" smtClean="0">
+                          <a:solidFill>
+                            <a:schemeClr val="tx1"/>
+                          </a:solidFill>
+                          <a:effectLst/>
+                          <a:latin typeface="+mj-ea"/>
+                          <a:ea typeface="+mn-ea"/>
+                          <a:cs typeface="+mn-cs"/>
+                        </a:rPr>
+                        <a:t>)</a:t>
                       </a:r>
                       <a:endParaRPr lang="ko-KR" sz="1200" kern="100" dirty="0">
                         <a:effectLst/>
@@ -8024,7 +8529,7 @@
                 </a:tc>
                 <a:extLst>
                   <a:ext uri="{0D108BD9-81ED-4DB2-BD59-A6C34878D82A}">
-                    <a16:rowId xmlns:a16="http://schemas.microsoft.com/office/drawing/2014/main" val="10006"/>
+                    <a16:rowId xmlns="" xmlns:a16="http://schemas.microsoft.com/office/drawing/2014/main" val="10006"/>
                   </a:ext>
                 </a:extLst>
               </a:tr>
@@ -8043,16 +8548,16 @@
                         </a:spcAft>
                       </a:pPr>
                       <a:r>
-                        <a:rPr lang="en-US" altLang="ko-KR" sz="1200" b="1" kern="100" dirty="0" err="1">
+                        <a:rPr lang="en-US" altLang="ko-KR" sz="1200" b="1" kern="100" dirty="0" err="1" smtClean="0">
                           <a:effectLst/>
                           <a:latin typeface="+mj-ea"/>
                           <a:ea typeface="+mj-ea"/>
                           <a:cs typeface="Times New Roman"/>
                         </a:rPr>
-                        <a:t>one$clickEmenet</a:t>
-                      </a:r>
-                      <a:r>
-                        <a:rPr lang="en-US" altLang="ko-KR" sz="1200" b="1" kern="100" dirty="0">
+                        <a:t>one$clickElement</a:t>
+                      </a:r>
+                      <a:r>
+                        <a:rPr lang="en-US" altLang="ko-KR" sz="1200" b="1" kern="100" dirty="0" smtClean="0">
                           <a:effectLst/>
                           <a:latin typeface="+mj-ea"/>
                           <a:ea typeface="+mj-ea"/>
@@ -8100,7 +8605,7 @@
                         <a:defRPr/>
                       </a:pPr>
                       <a:r>
-                        <a:rPr lang="ko-KR" altLang="ko-KR" sz="1200" kern="100" dirty="0">
+                        <a:rPr lang="ko-KR" altLang="ko-KR" sz="1200" kern="100" dirty="0" smtClean="0">
                           <a:solidFill>
                             <a:schemeClr val="tx1"/>
                           </a:solidFill>
@@ -8112,7 +8617,7 @@
                         <a:t>찾아진 태그</a:t>
                       </a:r>
                       <a:r>
-                        <a:rPr lang="ko-KR" altLang="en-US" sz="1200" kern="100" dirty="0">
+                        <a:rPr lang="ko-KR" altLang="en-US" sz="1200" kern="100" dirty="0" smtClean="0">
                           <a:solidFill>
                             <a:schemeClr val="tx1"/>
                           </a:solidFill>
@@ -8124,7 +8629,7 @@
                         <a:t>에서</a:t>
                       </a:r>
                       <a:r>
-                        <a:rPr lang="en-US" altLang="ko-KR" sz="1200" kern="100" dirty="0">
+                        <a:rPr lang="en-US" altLang="ko-KR" sz="1200" kern="100" dirty="0" smtClean="0">
                           <a:solidFill>
                             <a:schemeClr val="tx1"/>
                           </a:solidFill>
@@ -8136,7 +8641,7 @@
                         <a:t> </a:t>
                       </a:r>
                       <a:r>
-                        <a:rPr lang="ko-KR" altLang="en-US" sz="1200" kern="100" dirty="0">
+                        <a:rPr lang="ko-KR" altLang="en-US" sz="1200" kern="100" dirty="0" smtClean="0">
                           <a:solidFill>
                             <a:schemeClr val="tx1"/>
                           </a:solidFill>
@@ -8145,7 +8650,107 @@
                           <a:ea typeface="+mn-ea"/>
                           <a:cs typeface="+mn-cs"/>
                         </a:rPr>
-                        <a:t>클릭이벤트 발생시키기</a:t>
+                        <a:t>클릭이벤트 </a:t>
+                      </a:r>
+                      <a:r>
+                        <a:rPr lang="ko-KR" altLang="en-US" sz="1200" kern="100" dirty="0" smtClean="0">
+                          <a:solidFill>
+                            <a:schemeClr val="tx1"/>
+                          </a:solidFill>
+                          <a:effectLst/>
+                          <a:latin typeface="+mj-ea"/>
+                          <a:ea typeface="+mn-ea"/>
+                          <a:cs typeface="+mn-cs"/>
+                        </a:rPr>
+                        <a:t>발생시키기</a:t>
+                      </a:r>
+                      <a:endParaRPr lang="en-US" altLang="ko-KR" sz="1200" kern="100" dirty="0" smtClean="0">
+                        <a:solidFill>
+                          <a:schemeClr val="tx1"/>
+                        </a:solidFill>
+                        <a:effectLst/>
+                        <a:latin typeface="+mj-ea"/>
+                        <a:ea typeface="+mn-ea"/>
+                        <a:cs typeface="+mn-cs"/>
+                      </a:endParaRPr>
+                    </a:p>
+                    <a:p>
+                      <a:pPr marL="0" marR="0" indent="0" algn="l" defTabSz="914400" rtl="0" eaLnBrk="1" fontAlgn="auto" latinLnBrk="0" hangingPunct="1">
+                        <a:lnSpc>
+                          <a:spcPct val="115000"/>
+                        </a:lnSpc>
+                        <a:spcBef>
+                          <a:spcPts val="0"/>
+                        </a:spcBef>
+                        <a:spcAft>
+                          <a:spcPts val="0"/>
+                        </a:spcAft>
+                        <a:buClrTx/>
+                        <a:buSzTx/>
+                        <a:buFontTx/>
+                        <a:buNone/>
+                        <a:tabLst/>
+                        <a:defRPr/>
+                      </a:pPr>
+                      <a:r>
+                        <a:rPr lang="en-US" altLang="ko-KR" sz="1200" kern="100" dirty="0" smtClean="0">
+                          <a:solidFill>
+                            <a:schemeClr val="tx1"/>
+                          </a:solidFill>
+                          <a:effectLst/>
+                          <a:latin typeface="+mj-ea"/>
+                          <a:ea typeface="+mn-ea"/>
+                          <a:cs typeface="+mn-cs"/>
+                        </a:rPr>
+                        <a:t>(</a:t>
+                      </a:r>
+                      <a:r>
+                        <a:rPr lang="en-US" altLang="ko-KR" sz="1200" kern="100" dirty="0" err="1" smtClean="0">
+                          <a:solidFill>
+                            <a:schemeClr val="tx1"/>
+                          </a:solidFill>
+                          <a:effectLst/>
+                          <a:latin typeface="+mj-ea"/>
+                          <a:ea typeface="+mn-ea"/>
+                          <a:cs typeface="+mn-cs"/>
+                        </a:rPr>
+                        <a:t>webElement</a:t>
+                      </a:r>
+                      <a:r>
+                        <a:rPr lang="en-US" altLang="ko-KR" sz="1200" kern="100" dirty="0" smtClean="0">
+                          <a:solidFill>
+                            <a:schemeClr val="tx1"/>
+                          </a:solidFill>
+                          <a:effectLst/>
+                          <a:latin typeface="+mj-ea"/>
+                          <a:ea typeface="+mn-ea"/>
+                          <a:cs typeface="+mn-cs"/>
+                        </a:rPr>
+                        <a:t> </a:t>
+                      </a:r>
+                      <a:r>
+                        <a:rPr lang="ko-KR" altLang="en-US" sz="1200" kern="100" dirty="0" smtClean="0">
+                          <a:solidFill>
+                            <a:schemeClr val="tx1"/>
+                          </a:solidFill>
+                          <a:effectLst/>
+                          <a:latin typeface="+mj-ea"/>
+                          <a:ea typeface="+mn-ea"/>
+                          <a:cs typeface="+mn-cs"/>
+                        </a:rPr>
+                        <a:t>객체가 제공</a:t>
+                      </a:r>
+                      <a:r>
+                        <a:rPr lang="en-US" altLang="ko-KR" sz="1200" kern="100" dirty="0" smtClean="0">
+                          <a:solidFill>
+                            <a:schemeClr val="tx1"/>
+                          </a:solidFill>
+                          <a:effectLst/>
+                          <a:latin typeface="+mj-ea"/>
+                          <a:ea typeface="+mn-ea"/>
+                          <a:cs typeface="+mn-cs"/>
+                        </a:rPr>
+                        <a:t>)</a:t>
                       </a:r>
                       <a:endParaRPr lang="ko-KR" altLang="ko-KR" sz="1200" kern="100" dirty="0">
                         <a:solidFill>
@@ -8169,7 +8774,7 @@
                 </a:tc>
                 <a:extLst>
                   <a:ext uri="{0D108BD9-81ED-4DB2-BD59-A6C34878D82A}">
-                    <a16:rowId xmlns:a16="http://schemas.microsoft.com/office/drawing/2014/main" val="10007"/>
+                    <a16:rowId xmlns="" xmlns:a16="http://schemas.microsoft.com/office/drawing/2014/main" val="10007"/>
                   </a:ext>
                 </a:extLst>
               </a:tr>
@@ -8253,7 +8858,7 @@
               <a:tabLst/>
             </a:pPr>
             <a:r>
-              <a:rPr kumimoji="1" lang="en-US" altLang="ko-KR" sz="1200" b="0" i="0" u="none" strike="noStrike" cap="none" normalizeH="0" baseline="0" dirty="0">
+              <a:rPr kumimoji="1" lang="en-US" altLang="ko-KR" sz="1200" b="0" i="0" u="none" strike="noStrike" cap="none" normalizeH="0" baseline="0" dirty="0" smtClean="0">
                 <a:ln>
                   <a:noFill/>
                 </a:ln>
@@ -8268,7 +8873,7 @@
               <a:t>[ API </a:t>
             </a:r>
             <a:r>
-              <a:rPr kumimoji="1" lang="ko-KR" altLang="en-US" sz="1200" b="0" i="0" u="none" strike="noStrike" cap="none" normalizeH="0" baseline="0" dirty="0">
+              <a:rPr kumimoji="1" lang="ko-KR" altLang="en-US" sz="1200" b="0" i="0" u="none" strike="noStrike" cap="none" normalizeH="0" baseline="0" dirty="0" smtClean="0">
                 <a:ln>
                   <a:noFill/>
                 </a:ln>
@@ -8283,7 +8888,7 @@
               <a:t>소개 </a:t>
             </a:r>
             <a:r>
-              <a:rPr kumimoji="1" lang="en-US" altLang="ko-KR" sz="1200" b="0" i="0" u="none" strike="noStrike" cap="none" normalizeH="0" baseline="0" dirty="0">
+              <a:rPr kumimoji="1" lang="en-US" altLang="ko-KR" sz="1200" b="0" i="0" u="none" strike="noStrike" cap="none" normalizeH="0" baseline="0" dirty="0" smtClean="0">
                 <a:ln>
                   <a:noFill/>
                 </a:ln>
@@ -8297,7 +8902,7 @@
               </a:rPr>
               <a:t>]</a:t>
             </a:r>
-            <a:endParaRPr kumimoji="1" lang="en-US" altLang="ko-KR" sz="1200" b="0" i="0" u="none" strike="noStrike" cap="none" normalizeH="0" baseline="0" dirty="0">
+            <a:endParaRPr kumimoji="1" lang="en-US" altLang="ko-KR" sz="1200" b="0" i="0" u="none" strike="noStrike" cap="none" normalizeH="0" baseline="0" dirty="0" smtClean="0">
               <a:ln>
                 <a:noFill/>
               </a:ln>
@@ -8327,7 +8932,7 @@
               <a:buNone/>
               <a:tabLst/>
             </a:pPr>
-            <a:endParaRPr kumimoji="1" lang="en-US" altLang="ko-KR" sz="1800" b="0" i="0" u="none" strike="noStrike" cap="none" normalizeH="0" baseline="0" dirty="0">
+            <a:endParaRPr kumimoji="1" lang="en-US" altLang="ko-KR" sz="1800" b="0" i="0" u="none" strike="noStrike" cap="none" normalizeH="0" baseline="0" dirty="0" smtClean="0">
               <a:ln>
                 <a:noFill/>
               </a:ln>
@@ -8338,6 +8943,129 @@
               <a:latin typeface="굴림" pitchFamily="50" charset="-127"/>
               <a:ea typeface="굴림" pitchFamily="50" charset="-127"/>
               <a:cs typeface="굴림" pitchFamily="50" charset="-127"/>
+            </a:endParaRPr>
+          </a:p>
+        </p:txBody>
+      </p:sp>
+      <p:sp>
+        <p:nvSpPr>
+          <p:cNvPr id="10" name="설명선 2 9"/>
+          <p:cNvSpPr/>
+          <p:nvPr/>
+        </p:nvSpPr>
+        <p:spPr>
+          <a:xfrm>
+            <a:off x="4058044" y="5658402"/>
+            <a:ext cx="3074276" cy="414067"/>
+          </a:xfrm>
+          <a:prstGeom prst="borderCallout2">
+            <a:avLst>
+              <a:gd name="adj1" fmla="val 18750"/>
+              <a:gd name="adj2" fmla="val -8333"/>
+              <a:gd name="adj3" fmla="val 41667"/>
+              <a:gd name="adj4" fmla="val -41419"/>
+              <a:gd name="adj5" fmla="val -489063"/>
+              <a:gd name="adj6" fmla="val -67893"/>
+            </a:avLst>
+          </a:prstGeom>
+          <a:solidFill>
+            <a:srgbClr val="FFFF00"/>
+          </a:solidFill>
+        </p:spPr>
+        <p:style>
+          <a:lnRef idx="2">
+            <a:schemeClr val="accent1">
+              <a:shade val="50000"/>
+            </a:schemeClr>
+          </a:lnRef>
+          <a:fillRef idx="1">
+            <a:schemeClr val="accent1"/>
+          </a:fillRef>
+          <a:effectRef idx="0">
+            <a:schemeClr val="accent1"/>
+          </a:effectRef>
+          <a:fontRef idx="minor">
+            <a:schemeClr val="lt1"/>
+          </a:fontRef>
+        </p:style>
+        <p:txBody>
+          <a:bodyPr rtlCol="0" anchor="ctr"/>
+          <a:lstStyle/>
+          <a:p>
+            <a:pPr algn="ctr"/>
+            <a:r>
+              <a:rPr lang="ko-KR" altLang="en-US" sz="1200" dirty="0" smtClean="0">
+                <a:solidFill>
+                  <a:srgbClr val="FF0000"/>
+                </a:solidFill>
+                <a:latin typeface="THE개이득" pitchFamily="18" charset="-127"/>
+                <a:ea typeface="THE개이득" pitchFamily="18" charset="-127"/>
+                <a:cs typeface="THE개이득" pitchFamily="18" charset="-127"/>
+              </a:rPr>
+              <a:t>태그를</a:t>
+            </a:r>
+            <a:r>
+              <a:rPr lang="en-US" altLang="ko-KR" sz="1200" dirty="0" smtClean="0">
+                <a:solidFill>
+                  <a:srgbClr val="FF0000"/>
+                </a:solidFill>
+                <a:latin typeface="THE개이득" pitchFamily="18" charset="-127"/>
+                <a:ea typeface="THE개이득" pitchFamily="18" charset="-127"/>
+                <a:cs typeface="THE개이득" pitchFamily="18" charset="-127"/>
+              </a:rPr>
+              <a:t> </a:t>
+            </a:r>
+            <a:r>
+              <a:rPr lang="ko-KR" altLang="en-US" sz="1200" dirty="0" smtClean="0">
+                <a:solidFill>
+                  <a:srgbClr val="FF0000"/>
+                </a:solidFill>
+                <a:latin typeface="THE개이득" pitchFamily="18" charset="-127"/>
+                <a:ea typeface="THE개이득" pitchFamily="18" charset="-127"/>
+                <a:cs typeface="THE개이득" pitchFamily="18" charset="-127"/>
+              </a:rPr>
+              <a:t>한 개만 찾는 함수로서 </a:t>
+            </a:r>
+            <a:r>
+              <a:rPr lang="en-US" altLang="ko-KR" sz="1200" dirty="0" err="1" smtClean="0">
+                <a:solidFill>
+                  <a:srgbClr val="FF0000"/>
+                </a:solidFill>
+                <a:latin typeface="THE개이득" pitchFamily="18" charset="-127"/>
+                <a:ea typeface="THE개이득" pitchFamily="18" charset="-127"/>
+                <a:cs typeface="THE개이득" pitchFamily="18" charset="-127"/>
+              </a:rPr>
+              <a:t>webElement</a:t>
+            </a:r>
+            <a:r>
+              <a:rPr lang="en-US" altLang="ko-KR" sz="1200" dirty="0" smtClean="0">
+                <a:solidFill>
+                  <a:srgbClr val="FF0000"/>
+                </a:solidFill>
+                <a:latin typeface="THE개이득" pitchFamily="18" charset="-127"/>
+                <a:ea typeface="THE개이득" pitchFamily="18" charset="-127"/>
+                <a:cs typeface="THE개이득" pitchFamily="18" charset="-127"/>
+              </a:rPr>
+              <a:t> </a:t>
+            </a:r>
+            <a:r>
+              <a:rPr lang="ko-KR" altLang="en-US" sz="1200" dirty="0" smtClean="0">
+                <a:solidFill>
+                  <a:srgbClr val="FF0000"/>
+                </a:solidFill>
+                <a:latin typeface="THE개이득" pitchFamily="18" charset="-127"/>
+                <a:ea typeface="THE개이득" pitchFamily="18" charset="-127"/>
+                <a:cs typeface="THE개이득" pitchFamily="18" charset="-127"/>
+              </a:rPr>
+              <a:t>객체 리턴</a:t>
+            </a:r>
+            <a:endParaRPr lang="ko-KR" altLang="en-US" sz="1200" dirty="0">
+              <a:solidFill>
+                <a:srgbClr val="FF0000"/>
+              </a:solidFill>
+              <a:latin typeface="THE개이득" pitchFamily="18" charset="-127"/>
+              <a:ea typeface="THE개이득" pitchFamily="18" charset="-127"/>
+              <a:cs typeface="THE개이득" pitchFamily="18" charset="-127"/>
             </a:endParaRPr>
           </a:p>
         </p:txBody>
@@ -8352,6 +9080,13 @@
   <p:clrMapOvr>
     <a:masterClrMapping/>
   </p:clrMapOvr>
+  <p:timing>
+    <p:tnLst>
+      <p:par>
+        <p:cTn id="1" dur="indefinite" restart="never" nodeType="tmRoot"/>
+      </p:par>
+    </p:tnLst>
+  </p:timing>
 </p:sld>
 </file>
 
@@ -8423,7 +9158,7 @@
           <a:lstStyle/>
           <a:p>
             <a:r>
-              <a:rPr lang="en-US" altLang="ko-KR" sz="1400" b="1" dirty="0">
+              <a:rPr lang="en-US" altLang="ko-KR" sz="1400" b="1" dirty="0" smtClean="0">
                 <a:solidFill>
                   <a:schemeClr val="tx1">
                     <a:lumMod val="50000"/>
@@ -8436,7 +9171,7 @@
               <a:t> </a:t>
             </a:r>
             <a:r>
-              <a:rPr lang="en-US" altLang="ko-KR" sz="2000" b="1" dirty="0">
+              <a:rPr lang="en-US" altLang="ko-KR" sz="2000" b="1" dirty="0" smtClean="0">
                 <a:solidFill>
                   <a:schemeClr val="bg1"/>
                 </a:solidFill>
@@ -8446,7 +9181,7 @@
               <a:t> </a:t>
             </a:r>
             <a:r>
-              <a:rPr lang="ko-KR" altLang="en-US" sz="2000" b="1" dirty="0">
+              <a:rPr lang="ko-KR" altLang="en-US" sz="2000" b="1" dirty="0" smtClean="0">
                 <a:solidFill>
                   <a:schemeClr val="bg1"/>
                 </a:solidFill>
@@ -8455,6 +9190,13 @@
               </a:rPr>
               <a:t>데이터 수집</a:t>
             </a:r>
+            <a:endParaRPr lang="ko-KR" altLang="en-US" sz="2000" b="1" dirty="0">
+              <a:solidFill>
+                <a:schemeClr val="bg1"/>
+              </a:solidFill>
+              <a:latin typeface="나눔고딕 ExtraBold" pitchFamily="50" charset="-127"/>
+              <a:ea typeface="나눔고딕 ExtraBold" pitchFamily="50" charset="-127"/>
+            </a:endParaRPr>
           </a:p>
         </p:txBody>
       </p:sp>
@@ -8552,11 +9294,11 @@
           <a:lstStyle/>
           <a:p>
             <a:r>
-              <a:rPr lang="en-US" altLang="ko-KR" b="1" dirty="0"/>
+              <a:rPr lang="en-US" altLang="ko-KR" b="1" dirty="0" smtClean="0"/>
               <a:t> </a:t>
             </a:r>
             <a:r>
-              <a:rPr lang="ko-KR" altLang="en-US" b="1" dirty="0"/>
+              <a:rPr lang="ko-KR" altLang="en-US" b="1" dirty="0" smtClean="0"/>
               <a:t>동적 </a:t>
             </a:r>
             <a:r>
@@ -8587,7 +9329,7 @@
           <p:nvPr>
             <p:extLst>
               <p:ext uri="{D42A27DB-BD31-4B8C-83A1-F6EECF244321}">
-                <p14:modId xmlns:p14="http://schemas.microsoft.com/office/powerpoint/2010/main" val="3237034180"/>
+                <p14:modId xmlns:p14="http://schemas.microsoft.com/office/powerpoint/2010/main" val="2176390112"/>
               </p:ext>
             </p:extLst>
           </p:nvPr>
@@ -8606,14 +9348,14 @@
                 <a:gridCol w="5519456">
                   <a:extLst>
                     <a:ext uri="{9D8B030D-6E8A-4147-A177-3AD203B41FA5}">
-                      <a16:colId xmlns:a16="http://schemas.microsoft.com/office/drawing/2014/main" val="20000"/>
+                      <a16:colId xmlns="" xmlns:a16="http://schemas.microsoft.com/office/drawing/2014/main" val="20000"/>
                     </a:ext>
                   </a:extLst>
                 </a:gridCol>
                 <a:gridCol w="3009854">
                   <a:extLst>
                     <a:ext uri="{9D8B030D-6E8A-4147-A177-3AD203B41FA5}">
-                      <a16:colId xmlns:a16="http://schemas.microsoft.com/office/drawing/2014/main" val="20001"/>
+                      <a16:colId xmlns="" xmlns:a16="http://schemas.microsoft.com/office/drawing/2014/main" val="20001"/>
                     </a:ext>
                   </a:extLst>
                 </a:gridCol>
@@ -8678,7 +9420,15 @@
                           <a:latin typeface="+mj-ea"/>
                           <a:ea typeface="+mj-ea"/>
                         </a:rPr>
-                        <a:t> selector",  </a:t>
+                        <a:t> </a:t>
+                      </a:r>
+                      <a:r>
+                        <a:rPr lang="en-US" sz="1200" b="1" kern="100" dirty="0" smtClean="0">
+                          <a:effectLst/>
+                          <a:latin typeface="+mj-ea"/>
+                          <a:ea typeface="+mj-ea"/>
+                        </a:rPr>
+                        <a:t>selector",  </a:t>
                       </a:r>
                     </a:p>
                     <a:p>
@@ -8691,7 +9441,7 @@
                         </a:spcAft>
                       </a:pPr>
                       <a:r>
-                        <a:rPr lang="en-US" sz="1200" b="1" kern="100" dirty="0">
+                        <a:rPr lang="en-US" sz="1200" b="1" kern="100" dirty="0" smtClean="0">
                           <a:effectLst/>
                           <a:latin typeface="+mj-ea"/>
                           <a:ea typeface="+mj-ea"/>
@@ -8699,7 +9449,7 @@
                         <a:t>                                                    "</a:t>
                       </a:r>
                       <a:r>
-                        <a:rPr lang="ko-KR" sz="1200" b="1" kern="100" dirty="0" err="1">
+                        <a:rPr lang="ko-KR" sz="1200" b="1" kern="100" dirty="0" err="1" smtClean="0">
                           <a:effectLst/>
                           <a:latin typeface="+mj-ea"/>
                           <a:ea typeface="+mj-ea"/>
@@ -8707,7 +9457,7 @@
                         <a:t>컨텐트를추출하려는태그의</a:t>
                       </a:r>
                       <a:r>
-                        <a:rPr lang="en-US" altLang="ko-KR" sz="1200" b="1" kern="100" dirty="0">
+                        <a:rPr lang="en-US" altLang="ko-KR" sz="1200" b="1" kern="100" dirty="0" smtClean="0">
                           <a:effectLst/>
                           <a:latin typeface="+mj-ea"/>
                           <a:ea typeface="+mj-ea"/>
@@ -8715,7 +9465,7 @@
                         <a:t> CSS</a:t>
                       </a:r>
                       <a:r>
-                        <a:rPr lang="ko-KR" sz="1200" b="1" kern="100" dirty="0" err="1">
+                        <a:rPr lang="ko-KR" sz="1200" b="1" kern="100" dirty="0" err="1" smtClean="0">
                           <a:effectLst/>
                           <a:latin typeface="+mj-ea"/>
                           <a:ea typeface="+mj-ea"/>
@@ -8761,7 +9511,7 @@
                         </a:spcAft>
                       </a:pPr>
                       <a:r>
-                        <a:rPr lang="ko-KR" sz="1200" kern="100" dirty="0">
+                        <a:rPr lang="ko-KR" sz="1200" kern="100" dirty="0" smtClean="0">
                           <a:effectLst/>
                           <a:latin typeface="+mj-ea"/>
                           <a:ea typeface="+mj-ea"/>
@@ -8769,7 +9519,7 @@
                         <a:t>태그</a:t>
                       </a:r>
                       <a:r>
-                        <a:rPr lang="ko-KR" altLang="en-US" sz="1200" kern="100" dirty="0">
+                        <a:rPr lang="ko-KR" altLang="en-US" sz="1200" kern="100" dirty="0" smtClean="0">
                           <a:effectLst/>
                           <a:latin typeface="+mj-ea"/>
                           <a:ea typeface="+mj-ea"/>
@@ -8777,7 +9527,7 @@
                         <a:t>들을 </a:t>
                       </a:r>
                       <a:r>
-                        <a:rPr lang="ko-KR" sz="1200" kern="100" dirty="0">
+                        <a:rPr lang="ko-KR" sz="1200" kern="100" dirty="0" smtClean="0">
                           <a:effectLst/>
                           <a:latin typeface="+mj-ea"/>
                           <a:ea typeface="+mj-ea"/>
@@ -8785,14 +9535,14 @@
                         <a:t>찾</a:t>
                       </a:r>
                       <a:r>
-                        <a:rPr lang="ko-KR" altLang="en-US" sz="1200" kern="100" dirty="0">
+                        <a:rPr lang="ko-KR" altLang="en-US" sz="1200" kern="100" dirty="0" smtClean="0">
                           <a:effectLst/>
                           <a:latin typeface="+mj-ea"/>
                           <a:ea typeface="+mj-ea"/>
                         </a:rPr>
                         <a:t>기</a:t>
                       </a:r>
-                      <a:endParaRPr lang="en-US" altLang="ko-KR" sz="1200" kern="100" dirty="0">
+                      <a:endParaRPr lang="en-US" altLang="ko-KR" sz="1200" kern="100" dirty="0" smtClean="0">
                         <a:effectLst/>
                         <a:latin typeface="+mj-ea"/>
                         <a:ea typeface="+mj-ea"/>
@@ -8808,7 +9558,7 @@
                         </a:spcAft>
                       </a:pPr>
                       <a:r>
-                        <a:rPr lang="ko-KR" altLang="en-US" sz="1200" kern="100" dirty="0">
+                        <a:rPr lang="ko-KR" altLang="en-US" sz="1200" kern="100" dirty="0" smtClean="0">
                           <a:effectLst/>
                           <a:latin typeface="+mj-ea"/>
                           <a:ea typeface="+mj-ea"/>
@@ -8835,7 +9585,7 @@
                 </a:tc>
                 <a:extLst>
                   <a:ext uri="{0D108BD9-81ED-4DB2-BD59-A6C34878D82A}">
-                    <a16:rowId xmlns:a16="http://schemas.microsoft.com/office/drawing/2014/main" val="10003"/>
+                    <a16:rowId xmlns="" xmlns:a16="http://schemas.microsoft.com/office/drawing/2014/main" val="10003"/>
                   </a:ext>
                 </a:extLst>
               </a:tr>
@@ -8940,7 +9690,7 @@
                         <a:t>찾아진 태그들의 </a:t>
                       </a:r>
                       <a:r>
-                        <a:rPr lang="ko-KR" sz="1200" kern="100" dirty="0" err="1">
+                        <a:rPr lang="ko-KR" sz="1200" kern="100" dirty="0" err="1" smtClean="0">
                           <a:effectLst/>
                           <a:latin typeface="+mj-ea"/>
                           <a:ea typeface="+mj-ea"/>
@@ -8948,7 +9698,7 @@
                         <a:t>컨텐트</a:t>
                       </a:r>
                       <a:r>
-                        <a:rPr lang="ko-KR" altLang="en-US" sz="1200" kern="100" dirty="0" err="1">
+                        <a:rPr lang="ko-KR" altLang="en-US" sz="1200" kern="100" dirty="0" err="1" smtClean="0">
                           <a:effectLst/>
                           <a:latin typeface="+mj-ea"/>
                           <a:ea typeface="+mj-ea"/>
@@ -8956,7 +9706,7 @@
                         <a:t>들의</a:t>
                       </a:r>
                       <a:r>
-                        <a:rPr lang="ko-KR" sz="1200" kern="100">
+                        <a:rPr lang="ko-KR" sz="1200" kern="100" smtClean="0">
                           <a:effectLst/>
                           <a:latin typeface="+mj-ea"/>
                           <a:ea typeface="+mj-ea"/>
@@ -8964,7 +9714,7 @@
                         <a:t> 추출</a:t>
                       </a:r>
                       <a:r>
-                        <a:rPr lang="ko-KR" altLang="en-US" sz="1200" kern="100">
+                        <a:rPr lang="ko-KR" altLang="en-US" sz="1200" kern="100" smtClean="0">
                           <a:effectLst/>
                           <a:latin typeface="+mj-ea"/>
                           <a:ea typeface="+mj-ea"/>
@@ -8990,7 +9740,7 @@
                 </a:tc>
                 <a:extLst>
                   <a:ext uri="{0D108BD9-81ED-4DB2-BD59-A6C34878D82A}">
-                    <a16:rowId xmlns:a16="http://schemas.microsoft.com/office/drawing/2014/main" val="10004"/>
+                    <a16:rowId xmlns="" xmlns:a16="http://schemas.microsoft.com/office/drawing/2014/main" val="10004"/>
                   </a:ext>
                 </a:extLst>
               </a:tr>
@@ -9018,7 +9768,7 @@
                         <a:defRPr/>
                       </a:pPr>
                       <a:r>
-                        <a:rPr lang="en-US" altLang="ko-KR" sz="1200" b="1" kern="100" dirty="0" err="1">
+                        <a:rPr lang="en-US" altLang="ko-KR" sz="1200" b="1" kern="100" dirty="0" err="1" smtClean="0">
                           <a:solidFill>
                             <a:srgbClr val="FF0000"/>
                           </a:solidFill>
@@ -9030,7 +9780,7 @@
                         <a:t>sapply</a:t>
                       </a:r>
                       <a:r>
-                        <a:rPr lang="en-US" altLang="ko-KR" sz="1200" b="1" kern="100" dirty="0">
+                        <a:rPr lang="en-US" altLang="ko-KR" sz="1200" b="1" kern="100" dirty="0" smtClean="0">
                           <a:solidFill>
                             <a:srgbClr val="FF0000"/>
                           </a:solidFill>
@@ -9039,10 +9789,10 @@
                           <a:ea typeface="+mn-ea"/>
                           <a:cs typeface="+mn-cs"/>
                         </a:rPr>
-                        <a:t>(more, function(x){</a:t>
-                      </a:r>
-                      <a:r>
-                        <a:rPr lang="en-US" altLang="ko-KR" sz="1200" b="1" kern="100" dirty="0" err="1">
+                        <a:t>(</a:t>
+                      </a:r>
+                      <a:r>
+                        <a:rPr lang="en-US" altLang="ko-KR" sz="1200" b="1" kern="100" dirty="0" err="1" smtClean="0">
                           <a:solidFill>
                             <a:srgbClr val="FF0000"/>
                           </a:solidFill>
@@ -9051,10 +9801,10 @@
                           <a:ea typeface="+mn-ea"/>
                           <a:cs typeface="+mn-cs"/>
                         </a:rPr>
-                        <a:t>x$clickElement</a:t>
-                      </a:r>
-                      <a:r>
-                        <a:rPr lang="en-US" altLang="ko-KR" sz="1200" b="1" kern="100" dirty="0">
+                        <a:t>doms</a:t>
+                      </a:r>
+                      <a:r>
+                        <a:rPr lang="en-US" altLang="ko-KR" sz="1200" b="1" kern="100" dirty="0" smtClean="0">
                           <a:solidFill>
                             <a:srgbClr val="FF0000"/>
                           </a:solidFill>
@@ -9063,9 +9813,45 @@
                           <a:ea typeface="+mn-ea"/>
                           <a:cs typeface="+mn-cs"/>
                         </a:rPr>
+                        <a:t>, </a:t>
+                      </a:r>
+                      <a:r>
+                        <a:rPr lang="en-US" altLang="ko-KR" sz="1200" b="1" kern="100" dirty="0" smtClean="0">
+                          <a:solidFill>
+                            <a:srgbClr val="FF0000"/>
+                          </a:solidFill>
+                          <a:effectLst/>
+                          <a:latin typeface="+mj-ea"/>
+                          <a:ea typeface="+mn-ea"/>
+                          <a:cs typeface="+mn-cs"/>
+                        </a:rPr>
+                        <a:t>function(x){</a:t>
+                      </a:r>
+                      <a:r>
+                        <a:rPr lang="en-US" altLang="ko-KR" sz="1200" b="1" kern="100" dirty="0" err="1" smtClean="0">
+                          <a:solidFill>
+                            <a:srgbClr val="FF0000"/>
+                          </a:solidFill>
+                          <a:effectLst/>
+                          <a:latin typeface="+mj-ea"/>
+                          <a:ea typeface="+mn-ea"/>
+                          <a:cs typeface="+mn-cs"/>
+                        </a:rPr>
+                        <a:t>x$clickElement</a:t>
+                      </a:r>
+                      <a:r>
+                        <a:rPr lang="en-US" altLang="ko-KR" sz="1200" b="1" kern="100" dirty="0" smtClean="0">
+                          <a:solidFill>
+                            <a:srgbClr val="FF0000"/>
+                          </a:solidFill>
+                          <a:effectLst/>
+                          <a:latin typeface="+mj-ea"/>
+                          <a:ea typeface="+mn-ea"/>
+                          <a:cs typeface="+mn-cs"/>
+                        </a:rPr>
                         <a:t>()})</a:t>
                       </a:r>
-                      <a:endParaRPr lang="ko-KR" altLang="ko-KR" sz="1200" b="1" kern="100" dirty="0">
+                      <a:endParaRPr lang="ko-KR" altLang="ko-KR" sz="1200" b="1" kern="100" dirty="0" smtClean="0">
                         <a:solidFill>
                           <a:srgbClr val="FF0000"/>
                         </a:solidFill>
@@ -9099,7 +9885,7 @@
                         </a:spcAft>
                       </a:pPr>
                       <a:r>
-                        <a:rPr lang="ko-KR" altLang="ko-KR" sz="1200" kern="100" dirty="0">
+                        <a:rPr lang="ko-KR" altLang="ko-KR" sz="1200" kern="100" dirty="0" smtClean="0">
                           <a:solidFill>
                             <a:schemeClr val="tx1"/>
                           </a:solidFill>
@@ -9111,7 +9897,7 @@
                         <a:t>찾아진 태그</a:t>
                       </a:r>
                       <a:r>
-                        <a:rPr lang="ko-KR" altLang="en-US" sz="1200" kern="100" dirty="0">
+                        <a:rPr lang="ko-KR" altLang="en-US" sz="1200" kern="100" dirty="0" smtClean="0">
                           <a:solidFill>
                             <a:schemeClr val="tx1"/>
                           </a:solidFill>
@@ -9123,7 +9909,7 @@
                         <a:t>들</a:t>
                       </a:r>
                       <a:r>
-                        <a:rPr lang="ko-KR" altLang="ko-KR" sz="1200" kern="100" dirty="0">
+                        <a:rPr lang="ko-KR" altLang="ko-KR" sz="1200" kern="100" dirty="0" smtClean="0">
                           <a:solidFill>
                             <a:schemeClr val="tx1"/>
                           </a:solidFill>
@@ -9135,7 +9921,7 @@
                         <a:t>에 </a:t>
                       </a:r>
                       <a:r>
-                        <a:rPr lang="ko-KR" altLang="en-US" sz="1200" kern="100" dirty="0">
+                        <a:rPr lang="ko-KR" altLang="en-US" sz="1200" kern="100" dirty="0" smtClean="0">
                           <a:solidFill>
                             <a:schemeClr val="tx1"/>
                           </a:solidFill>
@@ -9147,7 +9933,7 @@
                         <a:t>각각 </a:t>
                       </a:r>
                       <a:r>
-                        <a:rPr lang="ko-KR" altLang="ko-KR" sz="1200" kern="100" dirty="0">
+                        <a:rPr lang="ko-KR" altLang="ko-KR" sz="1200" kern="100" dirty="0" smtClean="0">
                           <a:solidFill>
                             <a:schemeClr val="tx1"/>
                           </a:solidFill>
@@ -9180,7 +9966,7 @@
                 </a:tc>
                 <a:extLst>
                   <a:ext uri="{0D108BD9-81ED-4DB2-BD59-A6C34878D82A}">
-                    <a16:rowId xmlns:a16="http://schemas.microsoft.com/office/drawing/2014/main" val="10005"/>
+                    <a16:rowId xmlns="" xmlns:a16="http://schemas.microsoft.com/office/drawing/2014/main" val="10005"/>
                   </a:ext>
                 </a:extLst>
               </a:tr>
@@ -9199,7 +9985,7 @@
                         </a:spcAft>
                       </a:pPr>
                       <a:r>
-                        <a:rPr lang="en-US" altLang="ko-KR" sz="1200" b="1" kern="100" dirty="0" err="1">
+                        <a:rPr lang="en-US" altLang="ko-KR" sz="1200" b="1" kern="100" dirty="0" err="1" smtClean="0">
                           <a:solidFill>
                             <a:srgbClr val="FF0000"/>
                           </a:solidFill>
@@ -9211,7 +9997,7 @@
                         <a:t>remDr$executeScript</a:t>
                       </a:r>
                       <a:r>
-                        <a:rPr lang="en-US" altLang="ko-KR" sz="1200" b="1" kern="100" dirty="0">
+                        <a:rPr lang="en-US" altLang="ko-KR" sz="1200" b="1" kern="100" dirty="0" smtClean="0">
                           <a:solidFill>
                             <a:srgbClr val="FF0000"/>
                           </a:solidFill>
@@ -9223,7 +10009,7 @@
                         <a:t>("arguments[0].click();",</a:t>
                       </a:r>
                       <a:r>
-                        <a:rPr lang="en-US" altLang="ko-KR" sz="1200" b="1" kern="100" dirty="0" err="1">
+                        <a:rPr lang="en-US" altLang="ko-KR" sz="1200" b="1" kern="100" dirty="0" err="1" smtClean="0">
                           <a:solidFill>
                             <a:srgbClr val="FF0000"/>
                           </a:solidFill>
@@ -9235,7 +10021,7 @@
                         <a:t>nextPageLink</a:t>
                       </a:r>
                       <a:r>
-                        <a:rPr lang="en-US" altLang="ko-KR" sz="1200" b="1" kern="100" dirty="0">
+                        <a:rPr lang="en-US" altLang="ko-KR" sz="1200" b="1" kern="100" dirty="0" smtClean="0">
                           <a:solidFill>
                             <a:srgbClr val="FF0000"/>
                           </a:solidFill>
@@ -9280,7 +10066,7 @@
                         </a:spcAft>
                       </a:pPr>
                       <a:r>
-                        <a:rPr lang="ko-KR" altLang="en-US" sz="1200" kern="100" dirty="0">
+                        <a:rPr lang="ko-KR" altLang="en-US" sz="1200" kern="100" dirty="0" smtClean="0">
                           <a:effectLst/>
                           <a:latin typeface="+mj-ea"/>
                           <a:ea typeface="+mj-ea"/>
@@ -9289,7 +10075,7 @@
                         <a:t>가끔 </a:t>
                       </a:r>
                       <a:r>
-                        <a:rPr lang="en-US" altLang="ko-KR" sz="1200" kern="100" dirty="0" err="1">
+                        <a:rPr lang="en-US" altLang="ko-KR" sz="1200" kern="100" dirty="0" err="1" smtClean="0">
                           <a:effectLst/>
                           <a:latin typeface="+mj-ea"/>
                           <a:ea typeface="+mj-ea"/>
@@ -9298,7 +10084,7 @@
                         <a:t>clickElement</a:t>
                       </a:r>
                       <a:r>
-                        <a:rPr lang="en-US" altLang="ko-KR" sz="1200" kern="100" dirty="0">
+                        <a:rPr lang="en-US" altLang="ko-KR" sz="1200" kern="100" dirty="0" smtClean="0">
                           <a:effectLst/>
                           <a:latin typeface="+mj-ea"/>
                           <a:ea typeface="+mj-ea"/>
@@ -9307,7 +10093,7 @@
                         <a:t>()</a:t>
                       </a:r>
                       <a:r>
-                        <a:rPr lang="en-US" altLang="ko-KR" sz="1200" kern="100" baseline="0" dirty="0">
+                        <a:rPr lang="en-US" altLang="ko-KR" sz="1200" kern="100" baseline="0" dirty="0" smtClean="0">
                           <a:effectLst/>
                           <a:latin typeface="+mj-ea"/>
                           <a:ea typeface="+mj-ea"/>
@@ -9316,7 +10102,7 @@
                         <a:t> </a:t>
                       </a:r>
                       <a:r>
-                        <a:rPr lang="ko-KR" altLang="en-US" sz="1200" kern="100" baseline="0" dirty="0">
+                        <a:rPr lang="ko-KR" altLang="en-US" sz="1200" kern="100" baseline="0" dirty="0" smtClean="0">
                           <a:effectLst/>
                           <a:latin typeface="+mj-ea"/>
                           <a:ea typeface="+mj-ea"/>
@@ -9325,7 +10111,7 @@
                         <a:t>가 일을 안 할 때가 있음</a:t>
                       </a:r>
                       <a:r>
-                        <a:rPr lang="en-US" altLang="ko-KR" sz="1200" kern="100" baseline="0" dirty="0">
+                        <a:rPr lang="en-US" altLang="ko-KR" sz="1200" kern="100" baseline="0" dirty="0" smtClean="0">
                           <a:effectLst/>
                           <a:latin typeface="+mj-ea"/>
                           <a:ea typeface="+mj-ea"/>
@@ -9334,7 +10120,7 @@
                         <a:t>…</a:t>
                       </a:r>
                       <a:r>
-                        <a:rPr lang="ko-KR" altLang="en-US" sz="1200" kern="100" baseline="0" dirty="0" err="1">
+                        <a:rPr lang="ko-KR" altLang="en-US" sz="1200" kern="100" baseline="0" dirty="0" err="1" smtClean="0">
                           <a:effectLst/>
                           <a:latin typeface="+mj-ea"/>
                           <a:ea typeface="+mj-ea"/>
@@ -9343,7 +10129,7 @@
                         <a:t>ㅜ</a:t>
                       </a:r>
                       <a:r>
-                        <a:rPr lang="ko-KR" altLang="en-US" sz="1200" kern="100" baseline="0" dirty="0">
+                        <a:rPr lang="ko-KR" altLang="en-US" sz="1200" kern="100" baseline="0" dirty="0" smtClean="0">
                           <a:effectLst/>
                           <a:latin typeface="+mj-ea"/>
                           <a:ea typeface="+mj-ea"/>
@@ -9370,7 +10156,7 @@
                 </a:tc>
                 <a:extLst>
                   <a:ext uri="{0D108BD9-81ED-4DB2-BD59-A6C34878D82A}">
-                    <a16:rowId xmlns:a16="http://schemas.microsoft.com/office/drawing/2014/main" val="10006"/>
+                    <a16:rowId xmlns="" xmlns:a16="http://schemas.microsoft.com/office/drawing/2014/main" val="10006"/>
                   </a:ext>
                 </a:extLst>
               </a:tr>
@@ -9421,7 +10207,7 @@
                         <a:t>("</a:t>
                       </a:r>
                       <a:r>
-                        <a:rPr lang="en-US" sz="1200" b="1" kern="100" dirty="0" err="1">
+                        <a:rPr lang="en-US" sz="1200" b="1" kern="100" dirty="0" err="1" smtClean="0">
                           <a:effectLst/>
                           <a:latin typeface="+mj-ea"/>
                           <a:ea typeface="+mj-ea"/>
@@ -9429,12 +10215,20 @@
                         <a:t>css</a:t>
                       </a:r>
                       <a:r>
+                        <a:rPr lang="en-US" sz="1200" b="1" kern="100" dirty="0" smtClean="0">
+                          <a:effectLst/>
+                          <a:latin typeface="+mj-ea"/>
+                          <a:ea typeface="+mj-ea"/>
+                        </a:rPr>
+                        <a:t> selector", </a:t>
+                      </a:r>
+                      <a:r>
                         <a:rPr lang="en-US" sz="1200" b="1" kern="100" dirty="0">
                           <a:effectLst/>
                           <a:latin typeface="+mj-ea"/>
                           <a:ea typeface="+mj-ea"/>
                         </a:rPr>
-                        <a:t>", "body")</a:t>
+                        <a:t>"body")</a:t>
                       </a:r>
                       <a:endParaRPr lang="ko-KR" sz="1200" b="1" kern="100" dirty="0">
                         <a:effectLst/>
@@ -9538,6 +10332,11 @@
                         </a:rPr>
                         <a:t> = </a:t>
                       </a:r>
+                      <a:endParaRPr lang="en-US" sz="1200" b="1" kern="100" dirty="0" smtClean="0">
+                        <a:effectLst/>
+                        <a:latin typeface="+mj-ea"/>
+                        <a:ea typeface="+mj-ea"/>
+                      </a:endParaRPr>
                     </a:p>
                     <a:p>
                       <a:pPr algn="l" latinLnBrk="0">
@@ -9549,7 +10348,7 @@
                         </a:spcAft>
                       </a:pPr>
                       <a:r>
-                        <a:rPr lang="en-US" sz="1200" b="1" kern="100" dirty="0">
+                        <a:rPr lang="en-US" sz="1200" b="1" kern="100" dirty="0" smtClean="0">
                           <a:effectLst/>
                           <a:latin typeface="+mj-ea"/>
                           <a:ea typeface="+mj-ea"/>
@@ -9557,7 +10356,7 @@
                         <a:t>                                                                                                list(</a:t>
                       </a:r>
                       <a:r>
-                        <a:rPr lang="en-US" sz="1200" b="1" kern="100" dirty="0" err="1">
+                        <a:rPr lang="en-US" sz="1200" b="1" kern="100" dirty="0" err="1" smtClean="0">
                           <a:effectLst/>
                           <a:latin typeface="+mj-ea"/>
                           <a:ea typeface="+mj-ea"/>
@@ -9676,7 +10475,7 @@
                 </a:tc>
                 <a:extLst>
                   <a:ext uri="{0D108BD9-81ED-4DB2-BD59-A6C34878D82A}">
-                    <a16:rowId xmlns:a16="http://schemas.microsoft.com/office/drawing/2014/main" val="10007"/>
+                    <a16:rowId xmlns="" xmlns:a16="http://schemas.microsoft.com/office/drawing/2014/main" val="10007"/>
                   </a:ext>
                 </a:extLst>
               </a:tr>
@@ -9760,7 +10559,7 @@
               <a:tabLst/>
             </a:pPr>
             <a:r>
-              <a:rPr kumimoji="1" lang="en-US" altLang="ko-KR" sz="1200" b="0" i="0" u="none" strike="noStrike" cap="none" normalizeH="0" baseline="0" dirty="0">
+              <a:rPr kumimoji="1" lang="en-US" altLang="ko-KR" sz="1200" b="0" i="0" u="none" strike="noStrike" cap="none" normalizeH="0" baseline="0" dirty="0" smtClean="0">
                 <a:ln>
                   <a:noFill/>
                 </a:ln>
@@ -9775,7 +10574,7 @@
               <a:t>[ API </a:t>
             </a:r>
             <a:r>
-              <a:rPr kumimoji="1" lang="ko-KR" altLang="en-US" sz="1200" b="0" i="0" u="none" strike="noStrike" cap="none" normalizeH="0" baseline="0" dirty="0">
+              <a:rPr kumimoji="1" lang="ko-KR" altLang="en-US" sz="1200" b="0" i="0" u="none" strike="noStrike" cap="none" normalizeH="0" baseline="0" dirty="0" smtClean="0">
                 <a:ln>
                   <a:noFill/>
                 </a:ln>
@@ -9790,7 +10589,7 @@
               <a:t>소개 </a:t>
             </a:r>
             <a:r>
-              <a:rPr kumimoji="1" lang="en-US" altLang="ko-KR" sz="1200" b="0" i="0" u="none" strike="noStrike" cap="none" normalizeH="0" baseline="0" dirty="0">
+              <a:rPr kumimoji="1" lang="en-US" altLang="ko-KR" sz="1200" b="0" i="0" u="none" strike="noStrike" cap="none" normalizeH="0" baseline="0" dirty="0" smtClean="0">
                 <a:ln>
                   <a:noFill/>
                 </a:ln>
@@ -9804,7 +10603,7 @@
               </a:rPr>
               <a:t>]</a:t>
             </a:r>
-            <a:endParaRPr kumimoji="1" lang="en-US" altLang="ko-KR" sz="1200" b="0" i="0" u="none" strike="noStrike" cap="none" normalizeH="0" baseline="0" dirty="0">
+            <a:endParaRPr kumimoji="1" lang="en-US" altLang="ko-KR" sz="1200" b="0" i="0" u="none" strike="noStrike" cap="none" normalizeH="0" baseline="0" dirty="0" smtClean="0">
               <a:ln>
                 <a:noFill/>
               </a:ln>
@@ -9834,7 +10633,7 @@
               <a:buNone/>
               <a:tabLst/>
             </a:pPr>
-            <a:endParaRPr kumimoji="1" lang="en-US" altLang="ko-KR" sz="1800" b="0" i="0" u="none" strike="noStrike" cap="none" normalizeH="0" baseline="0" dirty="0">
+            <a:endParaRPr kumimoji="1" lang="en-US" altLang="ko-KR" sz="1800" b="0" i="0" u="none" strike="noStrike" cap="none" normalizeH="0" baseline="0" dirty="0" smtClean="0">
               <a:ln>
                 <a:noFill/>
               </a:ln>
@@ -9845,6 +10644,129 @@
               <a:latin typeface="굴림" pitchFamily="50" charset="-127"/>
               <a:ea typeface="굴림" pitchFamily="50" charset="-127"/>
               <a:cs typeface="굴림" pitchFamily="50" charset="-127"/>
+            </a:endParaRPr>
+          </a:p>
+        </p:txBody>
+      </p:sp>
+      <p:sp>
+        <p:nvSpPr>
+          <p:cNvPr id="10" name="설명선 2 9"/>
+          <p:cNvSpPr/>
+          <p:nvPr/>
+        </p:nvSpPr>
+        <p:spPr>
+          <a:xfrm>
+            <a:off x="4058043" y="5658402"/>
+            <a:ext cx="3471841" cy="414067"/>
+          </a:xfrm>
+          <a:prstGeom prst="borderCallout2">
+            <a:avLst>
+              <a:gd name="adj1" fmla="val 18750"/>
+              <a:gd name="adj2" fmla="val -8333"/>
+              <a:gd name="adj3" fmla="val 41667"/>
+              <a:gd name="adj4" fmla="val -41419"/>
+              <a:gd name="adj5" fmla="val -823194"/>
+              <a:gd name="adj6" fmla="val -60651"/>
+            </a:avLst>
+          </a:prstGeom>
+          <a:solidFill>
+            <a:srgbClr val="FFFF00"/>
+          </a:solidFill>
+        </p:spPr>
+        <p:style>
+          <a:lnRef idx="2">
+            <a:schemeClr val="accent1">
+              <a:shade val="50000"/>
+            </a:schemeClr>
+          </a:lnRef>
+          <a:fillRef idx="1">
+            <a:schemeClr val="accent1"/>
+          </a:fillRef>
+          <a:effectRef idx="0">
+            <a:schemeClr val="accent1"/>
+          </a:effectRef>
+          <a:fontRef idx="minor">
+            <a:schemeClr val="lt1"/>
+          </a:fontRef>
+        </p:style>
+        <p:txBody>
+          <a:bodyPr rtlCol="0" anchor="ctr"/>
+          <a:lstStyle/>
+          <a:p>
+            <a:pPr algn="ctr"/>
+            <a:r>
+              <a:rPr lang="ko-KR" altLang="en-US" sz="1200" dirty="0" smtClean="0">
+                <a:solidFill>
+                  <a:srgbClr val="FF0000"/>
+                </a:solidFill>
+                <a:latin typeface="THE개이득" pitchFamily="18" charset="-127"/>
+                <a:ea typeface="THE개이득" pitchFamily="18" charset="-127"/>
+                <a:cs typeface="THE개이득" pitchFamily="18" charset="-127"/>
+              </a:rPr>
+              <a:t>태그를</a:t>
+            </a:r>
+            <a:r>
+              <a:rPr lang="en-US" altLang="ko-KR" sz="1200" dirty="0" smtClean="0">
+                <a:solidFill>
+                  <a:srgbClr val="FF0000"/>
+                </a:solidFill>
+                <a:latin typeface="THE개이득" pitchFamily="18" charset="-127"/>
+                <a:ea typeface="THE개이득" pitchFamily="18" charset="-127"/>
+                <a:cs typeface="THE개이득" pitchFamily="18" charset="-127"/>
+              </a:rPr>
+              <a:t> 0</a:t>
+            </a:r>
+            <a:r>
+              <a:rPr lang="ko-KR" altLang="en-US" sz="1200" dirty="0" smtClean="0">
+                <a:solidFill>
+                  <a:srgbClr val="FF0000"/>
+                </a:solidFill>
+                <a:latin typeface="THE개이득" pitchFamily="18" charset="-127"/>
+                <a:ea typeface="THE개이득" pitchFamily="18" charset="-127"/>
+                <a:cs typeface="THE개이득" pitchFamily="18" charset="-127"/>
+              </a:rPr>
+              <a:t>개 이상 찾는 함수로서 </a:t>
+            </a:r>
+            <a:r>
+              <a:rPr lang="en-US" altLang="ko-KR" sz="1200" dirty="0" err="1" smtClean="0">
+                <a:solidFill>
+                  <a:srgbClr val="FF0000"/>
+                </a:solidFill>
+                <a:latin typeface="THE개이득" pitchFamily="18" charset="-127"/>
+                <a:ea typeface="THE개이득" pitchFamily="18" charset="-127"/>
+                <a:cs typeface="THE개이득" pitchFamily="18" charset="-127"/>
+              </a:rPr>
+              <a:t>webElement</a:t>
+            </a:r>
+            <a:r>
+              <a:rPr lang="en-US" altLang="ko-KR" sz="1200" dirty="0" smtClean="0">
+                <a:solidFill>
+                  <a:srgbClr val="FF0000"/>
+                </a:solidFill>
+                <a:latin typeface="THE개이득" pitchFamily="18" charset="-127"/>
+                <a:ea typeface="THE개이득" pitchFamily="18" charset="-127"/>
+                <a:cs typeface="THE개이득" pitchFamily="18" charset="-127"/>
+              </a:rPr>
+              <a:t> </a:t>
+            </a:r>
+            <a:r>
+              <a:rPr lang="ko-KR" altLang="en-US" sz="1200" dirty="0" smtClean="0">
+                <a:solidFill>
+                  <a:srgbClr val="FF0000"/>
+                </a:solidFill>
+                <a:latin typeface="THE개이득" pitchFamily="18" charset="-127"/>
+                <a:ea typeface="THE개이득" pitchFamily="18" charset="-127"/>
+                <a:cs typeface="THE개이득" pitchFamily="18" charset="-127"/>
+              </a:rPr>
+              <a:t>객체들의 리스트 리턴</a:t>
+            </a:r>
+            <a:endParaRPr lang="ko-KR" altLang="en-US" sz="1200" dirty="0">
+              <a:solidFill>
+                <a:srgbClr val="FF0000"/>
+              </a:solidFill>
+              <a:latin typeface="THE개이득" pitchFamily="18" charset="-127"/>
+              <a:ea typeface="THE개이득" pitchFamily="18" charset="-127"/>
+              <a:cs typeface="THE개이득" pitchFamily="18" charset="-127"/>
             </a:endParaRPr>
           </a:p>
         </p:txBody>
@@ -9859,6 +10781,13 @@
   <p:clrMapOvr>
     <a:masterClrMapping/>
   </p:clrMapOvr>
+  <p:timing>
+    <p:tnLst>
+      <p:par>
+        <p:cTn id="1" dur="indefinite" restart="never" nodeType="tmRoot"/>
+      </p:par>
+    </p:tnLst>
+  </p:timing>
 </p:sld>
 </file>
 
@@ -9930,7 +10859,7 @@
           <a:lstStyle/>
           <a:p>
             <a:r>
-              <a:rPr lang="en-US" altLang="ko-KR" sz="1400" b="1" dirty="0">
+              <a:rPr lang="en-US" altLang="ko-KR" sz="1400" b="1" dirty="0" smtClean="0">
                 <a:solidFill>
                   <a:schemeClr val="tx1">
                     <a:lumMod val="50000"/>
@@ -9943,7 +10872,7 @@
               <a:t> </a:t>
             </a:r>
             <a:r>
-              <a:rPr lang="en-US" altLang="ko-KR" sz="2000" b="1" dirty="0">
+              <a:rPr lang="en-US" altLang="ko-KR" sz="2000" b="1" dirty="0" smtClean="0">
                 <a:solidFill>
                   <a:schemeClr val="bg1"/>
                 </a:solidFill>
@@ -9953,7 +10882,7 @@
               <a:t> </a:t>
             </a:r>
             <a:r>
-              <a:rPr lang="ko-KR" altLang="en-US" sz="2000" b="1" dirty="0">
+              <a:rPr lang="ko-KR" altLang="en-US" sz="2000" b="1" dirty="0" smtClean="0">
                 <a:solidFill>
                   <a:schemeClr val="bg1"/>
                 </a:solidFill>
@@ -9962,6 +10891,13 @@
               </a:rPr>
               <a:t>데이터 수집</a:t>
             </a:r>
+            <a:endParaRPr lang="ko-KR" altLang="en-US" sz="2000" b="1" dirty="0">
+              <a:solidFill>
+                <a:schemeClr val="bg1"/>
+              </a:solidFill>
+              <a:latin typeface="나눔고딕 ExtraBold" pitchFamily="50" charset="-127"/>
+              <a:ea typeface="나눔고딕 ExtraBold" pitchFamily="50" charset="-127"/>
+            </a:endParaRPr>
           </a:p>
         </p:txBody>
       </p:sp>
@@ -10059,11 +10995,11 @@
           <a:lstStyle/>
           <a:p>
             <a:r>
-              <a:rPr lang="en-US" altLang="ko-KR" b="1" dirty="0"/>
+              <a:rPr lang="en-US" altLang="ko-KR" b="1" dirty="0" smtClean="0"/>
               <a:t> </a:t>
             </a:r>
             <a:r>
-              <a:rPr lang="ko-KR" altLang="en-US" b="1" dirty="0"/>
+              <a:rPr lang="ko-KR" altLang="en-US" b="1" dirty="0" smtClean="0"/>
               <a:t>동적 </a:t>
             </a:r>
             <a:r>
@@ -10116,16 +11052,22 @@
               </a:lnSpc>
             </a:pPr>
             <a:r>
-              <a:rPr lang="en-US" altLang="ko-KR" sz="1200" b="1" dirty="0" err="1">
+              <a:rPr lang="en-US" altLang="ko-KR" sz="1200" b="1" dirty="0" err="1" smtClean="0">
                 <a:latin typeface="+mn-ea"/>
               </a:rPr>
               <a:t>remDr</a:t>
             </a:r>
             <a:r>
+              <a:rPr lang="en-US" altLang="ko-KR" sz="1200" b="1" dirty="0" smtClean="0">
+                <a:latin typeface="+mn-ea"/>
+              </a:rPr>
+              <a:t> </a:t>
+            </a:r>
+            <a:r>
               <a:rPr lang="en-US" altLang="ko-KR" sz="1200" b="1" dirty="0">
                 <a:latin typeface="+mn-ea"/>
               </a:rPr>
-              <a:t> &lt;- </a:t>
+              <a:t>&lt;- </a:t>
             </a:r>
             <a:r>
               <a:rPr lang="en-US" altLang="ko-KR" sz="1200" b="1" dirty="0" err="1">
@@ -10265,16 +11207,22 @@
               <a:t>(using = "</a:t>
             </a:r>
             <a:r>
-              <a:rPr lang="en-US" altLang="ko-KR" sz="1200" dirty="0" err="1">
+              <a:rPr lang="en-US" altLang="ko-KR" sz="1200" dirty="0" err="1" smtClean="0">
                 <a:latin typeface="+mn-ea"/>
               </a:rPr>
               <a:t>css</a:t>
             </a:r>
             <a:r>
+              <a:rPr lang="en-US" altLang="ko-KR" sz="1200" dirty="0" smtClean="0">
+                <a:latin typeface="+mn-ea"/>
+              </a:rPr>
+              <a:t> selector", </a:t>
+            </a:r>
+            <a:r>
               <a:rPr lang="en-US" altLang="ko-KR" sz="1200" dirty="0">
                 <a:latin typeface="+mn-ea"/>
               </a:rPr>
-              <a:t> selector", "[name = 'q']")</a:t>
+              <a:t>"[name = 'q']")</a:t>
             </a:r>
           </a:p>
           <a:p>
@@ -10407,16 +11355,22 @@
               <a:t>(using = "</a:t>
             </a:r>
             <a:r>
-              <a:rPr lang="en-US" altLang="ko-KR" sz="1200" dirty="0" err="1">
+              <a:rPr lang="en-US" altLang="ko-KR" sz="1200" dirty="0" err="1" smtClean="0">
                 <a:latin typeface="+mn-ea"/>
               </a:rPr>
               <a:t>css</a:t>
             </a:r>
             <a:r>
+              <a:rPr lang="en-US" altLang="ko-KR" sz="1200" dirty="0" smtClean="0">
+                <a:latin typeface="+mn-ea"/>
+              </a:rPr>
+              <a:t> selector", </a:t>
+            </a:r>
+            <a:r>
               <a:rPr lang="en-US" altLang="ko-KR" sz="1200" dirty="0">
                 <a:latin typeface="+mn-ea"/>
               </a:rPr>
-              <a:t>", "#query")</a:t>
+              <a:t>"#query")</a:t>
             </a:r>
           </a:p>
           <a:p>
@@ -10468,6 +11422,9 @@
               </a:rPr>
               <a:t>)</a:t>
             </a:r>
+            <a:endParaRPr lang="en-US" altLang="ko-KR" sz="1200" dirty="0">
+              <a:latin typeface="+mn-ea"/>
+            </a:endParaRPr>
           </a:p>
         </p:txBody>
       </p:sp>
@@ -10518,7 +11475,7 @@
           <a:p>
             <a:pPr algn="ctr"/>
             <a:r>
-              <a:rPr lang="en-US" altLang="ko-KR" sz="1200" dirty="0">
+              <a:rPr lang="en-US" altLang="ko-KR" sz="1200" dirty="0" smtClean="0">
                 <a:solidFill>
                   <a:srgbClr val="FF0000"/>
                 </a:solidFill>
@@ -10529,7 +11486,7 @@
               <a:t>Selenium </a:t>
             </a:r>
             <a:r>
-              <a:rPr lang="ko-KR" altLang="en-US" sz="1200" dirty="0">
+              <a:rPr lang="ko-KR" altLang="en-US" sz="1200" dirty="0" smtClean="0">
                 <a:solidFill>
                   <a:srgbClr val="FF0000"/>
                 </a:solidFill>
@@ -10539,6 +11496,14 @@
               </a:rPr>
               <a:t>서버에 접속</a:t>
             </a:r>
+            <a:endParaRPr lang="ko-KR" altLang="en-US" sz="1200" dirty="0">
+              <a:solidFill>
+                <a:srgbClr val="FF0000"/>
+              </a:solidFill>
+              <a:latin typeface="THE개이득" pitchFamily="18" charset="-127"/>
+              <a:ea typeface="THE개이득" pitchFamily="18" charset="-127"/>
+              <a:cs typeface="THE개이득" pitchFamily="18" charset="-127"/>
+            </a:endParaRPr>
           </a:p>
         </p:txBody>
       </p:sp>
@@ -10589,7 +11554,7 @@
           <a:p>
             <a:pPr algn="ctr"/>
             <a:r>
-              <a:rPr lang="en-US" altLang="ko-KR" sz="1200" dirty="0">
+              <a:rPr lang="en-US" altLang="ko-KR" sz="1200" dirty="0" smtClean="0">
                 <a:solidFill>
                   <a:srgbClr val="FF0000"/>
                 </a:solidFill>
@@ -10600,7 +11565,7 @@
               <a:t>Selenium </a:t>
             </a:r>
             <a:r>
-              <a:rPr lang="ko-KR" altLang="en-US" sz="1200" dirty="0">
+              <a:rPr lang="ko-KR" altLang="en-US" sz="1200" dirty="0" smtClean="0">
                 <a:solidFill>
                   <a:srgbClr val="FF0000"/>
                 </a:solidFill>
@@ -10610,6 +11575,14 @@
               </a:rPr>
               <a:t>서버에 의해 제어되는 브라우저 기동</a:t>
             </a:r>
+            <a:endParaRPr lang="ko-KR" altLang="en-US" sz="1200" dirty="0">
+              <a:solidFill>
+                <a:srgbClr val="FF0000"/>
+              </a:solidFill>
+              <a:latin typeface="THE개이득" pitchFamily="18" charset="-127"/>
+              <a:ea typeface="THE개이득" pitchFamily="18" charset="-127"/>
+              <a:cs typeface="THE개이득" pitchFamily="18" charset="-127"/>
+            </a:endParaRPr>
           </a:p>
         </p:txBody>
       </p:sp>
@@ -10660,7 +11633,7 @@
           <a:p>
             <a:pPr algn="ctr"/>
             <a:r>
-              <a:rPr lang="ko-KR" altLang="en-US" sz="1200" dirty="0">
+              <a:rPr lang="ko-KR" altLang="en-US" sz="1200" dirty="0" smtClean="0">
                 <a:solidFill>
                   <a:srgbClr val="FF0000"/>
                 </a:solidFill>
@@ -10671,7 +11644,7 @@
               <a:t>지정된 </a:t>
             </a:r>
             <a:r>
-              <a:rPr lang="en-US" altLang="ko-KR" sz="1200" dirty="0">
+              <a:rPr lang="en-US" altLang="ko-KR" sz="1200" dirty="0" smtClean="0">
                 <a:solidFill>
                   <a:srgbClr val="FF0000"/>
                 </a:solidFill>
@@ -10682,7 +11655,7 @@
               <a:t>URL </a:t>
             </a:r>
             <a:r>
-              <a:rPr lang="ko-KR" altLang="en-US" sz="1200" dirty="0">
+              <a:rPr lang="ko-KR" altLang="en-US" sz="1200" dirty="0" smtClean="0">
                 <a:solidFill>
                   <a:srgbClr val="FF0000"/>
                 </a:solidFill>
@@ -10693,7 +11666,7 @@
               <a:t>페이지 를 요청하고 </a:t>
             </a:r>
             <a:r>
-              <a:rPr lang="ko-KR" altLang="en-US" sz="1200" dirty="0" err="1">
+              <a:rPr lang="ko-KR" altLang="en-US" sz="1200" dirty="0" err="1" smtClean="0">
                 <a:solidFill>
                   <a:srgbClr val="FF0000"/>
                 </a:solidFill>
@@ -10704,7 +11677,7 @@
               <a:t>랜더링</a:t>
             </a:r>
             <a:r>
-              <a:rPr lang="en-US" altLang="ko-KR" sz="1200" dirty="0">
+              <a:rPr lang="en-US" altLang="ko-KR" sz="1200" dirty="0" smtClean="0">
                 <a:solidFill>
                   <a:srgbClr val="FF0000"/>
                 </a:solidFill>
@@ -10715,7 +11688,7 @@
               <a:t>(</a:t>
             </a:r>
             <a:r>
-              <a:rPr lang="ko-KR" altLang="en-US" sz="1200" dirty="0">
+              <a:rPr lang="ko-KR" altLang="en-US" sz="1200" dirty="0" smtClean="0">
                 <a:solidFill>
                   <a:srgbClr val="FF0000"/>
                 </a:solidFill>
@@ -10726,7 +11699,7 @@
               <a:t>자바스크립트코드 수행</a:t>
             </a:r>
             <a:r>
-              <a:rPr lang="en-US" altLang="ko-KR" sz="1200" dirty="0">
+              <a:rPr lang="en-US" altLang="ko-KR" sz="1200" dirty="0" smtClean="0">
                 <a:solidFill>
                   <a:srgbClr val="FF0000"/>
                 </a:solidFill>
@@ -10794,7 +11767,7 @@
           <a:p>
             <a:pPr algn="ctr"/>
             <a:r>
-              <a:rPr lang="ko-KR" altLang="en-US" sz="1200" dirty="0">
+              <a:rPr lang="ko-KR" altLang="en-US" sz="1200" dirty="0" smtClean="0">
                 <a:solidFill>
                   <a:srgbClr val="FF0000"/>
                 </a:solidFill>
@@ -10805,7 +11778,7 @@
               <a:t>태그에 대한 </a:t>
             </a:r>
             <a:r>
-              <a:rPr lang="en-US" altLang="ko-KR" sz="1200" dirty="0">
+              <a:rPr lang="en-US" altLang="ko-KR" sz="1200" dirty="0" smtClean="0">
                 <a:solidFill>
                   <a:srgbClr val="FF0000"/>
                 </a:solidFill>
@@ -10816,7 +11789,7 @@
               <a:t>DOM </a:t>
             </a:r>
             <a:r>
-              <a:rPr lang="ko-KR" altLang="en-US" sz="1200" dirty="0">
+              <a:rPr lang="ko-KR" altLang="en-US" sz="1200" dirty="0" smtClean="0">
                 <a:solidFill>
                   <a:srgbClr val="FF0000"/>
                 </a:solidFill>
@@ -10826,6 +11799,14 @@
               </a:rPr>
               <a:t>객체 찾기</a:t>
             </a:r>
+            <a:endParaRPr lang="ko-KR" altLang="en-US" sz="1200" dirty="0">
+              <a:solidFill>
+                <a:srgbClr val="FF0000"/>
+              </a:solidFill>
+              <a:latin typeface="THE개이득" pitchFamily="18" charset="-127"/>
+              <a:ea typeface="THE개이득" pitchFamily="18" charset="-127"/>
+              <a:cs typeface="THE개이득" pitchFamily="18" charset="-127"/>
+            </a:endParaRPr>
           </a:p>
         </p:txBody>
       </p:sp>
@@ -10876,7 +11857,7 @@
           <a:p>
             <a:pPr algn="ctr"/>
             <a:r>
-              <a:rPr lang="en-US" altLang="ko-KR" sz="1200" dirty="0">
+              <a:rPr lang="en-US" altLang="ko-KR" sz="1200" dirty="0" smtClean="0">
                 <a:solidFill>
                   <a:srgbClr val="FF0000"/>
                 </a:solidFill>
@@ -10887,7 +11868,7 @@
               <a:t>&lt;input&gt; </a:t>
             </a:r>
             <a:r>
-              <a:rPr lang="ko-KR" altLang="en-US" sz="1200" dirty="0">
+              <a:rPr lang="ko-KR" altLang="en-US" sz="1200" dirty="0" smtClean="0">
                 <a:solidFill>
                   <a:srgbClr val="FF0000"/>
                 </a:solidFill>
@@ -10898,7 +11879,7 @@
               <a:t>태그에 텍스트 입력하고 </a:t>
             </a:r>
             <a:r>
-              <a:rPr lang="ko-KR" altLang="en-US" sz="1200" dirty="0" err="1">
+              <a:rPr lang="ko-KR" altLang="en-US" sz="1200" dirty="0" err="1" smtClean="0">
                 <a:solidFill>
                   <a:srgbClr val="FF0000"/>
                 </a:solidFill>
@@ -10909,7 +11890,7 @@
               <a:t>엔터키</a:t>
             </a:r>
             <a:r>
-              <a:rPr lang="ko-KR" altLang="en-US" sz="1200" dirty="0">
+              <a:rPr lang="ko-KR" altLang="en-US" sz="1200" dirty="0" smtClean="0">
                 <a:solidFill>
                   <a:srgbClr val="FF0000"/>
                 </a:solidFill>
@@ -10919,6 +11900,14 @@
               </a:rPr>
               <a:t> 입력을 자동화 하기</a:t>
             </a:r>
+            <a:endParaRPr lang="ko-KR" altLang="en-US" sz="1200" dirty="0">
+              <a:solidFill>
+                <a:srgbClr val="FF0000"/>
+              </a:solidFill>
+              <a:latin typeface="THE개이득" pitchFamily="18" charset="-127"/>
+              <a:ea typeface="THE개이득" pitchFamily="18" charset="-127"/>
+              <a:cs typeface="THE개이득" pitchFamily="18" charset="-127"/>
+            </a:endParaRPr>
           </a:p>
         </p:txBody>
       </p:sp>
@@ -10932,6 +11921,13 @@
   <p:clrMapOvr>
     <a:masterClrMapping/>
   </p:clrMapOvr>
+  <p:timing>
+    <p:tnLst>
+      <p:par>
+        <p:cTn id="1" dur="indefinite" restart="never" nodeType="tmRoot"/>
+      </p:par>
+    </p:tnLst>
+  </p:timing>
 </p:sld>
 </file>
 
@@ -11003,7 +11999,7 @@
           <a:lstStyle/>
           <a:p>
             <a:r>
-              <a:rPr lang="en-US" altLang="ko-KR" sz="1400" b="1" dirty="0">
+              <a:rPr lang="en-US" altLang="ko-KR" sz="1400" b="1" dirty="0" smtClean="0">
                 <a:solidFill>
                   <a:schemeClr val="tx1">
                     <a:lumMod val="50000"/>
@@ -11016,7 +12012,7 @@
               <a:t> </a:t>
             </a:r>
             <a:r>
-              <a:rPr lang="en-US" altLang="ko-KR" sz="2000" b="1" dirty="0">
+              <a:rPr lang="en-US" altLang="ko-KR" sz="2000" b="1" dirty="0" smtClean="0">
                 <a:solidFill>
                   <a:schemeClr val="bg1"/>
                 </a:solidFill>
@@ -11026,7 +12022,7 @@
               <a:t> </a:t>
             </a:r>
             <a:r>
-              <a:rPr lang="ko-KR" altLang="en-US" sz="2000" b="1" dirty="0">
+              <a:rPr lang="ko-KR" altLang="en-US" sz="2000" b="1" dirty="0" smtClean="0">
                 <a:solidFill>
                   <a:schemeClr val="bg1"/>
                 </a:solidFill>
@@ -11035,6 +12031,13 @@
               </a:rPr>
               <a:t>데이터 수집</a:t>
             </a:r>
+            <a:endParaRPr lang="ko-KR" altLang="en-US" sz="2000" b="1" dirty="0">
+              <a:solidFill>
+                <a:schemeClr val="bg1"/>
+              </a:solidFill>
+              <a:latin typeface="나눔고딕 ExtraBold" pitchFamily="50" charset="-127"/>
+              <a:ea typeface="나눔고딕 ExtraBold" pitchFamily="50" charset="-127"/>
+            </a:endParaRPr>
           </a:p>
         </p:txBody>
       </p:sp>
@@ -11132,11 +12135,11 @@
           <a:lstStyle/>
           <a:p>
             <a:r>
-              <a:rPr lang="en-US" altLang="ko-KR" b="1" dirty="0"/>
+              <a:rPr lang="en-US" altLang="ko-KR" b="1" dirty="0" smtClean="0"/>
               <a:t> </a:t>
             </a:r>
             <a:r>
-              <a:rPr lang="ko-KR" altLang="en-US" b="1" dirty="0"/>
+              <a:rPr lang="ko-KR" altLang="en-US" b="1" dirty="0" smtClean="0"/>
               <a:t>동적 </a:t>
             </a:r>
             <a:r>
@@ -11249,54 +12252,54 @@
               </a:lnSpc>
             </a:pPr>
             <a:r>
+              <a:rPr lang="en-US" altLang="ko-KR" sz="1200" dirty="0" smtClean="0">
+                <a:latin typeface="+mn-ea"/>
+              </a:rPr>
+              <a:t># </a:t>
+            </a:r>
+            <a:r>
+              <a:rPr lang="ko-KR" altLang="en-US" sz="1200" b="1" dirty="0" smtClean="0">
+                <a:latin typeface="+mn-ea"/>
+              </a:rPr>
+              <a:t>단수형으로 </a:t>
+            </a:r>
+            <a:r>
+              <a:rPr lang="ko-KR" altLang="en-US" sz="1200" b="1" dirty="0" err="1">
+                <a:latin typeface="+mn-ea"/>
+              </a:rPr>
+              <a:t>노드</a:t>
+            </a:r>
+            <a:r>
+              <a:rPr lang="ko-KR" altLang="en-US" sz="1200" b="1" dirty="0">
+                <a:latin typeface="+mn-ea"/>
+              </a:rPr>
+              <a:t> 추출 </a:t>
+            </a:r>
+            <a:r>
+              <a:rPr lang="en-US" altLang="ko-KR" sz="1200" dirty="0" smtClean="0">
+                <a:latin typeface="+mn-ea"/>
+              </a:rPr>
+              <a:t>- </a:t>
+            </a:r>
+            <a:r>
+              <a:rPr lang="en-US" altLang="ko-KR" sz="1200" dirty="0" err="1">
+                <a:latin typeface="+mn-ea"/>
+              </a:rPr>
+              <a:t>webElement</a:t>
+            </a:r>
+            <a:r>
               <a:rPr lang="en-US" altLang="ko-KR" sz="1200" dirty="0">
                 <a:latin typeface="+mn-ea"/>
               </a:rPr>
-              <a:t># </a:t>
-            </a:r>
-            <a:r>
-              <a:rPr lang="ko-KR" altLang="en-US" sz="1200" b="1" dirty="0">
-                <a:latin typeface="+mn-ea"/>
-              </a:rPr>
-              <a:t>단수형으로 </a:t>
-            </a:r>
-            <a:r>
-              <a:rPr lang="ko-KR" altLang="en-US" sz="1200" b="1" dirty="0" err="1">
-                <a:latin typeface="+mn-ea"/>
-              </a:rPr>
-              <a:t>노드</a:t>
-            </a:r>
-            <a:r>
-              <a:rPr lang="ko-KR" altLang="en-US" sz="1200" b="1" dirty="0">
-                <a:latin typeface="+mn-ea"/>
-              </a:rPr>
-              <a:t> 추출 </a:t>
-            </a:r>
-            <a:r>
-              <a:rPr lang="en-US" altLang="ko-KR" sz="1200" dirty="0">
-                <a:latin typeface="+mn-ea"/>
-              </a:rPr>
-              <a:t>- </a:t>
-            </a:r>
-            <a:r>
-              <a:rPr lang="en-US" altLang="ko-KR" sz="1200" dirty="0" err="1">
-                <a:latin typeface="+mn-ea"/>
-              </a:rPr>
-              <a:t>webElement</a:t>
-            </a:r>
-            <a:r>
-              <a:rPr lang="en-US" altLang="ko-KR" sz="1200" dirty="0">
-                <a:latin typeface="+mn-ea"/>
-              </a:rPr>
               <a:t> </a:t>
             </a:r>
             <a:r>
-              <a:rPr lang="ko-KR" altLang="en-US" sz="1200" dirty="0">
+              <a:rPr lang="ko-KR" altLang="en-US" sz="1200" dirty="0" smtClean="0">
                 <a:latin typeface="+mn-ea"/>
               </a:rPr>
               <a:t>객체 리턴</a:t>
             </a:r>
-            <a:endParaRPr lang="en-US" altLang="ko-KR" sz="1200" dirty="0">
+            <a:endParaRPr lang="en-US" altLang="ko-KR" sz="1200" dirty="0" smtClean="0">
               <a:latin typeface="+mn-ea"/>
             </a:endParaRPr>
           </a:p>
@@ -11307,22 +12310,28 @@
               </a:lnSpc>
             </a:pPr>
             <a:r>
+              <a:rPr lang="en-US" altLang="ko-KR" sz="1200" b="1" dirty="0" smtClean="0">
+                <a:latin typeface="+mn-ea"/>
+              </a:rPr>
+              <a:t>one &lt;- </a:t>
+            </a:r>
+            <a:r>
+              <a:rPr lang="en-US" altLang="ko-KR" sz="1200" b="1" dirty="0" err="1" smtClean="0">
+                <a:latin typeface="+mn-ea"/>
+              </a:rPr>
+              <a:t>remDr$findElement</a:t>
+            </a:r>
+            <a:r>
+              <a:rPr lang="en-US" altLang="ko-KR" sz="1200" b="1" dirty="0" smtClean="0">
+                <a:latin typeface="+mn-ea"/>
+              </a:rPr>
+              <a:t>(using</a:t>
+            </a:r>
+            <a:r>
               <a:rPr lang="en-US" altLang="ko-KR" sz="1200" b="1" dirty="0">
                 <a:latin typeface="+mn-ea"/>
               </a:rPr>
-              <a:t>one &lt;- </a:t>
-            </a:r>
-            <a:r>
-              <a:rPr lang="en-US" altLang="ko-KR" sz="1200" b="1" dirty="0" err="1">
-                <a:latin typeface="+mn-ea"/>
-              </a:rPr>
-              <a:t>remDr$findElement</a:t>
-            </a:r>
-            <a:r>
-              <a:rPr lang="en-US" altLang="ko-KR" sz="1200" b="1" dirty="0">
-                <a:latin typeface="+mn-ea"/>
-              </a:rPr>
-              <a:t>(using='</a:t>
+              <a:t>='</a:t>
             </a:r>
             <a:r>
               <a:rPr lang="en-US" altLang="ko-KR" sz="1200" b="1" dirty="0" err="1">
@@ -11486,20 +12495,29 @@
               <a:rPr lang="ko-KR" altLang="en-US" sz="1200" dirty="0">
                 <a:latin typeface="+mn-ea"/>
               </a:rPr>
-              <a:t> 추출 </a:t>
-            </a:r>
-            <a:r>
-              <a:rPr lang="en-US" altLang="ko-KR" sz="1200" dirty="0">
+              <a:t> </a:t>
+            </a:r>
+            <a:r>
+              <a:rPr lang="ko-KR" altLang="en-US" sz="1200" dirty="0" smtClean="0">
+                <a:latin typeface="+mn-ea"/>
+              </a:rPr>
+              <a:t>추출 </a:t>
+            </a:r>
+            <a:r>
+              <a:rPr lang="en-US" altLang="ko-KR" sz="1200" dirty="0" smtClean="0">
                 <a:latin typeface="+mn-ea"/>
               </a:rPr>
               <a:t>– </a:t>
             </a:r>
             <a:r>
-              <a:rPr lang="ko-KR" altLang="en-US" sz="1200" dirty="0">
+              <a:rPr lang="ko-KR" altLang="en-US" sz="1200" dirty="0" smtClean="0">
                 <a:latin typeface="+mn-ea"/>
               </a:rPr>
               <a:t>오류 발생</a:t>
             </a:r>
+            <a:endParaRPr lang="ko-KR" altLang="en-US" sz="1200" dirty="0">
+              <a:latin typeface="+mn-ea"/>
+            </a:endParaRPr>
           </a:p>
           <a:p>
             <a:pPr>
@@ -11508,11 +12526,14 @@
               </a:lnSpc>
             </a:pPr>
             <a:r>
-              <a:rPr lang="en-US" altLang="ko-KR" sz="1200" dirty="0">
+              <a:rPr lang="en-US" altLang="ko-KR" sz="1200" dirty="0" smtClean="0">
                 <a:latin typeface="+mn-ea"/>
               </a:rPr>
               <a:t>one &lt;- NULL</a:t>
             </a:r>
+            <a:endParaRPr lang="en-US" altLang="ko-KR" sz="1200" dirty="0">
+              <a:latin typeface="+mn-ea"/>
+            </a:endParaRPr>
           </a:p>
           <a:p>
             <a:pPr>
@@ -11521,43 +12542,49 @@
               </a:lnSpc>
             </a:pPr>
             <a:r>
+              <a:rPr lang="en-US" altLang="ko-KR" sz="1200" dirty="0" smtClean="0">
+                <a:latin typeface="+mn-ea"/>
+              </a:rPr>
+              <a:t>one &lt;- </a:t>
+            </a:r>
+            <a:r>
+              <a:rPr lang="en-US" altLang="ko-KR" sz="1200" dirty="0" err="1" smtClean="0">
+                <a:latin typeface="+mn-ea"/>
+              </a:rPr>
+              <a:t>remDr$findElement</a:t>
+            </a:r>
+            <a:r>
+              <a:rPr lang="en-US" altLang="ko-KR" sz="1200" dirty="0" smtClean="0">
+                <a:latin typeface="+mn-ea"/>
+              </a:rPr>
+              <a:t>(using</a:t>
+            </a:r>
+            <a:r>
               <a:rPr lang="en-US" altLang="ko-KR" sz="1200" dirty="0">
                 <a:latin typeface="+mn-ea"/>
               </a:rPr>
-              <a:t>one &lt;- </a:t>
+              <a:t>='</a:t>
             </a:r>
             <a:r>
               <a:rPr lang="en-US" altLang="ko-KR" sz="1200" dirty="0" err="1">
                 <a:latin typeface="+mn-ea"/>
               </a:rPr>
-              <a:t>remDr$findElement</a:t>
+              <a:t>css</a:t>
             </a:r>
             <a:r>
               <a:rPr lang="en-US" altLang="ko-KR" sz="1200" dirty="0">
                 <a:latin typeface="+mn-ea"/>
               </a:rPr>
-              <a:t>(using='</a:t>
+              <a:t> </a:t>
             </a:r>
             <a:r>
               <a:rPr lang="en-US" altLang="ko-KR" sz="1200" dirty="0" err="1">
                 <a:latin typeface="+mn-ea"/>
               </a:rPr>
-              <a:t>css</a:t>
-            </a:r>
-            <a:r>
-              <a:rPr lang="en-US" altLang="ko-KR" sz="1200" dirty="0">
-                <a:latin typeface="+mn-ea"/>
-              </a:rPr>
-              <a:t> </a:t>
-            </a:r>
-            <a:r>
-              <a:rPr lang="en-US" altLang="ko-KR" sz="1200" dirty="0" err="1">
-                <a:latin typeface="+mn-ea"/>
-              </a:rPr>
               <a:t>selector','p</a:t>
             </a:r>
             <a:r>
-              <a:rPr lang="en-US" altLang="ko-KR" sz="1200" dirty="0">
+              <a:rPr lang="en-US" altLang="ko-KR" sz="1200" dirty="0" smtClean="0">
                 <a:latin typeface="+mn-ea"/>
               </a:rPr>
               <a:t>')</a:t>
@@ -11656,11 +12683,14 @@
               </a:lnSpc>
             </a:pPr>
             <a:r>
-              <a:rPr lang="en-US" altLang="ko-KR" sz="1200" dirty="0">
+              <a:rPr lang="en-US" altLang="ko-KR" sz="1200" dirty="0" smtClean="0">
                 <a:latin typeface="+mn-ea"/>
               </a:rPr>
               <a:t>one &lt;- NULL</a:t>
             </a:r>
+            <a:endParaRPr lang="en-US" altLang="ko-KR" sz="1200" dirty="0">
+              <a:latin typeface="+mn-ea"/>
+            </a:endParaRPr>
           </a:p>
           <a:p>
             <a:pPr>
@@ -11723,6 +12753,13 @@
   <p:clrMapOvr>
     <a:masterClrMapping/>
   </p:clrMapOvr>
+  <p:timing>
+    <p:tnLst>
+      <p:par>
+        <p:cTn id="1" dur="indefinite" restart="never" nodeType="tmRoot"/>
+      </p:par>
+    </p:tnLst>
+  </p:timing>
 </p:sld>
 </file>
 
@@ -11794,7 +12831,7 @@
           <a:lstStyle/>
           <a:p>
             <a:r>
-              <a:rPr lang="en-US" altLang="ko-KR" sz="1400" b="1" dirty="0">
+              <a:rPr lang="en-US" altLang="ko-KR" sz="1400" b="1" dirty="0" smtClean="0">
                 <a:solidFill>
                   <a:schemeClr val="tx1">
                     <a:lumMod val="50000"/>
@@ -11807,7 +12844,7 @@
               <a:t> </a:t>
             </a:r>
             <a:r>
-              <a:rPr lang="en-US" altLang="ko-KR" sz="2000" b="1" dirty="0">
+              <a:rPr lang="en-US" altLang="ko-KR" sz="2000" b="1" dirty="0" smtClean="0">
                 <a:solidFill>
                   <a:schemeClr val="bg1"/>
                 </a:solidFill>
@@ -11817,7 +12854,7 @@
               <a:t> </a:t>
             </a:r>
             <a:r>
-              <a:rPr lang="ko-KR" altLang="en-US" sz="2000" b="1" dirty="0">
+              <a:rPr lang="ko-KR" altLang="en-US" sz="2000" b="1" dirty="0" smtClean="0">
                 <a:solidFill>
                   <a:schemeClr val="bg1"/>
                 </a:solidFill>
@@ -11826,6 +12863,13 @@
               </a:rPr>
               <a:t>데이터 수집</a:t>
             </a:r>
+            <a:endParaRPr lang="ko-KR" altLang="en-US" sz="2000" b="1" dirty="0">
+              <a:solidFill>
+                <a:schemeClr val="bg1"/>
+              </a:solidFill>
+              <a:latin typeface="나눔고딕 ExtraBold" pitchFamily="50" charset="-127"/>
+              <a:ea typeface="나눔고딕 ExtraBold" pitchFamily="50" charset="-127"/>
+            </a:endParaRPr>
           </a:p>
         </p:txBody>
       </p:sp>
@@ -11923,11 +12967,11 @@
           <a:lstStyle/>
           <a:p>
             <a:r>
-              <a:rPr lang="en-US" altLang="ko-KR" b="1" dirty="0"/>
+              <a:rPr lang="en-US" altLang="ko-KR" b="1" dirty="0" smtClean="0"/>
               <a:t> </a:t>
             </a:r>
             <a:r>
-              <a:rPr lang="ko-KR" altLang="en-US" b="1" dirty="0"/>
+              <a:rPr lang="ko-KR" altLang="en-US" b="1" dirty="0" smtClean="0"/>
               <a:t>동적 </a:t>
             </a:r>
             <a:r>
@@ -11980,7 +13024,7 @@
               </a:lnSpc>
             </a:pPr>
             <a:r>
-              <a:rPr lang="en-US" altLang="ko-KR" sz="1200" dirty="0">
+              <a:rPr lang="en-US" altLang="ko-KR" sz="1200" dirty="0" smtClean="0">
                 <a:latin typeface="+mn-ea"/>
               </a:rPr>
               <a:t>#</a:t>
@@ -12001,20 +13045,29 @@
               <a:rPr lang="ko-KR" altLang="en-US" sz="1200" b="1" dirty="0">
                 <a:latin typeface="+mn-ea"/>
               </a:rPr>
-              <a:t> 추출 </a:t>
-            </a:r>
-            <a:r>
-              <a:rPr lang="en-US" altLang="ko-KR" sz="1200" dirty="0">
+              <a:t> </a:t>
+            </a:r>
+            <a:r>
+              <a:rPr lang="ko-KR" altLang="en-US" sz="1200" b="1" dirty="0" smtClean="0">
+                <a:latin typeface="+mn-ea"/>
+              </a:rPr>
+              <a:t>추출 </a:t>
+            </a:r>
+            <a:r>
+              <a:rPr lang="en-US" altLang="ko-KR" sz="1200" dirty="0" smtClean="0">
                 <a:latin typeface="+mn-ea"/>
               </a:rPr>
               <a:t>– list </a:t>
             </a:r>
             <a:r>
-              <a:rPr lang="ko-KR" altLang="en-US" sz="1200" dirty="0">
+              <a:rPr lang="ko-KR" altLang="en-US" sz="1200" dirty="0" smtClean="0">
                 <a:latin typeface="+mn-ea"/>
               </a:rPr>
               <a:t>객체 리턴</a:t>
             </a:r>
+            <a:endParaRPr lang="ko-KR" altLang="en-US" sz="1200" dirty="0">
+              <a:latin typeface="+mn-ea"/>
+            </a:endParaRPr>
           </a:p>
           <a:p>
             <a:pPr>
@@ -12023,22 +13076,28 @@
               </a:lnSpc>
             </a:pPr>
             <a:r>
+              <a:rPr lang="en-US" altLang="ko-KR" sz="1200" b="1" dirty="0" smtClean="0">
+                <a:latin typeface="+mn-ea"/>
+              </a:rPr>
+              <a:t>more &lt;- </a:t>
+            </a:r>
+            <a:r>
+              <a:rPr lang="en-US" altLang="ko-KR" sz="1200" b="1" dirty="0" err="1" smtClean="0">
+                <a:latin typeface="+mn-ea"/>
+              </a:rPr>
+              <a:t>remDr$findElements</a:t>
+            </a:r>
+            <a:r>
+              <a:rPr lang="en-US" altLang="ko-KR" sz="1200" b="1" dirty="0" smtClean="0">
+                <a:latin typeface="+mn-ea"/>
+              </a:rPr>
+              <a:t>(using</a:t>
+            </a:r>
+            <a:r>
               <a:rPr lang="en-US" altLang="ko-KR" sz="1200" b="1" dirty="0">
                 <a:latin typeface="+mn-ea"/>
               </a:rPr>
-              <a:t>more &lt;- </a:t>
-            </a:r>
-            <a:r>
-              <a:rPr lang="en-US" altLang="ko-KR" sz="1200" b="1" dirty="0" err="1">
-                <a:latin typeface="+mn-ea"/>
-              </a:rPr>
-              <a:t>remDr$findElements</a:t>
-            </a:r>
-            <a:r>
-              <a:rPr lang="en-US" altLang="ko-KR" sz="1200" b="1" dirty="0">
-                <a:latin typeface="+mn-ea"/>
-              </a:rPr>
-              <a:t>(using='</a:t>
+              <a:t>='</a:t>
             </a:r>
             <a:r>
               <a:rPr lang="en-US" altLang="ko-KR" sz="1200" b="1" dirty="0" err="1">
@@ -12153,32 +13212,41 @@
               <a:rPr lang="ko-KR" altLang="en-US" sz="1200" dirty="0">
                 <a:latin typeface="+mn-ea"/>
               </a:rPr>
-              <a:t>복수형으로 없는 추출 </a:t>
-            </a:r>
-            <a:r>
-              <a:rPr lang="en-US" altLang="ko-KR" sz="1200" dirty="0">
+              <a:t>복수형으로 없는 </a:t>
+            </a:r>
+            <a:r>
+              <a:rPr lang="ko-KR" altLang="en-US" sz="1200" dirty="0" smtClean="0">
+                <a:latin typeface="+mn-ea"/>
+              </a:rPr>
+              <a:t>추출 </a:t>
+            </a:r>
+            <a:r>
+              <a:rPr lang="en-US" altLang="ko-KR" sz="1200" dirty="0" smtClean="0">
                 <a:latin typeface="+mn-ea"/>
               </a:rPr>
               <a:t>– </a:t>
             </a:r>
             <a:r>
-              <a:rPr lang="ko-KR" altLang="en-US" sz="1200" dirty="0">
+              <a:rPr lang="ko-KR" altLang="en-US" sz="1200" dirty="0" smtClean="0">
                 <a:latin typeface="+mn-ea"/>
               </a:rPr>
               <a:t>비어있는 </a:t>
             </a:r>
             <a:r>
-              <a:rPr lang="en-US" altLang="ko-KR" sz="1200" dirty="0">
+              <a:rPr lang="en-US" altLang="ko-KR" sz="1200" dirty="0" smtClean="0">
                 <a:latin typeface="+mn-ea"/>
               </a:rPr>
               <a:t>list </a:t>
             </a:r>
             <a:r>
-              <a:rPr lang="ko-KR" altLang="en-US" sz="1200" dirty="0">
+              <a:rPr lang="ko-KR" altLang="en-US" sz="1200" dirty="0" smtClean="0">
                 <a:latin typeface="+mn-ea"/>
               </a:rPr>
               <a:t>객체 리턴</a:t>
             </a:r>
+            <a:endParaRPr lang="ko-KR" altLang="en-US" sz="1200" dirty="0">
+              <a:latin typeface="+mn-ea"/>
+            </a:endParaRPr>
           </a:p>
           <a:p>
             <a:pPr>
@@ -12187,47 +13255,56 @@
               </a:lnSpc>
             </a:pPr>
             <a:r>
+              <a:rPr lang="en-US" altLang="ko-KR" sz="1200" dirty="0" smtClean="0">
+                <a:latin typeface="+mn-ea"/>
+              </a:rPr>
+              <a:t>more &lt;- </a:t>
+            </a:r>
+            <a:r>
+              <a:rPr lang="en-US" altLang="ko-KR" sz="1200" dirty="0" err="1" smtClean="0">
+                <a:latin typeface="+mn-ea"/>
+              </a:rPr>
+              <a:t>remDr$findElements</a:t>
+            </a:r>
+            <a:r>
+              <a:rPr lang="en-US" altLang="ko-KR" sz="1200" dirty="0" smtClean="0">
+                <a:latin typeface="+mn-ea"/>
+              </a:rPr>
+              <a:t>(using</a:t>
+            </a:r>
+            <a:r>
               <a:rPr lang="en-US" altLang="ko-KR" sz="1200" dirty="0">
                 <a:latin typeface="+mn-ea"/>
               </a:rPr>
-              <a:t>more &lt;- </a:t>
+              <a:t>='</a:t>
             </a:r>
             <a:r>
               <a:rPr lang="en-US" altLang="ko-KR" sz="1200" dirty="0" err="1">
                 <a:latin typeface="+mn-ea"/>
               </a:rPr>
-              <a:t>remDr$findElements</a:t>
+              <a:t>css</a:t>
             </a:r>
             <a:r>
               <a:rPr lang="en-US" altLang="ko-KR" sz="1200" dirty="0">
                 <a:latin typeface="+mn-ea"/>
               </a:rPr>
-              <a:t>(using='</a:t>
+              <a:t> </a:t>
             </a:r>
             <a:r>
               <a:rPr lang="en-US" altLang="ko-KR" sz="1200" dirty="0" err="1">
                 <a:latin typeface="+mn-ea"/>
               </a:rPr>
-              <a:t>css</a:t>
+              <a:t>selector','p</a:t>
             </a:r>
             <a:r>
               <a:rPr lang="en-US" altLang="ko-KR" sz="1200" dirty="0">
                 <a:latin typeface="+mn-ea"/>
               </a:rPr>
-              <a:t> </a:t>
-            </a:r>
-            <a:r>
-              <a:rPr lang="en-US" altLang="ko-KR" sz="1200" dirty="0" err="1">
-                <a:latin typeface="+mn-ea"/>
-              </a:rPr>
-              <a:t>selector','p</a:t>
-            </a:r>
-            <a:r>
-              <a:rPr lang="en-US" altLang="ko-KR" sz="1200" dirty="0">
-                <a:latin typeface="+mn-ea"/>
-              </a:rPr>
               <a:t>') </a:t>
             </a:r>
+            <a:endParaRPr lang="en-US" altLang="ko-KR" sz="1200" dirty="0" smtClean="0">
+              <a:latin typeface="+mn-ea"/>
+            </a:endParaRPr>
           </a:p>
           <a:p>
             <a:pPr>
@@ -12236,10 +13313,16 @@
               </a:lnSpc>
             </a:pPr>
             <a:r>
+              <a:rPr lang="en-US" altLang="ko-KR" sz="1200" dirty="0" smtClean="0">
+                <a:latin typeface="+mn-ea"/>
+              </a:rPr>
+              <a:t>if(length(more</a:t>
+            </a:r>
+            <a:r>
               <a:rPr lang="en-US" altLang="ko-KR" sz="1200" dirty="0">
                 <a:latin typeface="+mn-ea"/>
               </a:rPr>
-              <a:t>if(length(more) == 0) </a:t>
+              <a:t>) == 0) </a:t>
             </a:r>
           </a:p>
           <a:p>
@@ -12270,8 +13353,17 @@
               <a:rPr lang="en-US" altLang="ko-KR" sz="1200" dirty="0">
                 <a:latin typeface="+mn-ea"/>
               </a:rPr>
-              <a:t>\n")</a:t>
-            </a:r>
+              <a:t>\n</a:t>
+            </a:r>
+            <a:r>
+              <a:rPr lang="en-US" altLang="ko-KR" sz="1200" dirty="0" smtClean="0">
+                <a:latin typeface="+mn-ea"/>
+              </a:rPr>
+              <a:t>")</a:t>
+            </a:r>
+            <a:endParaRPr lang="en-US" altLang="ko-KR" sz="1200" dirty="0">
+              <a:latin typeface="+mn-ea"/>
+            </a:endParaRPr>
           </a:p>
         </p:txBody>
       </p:sp>
@@ -12285,6 +13377,13 @@
   <p:clrMapOvr>
     <a:masterClrMapping/>
   </p:clrMapOvr>
+  <p:timing>
+    <p:tnLst>
+      <p:par>
+        <p:cTn id="1" dur="indefinite" restart="never" nodeType="tmRoot"/>
+      </p:par>
+    </p:tnLst>
+  </p:timing>
 </p:sld>
 </file>
 
@@ -12564,7 +13663,7 @@
   <a:extraClrSchemeLst/>
   <a:extLst>
     <a:ext uri="{05A4C25C-085E-4340-85A3-A5531E510DB2}">
-      <thm15:themeFamily xmlns:thm15="http://schemas.microsoft.com/office/thememl/2012/main" name="Office Theme" id="{62F939B6-93AF-4DB8-9C6B-D6C7DFDC589F}" vid="{4A3C46E8-61CC-4603-A589-7422A47A8E4A}"/>
+      <thm15:themeFamily xmlns:thm15="http://schemas.microsoft.com/office/thememl/2012/main" xmlns="" name="Office Theme" id="{62F939B6-93AF-4DB8-9C6B-D6C7DFDC589F}" vid="{4A3C46E8-61CC-4603-A589-7422A47A8E4A}"/>
     </a:ext>
   </a:extLst>
 </a:theme>
@@ -12825,7 +13924,7 @@
   <a:extraClrSchemeLst/>
   <a:extLst>
     <a:ext uri="{05A4C25C-085E-4340-85A3-A5531E510DB2}">
-      <thm15:themeFamily xmlns:thm15="http://schemas.microsoft.com/office/thememl/2012/main" name="Office Theme" id="{62F939B6-93AF-4DB8-9C6B-D6C7DFDC589F}" vid="{4A3C46E8-61CC-4603-A589-7422A47A8E4A}"/>
+      <thm15:themeFamily xmlns:thm15="http://schemas.microsoft.com/office/thememl/2012/main" xmlns="" name="Office Theme" id="{62F939B6-93AF-4DB8-9C6B-D6C7DFDC589F}" vid="{4A3C46E8-61CC-4603-A589-7422A47A8E4A}"/>
     </a:ext>
   </a:extLst>
 </a:theme>
